--- a/Bis 15L.pptx
+++ b/Bis 15L.pptx
@@ -22,18 +22,19 @@
     <p:sldId id="267" r:id="rId17"/>
     <p:sldId id="268" r:id="rId18"/>
     <p:sldId id="269" r:id="rId19"/>
+    <p:sldId id="270" r:id="rId20"/>
   </p:sldIdLst>
   <p:sldSz cy="5143500" cx="9144000"/>
   <p:notesSz cx="6858000" cy="9144000"/>
   <p:embeddedFontLst>
     <p:embeddedFont>
       <p:font typeface="Average"/>
-      <p:regular r:id="rId20"/>
+      <p:regular r:id="rId21"/>
     </p:embeddedFont>
     <p:embeddedFont>
       <p:font typeface="Oswald"/>
-      <p:regular r:id="rId21"/>
-      <p:bold r:id="rId22"/>
+      <p:regular r:id="rId22"/>
+      <p:bold r:id="rId23"/>
     </p:embeddedFont>
   </p:embeddedFontLst>
   <p:defaultTextStyle>
@@ -1260,6 +1261,105 @@
       <p:sp>
         <p:nvSpPr>
           <p:cNvPr id="142" name="Google Shape;142;g710f7ca818_0_49:notes"/>
+          <p:cNvSpPr txBox="1"/>
+          <p:nvPr>
+            <p:ph idx="1" type="body"/>
+          </p:nvPr>
+        </p:nvSpPr>
+        <p:spPr>
+          <a:xfrm>
+            <a:off x="685800" y="4343400"/>
+            <a:ext cx="5486400" cy="4114800"/>
+          </a:xfrm>
+          <a:prstGeom prst="rect">
+            <a:avLst/>
+          </a:prstGeom>
+        </p:spPr>
+        <p:txBody>
+          <a:bodyPr anchorCtr="0" anchor="t" bIns="91425" lIns="91425" spcFirstLastPara="1" rIns="91425" wrap="square" tIns="91425">
+            <a:noAutofit/>
+          </a:bodyPr>
+          <a:lstStyle/>
+          <a:p>
+            <a:pPr indent="0" lvl="0" marL="0" rtl="0" algn="l">
+              <a:spcBef>
+                <a:spcPts val="0"/>
+              </a:spcBef>
+              <a:spcAft>
+                <a:spcPts val="0"/>
+              </a:spcAft>
+              <a:buNone/>
+            </a:pPr>
+            <a:r>
+              <a:t/>
+            </a:r>
+            <a:endParaRPr/>
+          </a:p>
+        </p:txBody>
+      </p:sp>
+    </p:spTree>
+  </p:cSld>
+  <p:clrMapOvr>
+    <a:masterClrMapping/>
+  </p:clrMapOvr>
+</p:notes>
+</file>
+
+<file path=ppt/notesSlides/notesSlide15.xml><?xml version="1.0" encoding="utf-8"?>
+<p:notes xmlns:a="http://schemas.openxmlformats.org/drawingml/2006/main" xmlns:r="http://schemas.openxmlformats.org/officeDocument/2006/relationships" xmlns:mc="http://schemas.openxmlformats.org/markup-compatibility/2006" xmlns:mv="urn:schemas-microsoft-com:mac:vml" xmlns:p="http://schemas.openxmlformats.org/presentationml/2006/main" xmlns:c="http://schemas.openxmlformats.org/drawingml/2006/chart" xmlns:dgm="http://schemas.openxmlformats.org/drawingml/2006/diagram" xmlns:o="urn:schemas-microsoft-com:office:office" xmlns:v="urn:schemas-microsoft-com:vml" xmlns:pvml="urn:schemas-microsoft-com:office:powerpoint" xmlns:com="http://schemas.openxmlformats.org/drawingml/2006/compatibility" xmlns:p14="http://schemas.microsoft.com/office/powerpoint/2010/main" xmlns:p15="http://schemas.microsoft.com/office/powerpoint/2012/main" showMasterPhAnim="0" showMasterSp="0">
+  <p:cSld>
+    <p:spTree>
+      <p:nvGrpSpPr>
+        <p:cNvPr id="146" name="Shape 146"/>
+        <p:cNvGrpSpPr/>
+        <p:nvPr/>
+      </p:nvGrpSpPr>
+      <p:grpSpPr>
+        <a:xfrm>
+          <a:off x="0" y="0"/>
+          <a:ext cx="0" cy="0"/>
+          <a:chOff x="0" y="0"/>
+          <a:chExt cx="0" cy="0"/>
+        </a:xfrm>
+      </p:grpSpPr>
+      <p:sp>
+        <p:nvSpPr>
+          <p:cNvPr id="147" name="Google Shape;147;g816d8a67ac_0_0:notes"/>
+          <p:cNvSpPr/>
+          <p:nvPr>
+            <p:ph idx="2" type="sldImg"/>
+          </p:nvPr>
+        </p:nvSpPr>
+        <p:spPr>
+          <a:xfrm>
+            <a:off x="381300" y="685800"/>
+            <a:ext cx="6096000" cy="3429000"/>
+          </a:xfrm>
+          <a:custGeom>
+            <a:rect b="b" l="l" r="r" t="t"/>
+            <a:pathLst>
+              <a:path extrusionOk="0" h="120000" w="120000">
+                <a:moveTo>
+                  <a:pt x="0" y="0"/>
+                </a:moveTo>
+                <a:lnTo>
+                  <a:pt x="120000" y="0"/>
+                </a:lnTo>
+                <a:lnTo>
+                  <a:pt x="120000" y="120000"/>
+                </a:lnTo>
+                <a:lnTo>
+                  <a:pt x="0" y="120000"/>
+                </a:lnTo>
+                <a:close/>
+              </a:path>
+            </a:pathLst>
+          </a:custGeom>
+        </p:spPr>
+      </p:sp>
+      <p:sp>
+        <p:nvSpPr>
+          <p:cNvPr id="148" name="Google Shape;148;g816d8a67ac_0_0:notes"/>
           <p:cNvSpPr txBox="1"/>
           <p:nvPr>
             <p:ph idx="1" type="body"/>
@@ -8121,6 +8221,263 @@
 </p:sld>
 </file>
 
+<file path=ppt/slides/slide15.xml><?xml version="1.0" encoding="utf-8"?>
+<p:sld xmlns:a="http://schemas.openxmlformats.org/drawingml/2006/main" xmlns:r="http://schemas.openxmlformats.org/officeDocument/2006/relationships" xmlns:mc="http://schemas.openxmlformats.org/markup-compatibility/2006" xmlns:mv="urn:schemas-microsoft-com:mac:vml" xmlns:p="http://schemas.openxmlformats.org/presentationml/2006/main" xmlns:c="http://schemas.openxmlformats.org/drawingml/2006/chart" xmlns:dgm="http://schemas.openxmlformats.org/drawingml/2006/diagram" xmlns:o="urn:schemas-microsoft-com:office:office" xmlns:v="urn:schemas-microsoft-com:vml" xmlns:pvml="urn:schemas-microsoft-com:office:powerpoint" xmlns:com="http://schemas.openxmlformats.org/drawingml/2006/compatibility" xmlns:p14="http://schemas.microsoft.com/office/powerpoint/2010/main" xmlns:p15="http://schemas.microsoft.com/office/powerpoint/2012/main">
+  <p:cSld>
+    <p:spTree>
+      <p:nvGrpSpPr>
+        <p:cNvPr id="149" name="Shape 149"/>
+        <p:cNvGrpSpPr/>
+        <p:nvPr/>
+      </p:nvGrpSpPr>
+      <p:grpSpPr>
+        <a:xfrm>
+          <a:off x="0" y="0"/>
+          <a:ext cx="0" cy="0"/>
+          <a:chOff x="0" y="0"/>
+          <a:chExt cx="0" cy="0"/>
+        </a:xfrm>
+      </p:grpSpPr>
+      <p:sp>
+        <p:nvSpPr>
+          <p:cNvPr id="150" name="Google Shape;150;p27"/>
+          <p:cNvSpPr txBox="1"/>
+          <p:nvPr>
+            <p:ph type="title"/>
+          </p:nvPr>
+        </p:nvSpPr>
+        <p:spPr>
+          <a:xfrm>
+            <a:off x="311700" y="445025"/>
+            <a:ext cx="8520600" cy="572700"/>
+          </a:xfrm>
+          <a:prstGeom prst="rect">
+            <a:avLst/>
+          </a:prstGeom>
+        </p:spPr>
+        <p:txBody>
+          <a:bodyPr anchorCtr="0" anchor="t" bIns="91425" lIns="91425" spcFirstLastPara="1" rIns="91425" wrap="square" tIns="91425">
+            <a:noAutofit/>
+          </a:bodyPr>
+          <a:lstStyle/>
+          <a:p>
+            <a:pPr indent="0" lvl="0" marL="0" rtl="0" algn="ctr">
+              <a:spcBef>
+                <a:spcPts val="0"/>
+              </a:spcBef>
+              <a:spcAft>
+                <a:spcPts val="0"/>
+              </a:spcAft>
+              <a:buNone/>
+            </a:pPr>
+            <a:r>
+              <a:rPr lang="en"/>
+              <a:t>Conclusion</a:t>
+            </a:r>
+            <a:endParaRPr/>
+          </a:p>
+        </p:txBody>
+      </p:sp>
+      <p:sp>
+        <p:nvSpPr>
+          <p:cNvPr id="151" name="Google Shape;151;p27"/>
+          <p:cNvSpPr txBox="1"/>
+          <p:nvPr>
+            <p:ph idx="1" type="body"/>
+          </p:nvPr>
+        </p:nvSpPr>
+        <p:spPr>
+          <a:xfrm>
+            <a:off x="311700" y="1152475"/>
+            <a:ext cx="8520600" cy="3416400"/>
+          </a:xfrm>
+          <a:prstGeom prst="rect">
+            <a:avLst/>
+          </a:prstGeom>
+        </p:spPr>
+        <p:txBody>
+          <a:bodyPr anchorCtr="0" anchor="t" bIns="91425" lIns="91425" spcFirstLastPara="1" rIns="91425" wrap="square" tIns="91425">
+            <a:noAutofit/>
+          </a:bodyPr>
+          <a:lstStyle/>
+          <a:p>
+            <a:pPr indent="-342900" lvl="0" marL="457200" rtl="0" algn="l">
+              <a:lnSpc>
+                <a:spcPct val="200000"/>
+              </a:lnSpc>
+              <a:spcBef>
+                <a:spcPts val="0"/>
+              </a:spcBef>
+              <a:spcAft>
+                <a:spcPts val="0"/>
+              </a:spcAft>
+              <a:buClr>
+                <a:srgbClr val="FFFFFF"/>
+              </a:buClr>
+              <a:buSzPts val="1800"/>
+              <a:buChar char="-"/>
+            </a:pPr>
+            <a:r>
+              <a:rPr lang="en">
+                <a:solidFill>
+                  <a:srgbClr val="FFFFFF"/>
+                </a:solidFill>
+              </a:rPr>
+              <a:t>Several trends found: some expected and some unexpected</a:t>
+            </a:r>
+            <a:endParaRPr>
+              <a:solidFill>
+                <a:srgbClr val="FFFFFF"/>
+              </a:solidFill>
+            </a:endParaRPr>
+          </a:p>
+          <a:p>
+            <a:pPr indent="-342900" lvl="0" marL="457200" rtl="0" algn="l">
+              <a:lnSpc>
+                <a:spcPct val="200000"/>
+              </a:lnSpc>
+              <a:spcBef>
+                <a:spcPts val="0"/>
+              </a:spcBef>
+              <a:spcAft>
+                <a:spcPts val="0"/>
+              </a:spcAft>
+              <a:buClr>
+                <a:srgbClr val="FFFFFF"/>
+              </a:buClr>
+              <a:buSzPts val="1800"/>
+              <a:buChar char="-"/>
+            </a:pPr>
+            <a:r>
+              <a:rPr lang="en">
+                <a:solidFill>
+                  <a:srgbClr val="FFFFFF"/>
+                </a:solidFill>
+              </a:rPr>
+              <a:t>Data from the 1950’s - 1980’s is still </a:t>
+            </a:r>
+            <a:r>
+              <a:rPr lang="en">
+                <a:solidFill>
+                  <a:srgbClr val="FFFFFF"/>
+                </a:solidFill>
+              </a:rPr>
+              <a:t>accessible</a:t>
+            </a:r>
+            <a:r>
+              <a:rPr lang="en">
+                <a:solidFill>
+                  <a:srgbClr val="FFFFFF"/>
+                </a:solidFill>
+              </a:rPr>
+              <a:t> (with some difficulties)</a:t>
+            </a:r>
+            <a:endParaRPr>
+              <a:solidFill>
+                <a:srgbClr val="FFFFFF"/>
+              </a:solidFill>
+            </a:endParaRPr>
+          </a:p>
+          <a:p>
+            <a:pPr indent="-342900" lvl="0" marL="457200" rtl="0" algn="l">
+              <a:lnSpc>
+                <a:spcPct val="200000"/>
+              </a:lnSpc>
+              <a:spcBef>
+                <a:spcPts val="0"/>
+              </a:spcBef>
+              <a:spcAft>
+                <a:spcPts val="0"/>
+              </a:spcAft>
+              <a:buClr>
+                <a:srgbClr val="FFFFFF"/>
+              </a:buClr>
+              <a:buSzPts val="1800"/>
+              <a:buChar char="-"/>
+            </a:pPr>
+            <a:r>
+              <a:rPr lang="en">
+                <a:solidFill>
+                  <a:srgbClr val="FFFFFF"/>
+                </a:solidFill>
+              </a:rPr>
+              <a:t>Trends suggest that cancer deaths started to decrease in 1976</a:t>
+            </a:r>
+            <a:endParaRPr>
+              <a:solidFill>
+                <a:srgbClr val="FFFFFF"/>
+              </a:solidFill>
+            </a:endParaRPr>
+          </a:p>
+          <a:p>
+            <a:pPr indent="-342900" lvl="0" marL="457200" rtl="0" algn="l">
+              <a:lnSpc>
+                <a:spcPct val="200000"/>
+              </a:lnSpc>
+              <a:spcBef>
+                <a:spcPts val="0"/>
+              </a:spcBef>
+              <a:spcAft>
+                <a:spcPts val="0"/>
+              </a:spcAft>
+              <a:buClr>
+                <a:srgbClr val="FFFFFF"/>
+              </a:buClr>
+              <a:buSzPts val="1800"/>
+              <a:buChar char="-"/>
+            </a:pPr>
+            <a:r>
+              <a:rPr lang="en">
+                <a:solidFill>
+                  <a:srgbClr val="FFFFFF"/>
+                </a:solidFill>
+              </a:rPr>
+              <a:t>Further research suggests children of survivors have no health effects </a:t>
+            </a:r>
+            <a:endParaRPr>
+              <a:solidFill>
+                <a:srgbClr val="FFFFFF"/>
+              </a:solidFill>
+            </a:endParaRPr>
+          </a:p>
+        </p:txBody>
+      </p:sp>
+      <p:pic>
+        <p:nvPicPr>
+          <p:cNvPr id="152" name="Google Shape;152;p27"/>
+          <p:cNvPicPr preferRelativeResize="0"/>
+          <p:nvPr/>
+        </p:nvPicPr>
+        <p:blipFill>
+          <a:blip r:embed="rId3">
+            <a:alphaModFix/>
+          </a:blip>
+          <a:stretch>
+            <a:fillRect/>
+          </a:stretch>
+        </p:blipFill>
+        <p:spPr>
+          <a:xfrm>
+            <a:off x="991550" y="3258800"/>
+            <a:ext cx="6330651" cy="1687525"/>
+          </a:xfrm>
+          <a:prstGeom prst="rect">
+            <a:avLst/>
+          </a:prstGeom>
+          <a:noFill/>
+          <a:ln>
+            <a:noFill/>
+          </a:ln>
+        </p:spPr>
+      </p:pic>
+    </p:spTree>
+  </p:cSld>
+  <p:clrMapOvr>
+    <a:masterClrMapping/>
+  </p:clrMapOvr>
+</p:sld>
+</file>
+
 <file path=ppt/slides/slide2.xml><?xml version="1.0" encoding="utf-8"?>
 <p:sld xmlns:a="http://schemas.openxmlformats.org/drawingml/2006/main" xmlns:r="http://schemas.openxmlformats.org/officeDocument/2006/relationships" xmlns:mc="http://schemas.openxmlformats.org/markup-compatibility/2006" xmlns:mv="urn:schemas-microsoft-com:mac:vml" xmlns:p="http://schemas.openxmlformats.org/presentationml/2006/main" xmlns:c="http://schemas.openxmlformats.org/drawingml/2006/chart" xmlns:dgm="http://schemas.openxmlformats.org/drawingml/2006/diagram" xmlns:o="urn:schemas-microsoft-com:office:office" xmlns:v="urn:schemas-microsoft-com:vml" xmlns:pvml="urn:schemas-microsoft-com:office:powerpoint" xmlns:com="http://schemas.openxmlformats.org/drawingml/2006/compatibility" xmlns:p14="http://schemas.microsoft.com/office/powerpoint/2010/main" xmlns:p15="http://schemas.microsoft.com/office/powerpoint/2012/main">
   <p:cSld>
@@ -10176,6 +10533,285 @@
 </file>
 
 <file path=ppt/theme/theme1.xml><?xml version="1.0" encoding="utf-8"?>
+<a:theme xmlns:a="http://schemas.openxmlformats.org/drawingml/2006/main" xmlns:r="http://schemas.openxmlformats.org/officeDocument/2006/relationships" name="Slate">
+  <a:themeElements>
+    <a:clrScheme name="Slate">
+      <a:dk1>
+        <a:srgbClr val="FFFFFF"/>
+      </a:dk1>
+      <a:lt1>
+        <a:srgbClr val="37474F"/>
+      </a:lt1>
+      <a:dk2>
+        <a:srgbClr val="9E9E9E"/>
+      </a:dk2>
+      <a:lt2>
+        <a:srgbClr val="E0E0E0"/>
+      </a:lt2>
+      <a:accent1>
+        <a:srgbClr val="616161"/>
+      </a:accent1>
+      <a:accent2>
+        <a:srgbClr val="78909C"/>
+      </a:accent2>
+      <a:accent3>
+        <a:srgbClr val="CACACA"/>
+      </a:accent3>
+      <a:accent4>
+        <a:srgbClr val="64FFDA"/>
+      </a:accent4>
+      <a:accent5>
+        <a:srgbClr val="FFD966"/>
+      </a:accent5>
+      <a:accent6>
+        <a:srgbClr val="F5F5F5"/>
+      </a:accent6>
+      <a:hlink>
+        <a:srgbClr val="FFD966"/>
+      </a:hlink>
+      <a:folHlink>
+        <a:srgbClr val="FFD966"/>
+      </a:folHlink>
+    </a:clrScheme>
+    <a:fontScheme name="Office">
+      <a:majorFont>
+        <a:latin typeface="Arial"/>
+        <a:ea typeface=""/>
+        <a:cs typeface=""/>
+        <a:font script="Jpan" typeface="ＭＳ Ｐゴシック"/>
+        <a:font script="Hang" typeface="맑은 고딕"/>
+        <a:font script="Hans" typeface="宋体"/>
+        <a:font script="Hant" typeface="新細明體"/>
+        <a:font script="Arab" typeface="Times New Roman"/>
+        <a:font script="Hebr" typeface="Times New Roman"/>
+        <a:font script="Thai" typeface="Angsana New"/>
+        <a:font script="Ethi" typeface="Nyala"/>
+        <a:font script="Beng" typeface="Vrinda"/>
+        <a:font script="Gujr" typeface="Shruti"/>
+        <a:font script="Khmr" typeface="MoolBoran"/>
+        <a:font script="Knda" typeface="Tunga"/>
+        <a:font script="Guru" typeface="Raavi"/>
+        <a:font script="Cans" typeface="Euphemia"/>
+        <a:font script="Cher" typeface="Plantagenet Cherokee"/>
+        <a:font script="Yiii" typeface="Microsoft Yi Baiti"/>
+        <a:font script="Tibt" typeface="Microsoft Himalaya"/>
+        <a:font script="Thaa" typeface="MV Boli"/>
+        <a:font script="Deva" typeface="Mangal"/>
+        <a:font script="Telu" typeface="Gautami"/>
+        <a:font script="Taml" typeface="Latha"/>
+        <a:font script="Syrc" typeface="Estrangelo Edessa"/>
+        <a:font script="Orya" typeface="Kalinga"/>
+        <a:font script="Mlym" typeface="Kartika"/>
+        <a:font script="Laoo" typeface="DokChampa"/>
+        <a:font script="Sinh" typeface="Iskoola Pota"/>
+        <a:font script="Mong" typeface="Mongolian Baiti"/>
+        <a:font script="Viet" typeface="Times New Roman"/>
+        <a:font script="Uigh" typeface="Microsoft Uighur"/>
+        <a:font script="Geor" typeface="Sylfaen"/>
+      </a:majorFont>
+      <a:minorFont>
+        <a:latin typeface="Arial"/>
+        <a:ea typeface=""/>
+        <a:cs typeface=""/>
+        <a:font script="Jpan" typeface="ＭＳ Ｐゴシック"/>
+        <a:font script="Hang" typeface="맑은 고딕"/>
+        <a:font script="Hans" typeface="宋体"/>
+        <a:font script="Hant" typeface="新細明體"/>
+        <a:font script="Arab" typeface="Arial"/>
+        <a:font script="Hebr" typeface="Arial"/>
+        <a:font script="Thai" typeface="Cordia New"/>
+        <a:font script="Ethi" typeface="Nyala"/>
+        <a:font script="Beng" typeface="Vrinda"/>
+        <a:font script="Gujr" typeface="Shruti"/>
+        <a:font script="Khmr" typeface="DaunPenh"/>
+        <a:font script="Knda" typeface="Tunga"/>
+        <a:font script="Guru" typeface="Raavi"/>
+        <a:font script="Cans" typeface="Euphemia"/>
+        <a:font script="Cher" typeface="Plantagenet Cherokee"/>
+        <a:font script="Yiii" typeface="Microsoft Yi Baiti"/>
+        <a:font script="Tibt" typeface="Microsoft Himalaya"/>
+        <a:font script="Thaa" typeface="MV Boli"/>
+        <a:font script="Deva" typeface="Mangal"/>
+        <a:font script="Telu" typeface="Gautami"/>
+        <a:font script="Taml" typeface="Latha"/>
+        <a:font script="Syrc" typeface="Estrangelo Edessa"/>
+        <a:font script="Orya" typeface="Kalinga"/>
+        <a:font script="Mlym" typeface="Kartika"/>
+        <a:font script="Laoo" typeface="DokChampa"/>
+        <a:font script="Sinh" typeface="Iskoola Pota"/>
+        <a:font script="Mong" typeface="Mongolian Baiti"/>
+        <a:font script="Viet" typeface="Arial"/>
+        <a:font script="Uigh" typeface="Microsoft Uighur"/>
+        <a:font script="Geor" typeface="Sylfaen"/>
+      </a:minorFont>
+    </a:fontScheme>
+    <a:fmtScheme name="Office">
+      <a:fillStyleLst>
+        <a:solidFill>
+          <a:schemeClr val="phClr"/>
+        </a:solidFill>
+        <a:gradFill rotWithShape="1">
+          <a:gsLst>
+            <a:gs pos="0">
+              <a:schemeClr val="phClr">
+                <a:tint val="50000"/>
+                <a:satMod val="300000"/>
+              </a:schemeClr>
+            </a:gs>
+            <a:gs pos="35000">
+              <a:schemeClr val="phClr">
+                <a:tint val="37000"/>
+                <a:satMod val="300000"/>
+              </a:schemeClr>
+            </a:gs>
+            <a:gs pos="100000">
+              <a:schemeClr val="phClr">
+                <a:tint val="15000"/>
+                <a:satMod val="350000"/>
+              </a:schemeClr>
+            </a:gs>
+          </a:gsLst>
+          <a:lin ang="16200000" scaled="1"/>
+        </a:gradFill>
+        <a:gradFill rotWithShape="1">
+          <a:gsLst>
+            <a:gs pos="0">
+              <a:schemeClr val="phClr">
+                <a:tint val="100000"/>
+                <a:shade val="100000"/>
+                <a:satMod val="130000"/>
+              </a:schemeClr>
+            </a:gs>
+            <a:gs pos="100000">
+              <a:schemeClr val="phClr">
+                <a:tint val="50000"/>
+                <a:shade val="100000"/>
+                <a:satMod val="350000"/>
+              </a:schemeClr>
+            </a:gs>
+          </a:gsLst>
+          <a:lin ang="16200000" scaled="0"/>
+        </a:gradFill>
+      </a:fillStyleLst>
+      <a:lnStyleLst>
+        <a:ln w="9525" cap="flat" cmpd="sng" algn="ctr">
+          <a:solidFill>
+            <a:schemeClr val="phClr">
+              <a:shade val="95000"/>
+              <a:satMod val="105000"/>
+            </a:schemeClr>
+          </a:solidFill>
+          <a:prstDash val="solid"/>
+        </a:ln>
+        <a:ln w="25400" cap="flat" cmpd="sng" algn="ctr">
+          <a:solidFill>
+            <a:schemeClr val="phClr"/>
+          </a:solidFill>
+          <a:prstDash val="solid"/>
+        </a:ln>
+        <a:ln w="38100" cap="flat" cmpd="sng" algn="ctr">
+          <a:solidFill>
+            <a:schemeClr val="phClr"/>
+          </a:solidFill>
+          <a:prstDash val="solid"/>
+        </a:ln>
+      </a:lnStyleLst>
+      <a:effectStyleLst>
+        <a:effectStyle>
+          <a:effectLst>
+            <a:outerShdw blurRad="40000" dist="20000" dir="5400000" rotWithShape="0">
+              <a:srgbClr val="000000">
+                <a:alpha val="38000"/>
+              </a:srgbClr>
+            </a:outerShdw>
+          </a:effectLst>
+        </a:effectStyle>
+        <a:effectStyle>
+          <a:effectLst>
+            <a:outerShdw blurRad="40000" dist="23000" dir="5400000" rotWithShape="0">
+              <a:srgbClr val="000000">
+                <a:alpha val="35000"/>
+              </a:srgbClr>
+            </a:outerShdw>
+          </a:effectLst>
+        </a:effectStyle>
+        <a:effectStyle>
+          <a:effectLst>
+            <a:outerShdw blurRad="40000" dist="23000" dir="5400000" rotWithShape="0">
+              <a:srgbClr val="000000">
+                <a:alpha val="35000"/>
+              </a:srgbClr>
+            </a:outerShdw>
+          </a:effectLst>
+          <a:scene3d>
+            <a:camera prst="orthographicFront">
+              <a:rot lat="0" lon="0" rev="0"/>
+            </a:camera>
+            <a:lightRig rig="threePt" dir="t">
+              <a:rot lat="0" lon="0" rev="1200000"/>
+            </a:lightRig>
+          </a:scene3d>
+          <a:sp3d>
+            <a:bevelT w="63500" h="25400"/>
+          </a:sp3d>
+        </a:effectStyle>
+      </a:effectStyleLst>
+      <a:bgFillStyleLst>
+        <a:solidFill>
+          <a:schemeClr val="phClr"/>
+        </a:solidFill>
+        <a:gradFill rotWithShape="1">
+          <a:gsLst>
+            <a:gs pos="0">
+              <a:schemeClr val="phClr">
+                <a:tint val="40000"/>
+                <a:satMod val="350000"/>
+              </a:schemeClr>
+            </a:gs>
+            <a:gs pos="40000">
+              <a:schemeClr val="phClr">
+                <a:tint val="45000"/>
+                <a:shade val="99000"/>
+                <a:satMod val="350000"/>
+              </a:schemeClr>
+            </a:gs>
+            <a:gs pos="100000">
+              <a:schemeClr val="phClr">
+                <a:shade val="20000"/>
+                <a:satMod val="255000"/>
+              </a:schemeClr>
+            </a:gs>
+          </a:gsLst>
+          <a:path path="circle">
+            <a:fillToRect l="50000" t="-80000" r="50000" b="180000"/>
+          </a:path>
+        </a:gradFill>
+        <a:gradFill rotWithShape="1">
+          <a:gsLst>
+            <a:gs pos="0">
+              <a:schemeClr val="phClr">
+                <a:tint val="80000"/>
+                <a:satMod val="300000"/>
+              </a:schemeClr>
+            </a:gs>
+            <a:gs pos="100000">
+              <a:schemeClr val="phClr">
+                <a:shade val="30000"/>
+                <a:satMod val="200000"/>
+              </a:schemeClr>
+            </a:gs>
+          </a:gsLst>
+          <a:path path="circle">
+            <a:fillToRect l="50000" t="50000" r="50000" b="50000"/>
+          </a:path>
+        </a:gradFill>
+      </a:bgFillStyleLst>
+    </a:fmtScheme>
+  </a:themeElements>
+</a:theme>
+</file>
+
+<file path=ppt/theme/theme2.xml><?xml version="1.0" encoding="utf-8"?>
 <a:theme xmlns:a="http://schemas.openxmlformats.org/drawingml/2006/main" xmlns:r="http://schemas.openxmlformats.org/officeDocument/2006/relationships">
   <a:themeElements>
     <a:clrScheme name="Default">
@@ -10452,283 +11088,4 @@
     </a:fmtScheme>
   </a:themeElements>
 </a:theme>
-</file>
-
-<file path=ppt/theme/theme2.xml><?xml version="1.0" encoding="utf-8"?>
-<a:theme xmlns:a="http://schemas.openxmlformats.org/drawingml/2006/main" xmlns:r="http://schemas.openxmlformats.org/officeDocument/2006/relationships" name="Slate">
-  <a:themeElements>
-    <a:clrScheme name="Slate">
-      <a:dk1>
-        <a:srgbClr val="FFFFFF"/>
-      </a:dk1>
-      <a:lt1>
-        <a:srgbClr val="37474F"/>
-      </a:lt1>
-      <a:dk2>
-        <a:srgbClr val="9E9E9E"/>
-      </a:dk2>
-      <a:lt2>
-        <a:srgbClr val="E0E0E0"/>
-      </a:lt2>
-      <a:accent1>
-        <a:srgbClr val="616161"/>
-      </a:accent1>
-      <a:accent2>
-        <a:srgbClr val="78909C"/>
-      </a:accent2>
-      <a:accent3>
-        <a:srgbClr val="CACACA"/>
-      </a:accent3>
-      <a:accent4>
-        <a:srgbClr val="64FFDA"/>
-      </a:accent4>
-      <a:accent5>
-        <a:srgbClr val="FFD966"/>
-      </a:accent5>
-      <a:accent6>
-        <a:srgbClr val="F5F5F5"/>
-      </a:accent6>
-      <a:hlink>
-        <a:srgbClr val="FFD966"/>
-      </a:hlink>
-      <a:folHlink>
-        <a:srgbClr val="FFD966"/>
-      </a:folHlink>
-    </a:clrScheme>
-    <a:fontScheme name="Office">
-      <a:majorFont>
-        <a:latin typeface="Arial"/>
-        <a:ea typeface=""/>
-        <a:cs typeface=""/>
-        <a:font script="Jpan" typeface="ＭＳ Ｐゴシック"/>
-        <a:font script="Hang" typeface="맑은 고딕"/>
-        <a:font script="Hans" typeface="宋体"/>
-        <a:font script="Hant" typeface="新細明體"/>
-        <a:font script="Arab" typeface="Times New Roman"/>
-        <a:font script="Hebr" typeface="Times New Roman"/>
-        <a:font script="Thai" typeface="Angsana New"/>
-        <a:font script="Ethi" typeface="Nyala"/>
-        <a:font script="Beng" typeface="Vrinda"/>
-        <a:font script="Gujr" typeface="Shruti"/>
-        <a:font script="Khmr" typeface="MoolBoran"/>
-        <a:font script="Knda" typeface="Tunga"/>
-        <a:font script="Guru" typeface="Raavi"/>
-        <a:font script="Cans" typeface="Euphemia"/>
-        <a:font script="Cher" typeface="Plantagenet Cherokee"/>
-        <a:font script="Yiii" typeface="Microsoft Yi Baiti"/>
-        <a:font script="Tibt" typeface="Microsoft Himalaya"/>
-        <a:font script="Thaa" typeface="MV Boli"/>
-        <a:font script="Deva" typeface="Mangal"/>
-        <a:font script="Telu" typeface="Gautami"/>
-        <a:font script="Taml" typeface="Latha"/>
-        <a:font script="Syrc" typeface="Estrangelo Edessa"/>
-        <a:font script="Orya" typeface="Kalinga"/>
-        <a:font script="Mlym" typeface="Kartika"/>
-        <a:font script="Laoo" typeface="DokChampa"/>
-        <a:font script="Sinh" typeface="Iskoola Pota"/>
-        <a:font script="Mong" typeface="Mongolian Baiti"/>
-        <a:font script="Viet" typeface="Times New Roman"/>
-        <a:font script="Uigh" typeface="Microsoft Uighur"/>
-        <a:font script="Geor" typeface="Sylfaen"/>
-      </a:majorFont>
-      <a:minorFont>
-        <a:latin typeface="Arial"/>
-        <a:ea typeface=""/>
-        <a:cs typeface=""/>
-        <a:font script="Jpan" typeface="ＭＳ Ｐゴシック"/>
-        <a:font script="Hang" typeface="맑은 고딕"/>
-        <a:font script="Hans" typeface="宋体"/>
-        <a:font script="Hant" typeface="新細明體"/>
-        <a:font script="Arab" typeface="Arial"/>
-        <a:font script="Hebr" typeface="Arial"/>
-        <a:font script="Thai" typeface="Cordia New"/>
-        <a:font script="Ethi" typeface="Nyala"/>
-        <a:font script="Beng" typeface="Vrinda"/>
-        <a:font script="Gujr" typeface="Shruti"/>
-        <a:font script="Khmr" typeface="DaunPenh"/>
-        <a:font script="Knda" typeface="Tunga"/>
-        <a:font script="Guru" typeface="Raavi"/>
-        <a:font script="Cans" typeface="Euphemia"/>
-        <a:font script="Cher" typeface="Plantagenet Cherokee"/>
-        <a:font script="Yiii" typeface="Microsoft Yi Baiti"/>
-        <a:font script="Tibt" typeface="Microsoft Himalaya"/>
-        <a:font script="Thaa" typeface="MV Boli"/>
-        <a:font script="Deva" typeface="Mangal"/>
-        <a:font script="Telu" typeface="Gautami"/>
-        <a:font script="Taml" typeface="Latha"/>
-        <a:font script="Syrc" typeface="Estrangelo Edessa"/>
-        <a:font script="Orya" typeface="Kalinga"/>
-        <a:font script="Mlym" typeface="Kartika"/>
-        <a:font script="Laoo" typeface="DokChampa"/>
-        <a:font script="Sinh" typeface="Iskoola Pota"/>
-        <a:font script="Mong" typeface="Mongolian Baiti"/>
-        <a:font script="Viet" typeface="Arial"/>
-        <a:font script="Uigh" typeface="Microsoft Uighur"/>
-        <a:font script="Geor" typeface="Sylfaen"/>
-      </a:minorFont>
-    </a:fontScheme>
-    <a:fmtScheme name="Office">
-      <a:fillStyleLst>
-        <a:solidFill>
-          <a:schemeClr val="phClr"/>
-        </a:solidFill>
-        <a:gradFill rotWithShape="1">
-          <a:gsLst>
-            <a:gs pos="0">
-              <a:schemeClr val="phClr">
-                <a:tint val="50000"/>
-                <a:satMod val="300000"/>
-              </a:schemeClr>
-            </a:gs>
-            <a:gs pos="35000">
-              <a:schemeClr val="phClr">
-                <a:tint val="37000"/>
-                <a:satMod val="300000"/>
-              </a:schemeClr>
-            </a:gs>
-            <a:gs pos="100000">
-              <a:schemeClr val="phClr">
-                <a:tint val="15000"/>
-                <a:satMod val="350000"/>
-              </a:schemeClr>
-            </a:gs>
-          </a:gsLst>
-          <a:lin ang="16200000" scaled="1"/>
-        </a:gradFill>
-        <a:gradFill rotWithShape="1">
-          <a:gsLst>
-            <a:gs pos="0">
-              <a:schemeClr val="phClr">
-                <a:tint val="100000"/>
-                <a:shade val="100000"/>
-                <a:satMod val="130000"/>
-              </a:schemeClr>
-            </a:gs>
-            <a:gs pos="100000">
-              <a:schemeClr val="phClr">
-                <a:tint val="50000"/>
-                <a:shade val="100000"/>
-                <a:satMod val="350000"/>
-              </a:schemeClr>
-            </a:gs>
-          </a:gsLst>
-          <a:lin ang="16200000" scaled="0"/>
-        </a:gradFill>
-      </a:fillStyleLst>
-      <a:lnStyleLst>
-        <a:ln w="9525" cap="flat" cmpd="sng" algn="ctr">
-          <a:solidFill>
-            <a:schemeClr val="phClr">
-              <a:shade val="95000"/>
-              <a:satMod val="105000"/>
-            </a:schemeClr>
-          </a:solidFill>
-          <a:prstDash val="solid"/>
-        </a:ln>
-        <a:ln w="25400" cap="flat" cmpd="sng" algn="ctr">
-          <a:solidFill>
-            <a:schemeClr val="phClr"/>
-          </a:solidFill>
-          <a:prstDash val="solid"/>
-        </a:ln>
-        <a:ln w="38100" cap="flat" cmpd="sng" algn="ctr">
-          <a:solidFill>
-            <a:schemeClr val="phClr"/>
-          </a:solidFill>
-          <a:prstDash val="solid"/>
-        </a:ln>
-      </a:lnStyleLst>
-      <a:effectStyleLst>
-        <a:effectStyle>
-          <a:effectLst>
-            <a:outerShdw blurRad="40000" dist="20000" dir="5400000" rotWithShape="0">
-              <a:srgbClr val="000000">
-                <a:alpha val="38000"/>
-              </a:srgbClr>
-            </a:outerShdw>
-          </a:effectLst>
-        </a:effectStyle>
-        <a:effectStyle>
-          <a:effectLst>
-            <a:outerShdw blurRad="40000" dist="23000" dir="5400000" rotWithShape="0">
-              <a:srgbClr val="000000">
-                <a:alpha val="35000"/>
-              </a:srgbClr>
-            </a:outerShdw>
-          </a:effectLst>
-        </a:effectStyle>
-        <a:effectStyle>
-          <a:effectLst>
-            <a:outerShdw blurRad="40000" dist="23000" dir="5400000" rotWithShape="0">
-              <a:srgbClr val="000000">
-                <a:alpha val="35000"/>
-              </a:srgbClr>
-            </a:outerShdw>
-          </a:effectLst>
-          <a:scene3d>
-            <a:camera prst="orthographicFront">
-              <a:rot lat="0" lon="0" rev="0"/>
-            </a:camera>
-            <a:lightRig rig="threePt" dir="t">
-              <a:rot lat="0" lon="0" rev="1200000"/>
-            </a:lightRig>
-          </a:scene3d>
-          <a:sp3d>
-            <a:bevelT w="63500" h="25400"/>
-          </a:sp3d>
-        </a:effectStyle>
-      </a:effectStyleLst>
-      <a:bgFillStyleLst>
-        <a:solidFill>
-          <a:schemeClr val="phClr"/>
-        </a:solidFill>
-        <a:gradFill rotWithShape="1">
-          <a:gsLst>
-            <a:gs pos="0">
-              <a:schemeClr val="phClr">
-                <a:tint val="40000"/>
-                <a:satMod val="350000"/>
-              </a:schemeClr>
-            </a:gs>
-            <a:gs pos="40000">
-              <a:schemeClr val="phClr">
-                <a:tint val="45000"/>
-                <a:shade val="99000"/>
-                <a:satMod val="350000"/>
-              </a:schemeClr>
-            </a:gs>
-            <a:gs pos="100000">
-              <a:schemeClr val="phClr">
-                <a:shade val="20000"/>
-                <a:satMod val="255000"/>
-              </a:schemeClr>
-            </a:gs>
-          </a:gsLst>
-          <a:path path="circle">
-            <a:fillToRect l="50000" t="-80000" r="50000" b="180000"/>
-          </a:path>
-        </a:gradFill>
-        <a:gradFill rotWithShape="1">
-          <a:gsLst>
-            <a:gs pos="0">
-              <a:schemeClr val="phClr">
-                <a:tint val="80000"/>
-                <a:satMod val="300000"/>
-              </a:schemeClr>
-            </a:gs>
-            <a:gs pos="100000">
-              <a:schemeClr val="phClr">
-                <a:shade val="30000"/>
-                <a:satMod val="200000"/>
-              </a:schemeClr>
-            </a:gs>
-          </a:gsLst>
-          <a:path path="circle">
-            <a:fillToRect l="50000" t="50000" r="50000" b="50000"/>
-          </a:path>
-        </a:gradFill>
-      </a:bgFillStyleLst>
-    </a:fmtScheme>
-  </a:themeElements>
-</a:theme>
 </file>
--- a/Bis 15L.pptx
+++ b/Bis 15L.pptx
@@ -1,44 +1,43 @@
 
 <file path=ppt/presentation.xml><?xml version="1.0" encoding="utf-8"?>
-<p:presentation xmlns:a="http://schemas.openxmlformats.org/drawingml/2006/main" xmlns:r="http://schemas.openxmlformats.org/officeDocument/2006/relationships" xmlns:mc="http://schemas.openxmlformats.org/markup-compatibility/2006" xmlns:mv="urn:schemas-microsoft-com:mac:vml" xmlns:p="http://schemas.openxmlformats.org/presentationml/2006/main" xmlns:c="http://schemas.openxmlformats.org/drawingml/2006/chart" xmlns:dgm="http://schemas.openxmlformats.org/drawingml/2006/diagram" xmlns:o="urn:schemas-microsoft-com:office:office" xmlns:v="urn:schemas-microsoft-com:vml" xmlns:pvml="urn:schemas-microsoft-com:office:powerpoint" xmlns:com="http://schemas.openxmlformats.org/drawingml/2006/compatibility" xmlns:p14="http://schemas.microsoft.com/office/powerpoint/2010/main" xmlns:p15="http://schemas.microsoft.com/office/powerpoint/2012/main" autoCompressPictures="0" embedTrueTypeFonts="1" strictFirstAndLastChars="0" saveSubsetFonts="1">
+<p:presentation xmlns:a="http://schemas.openxmlformats.org/drawingml/2006/main" xmlns:r="http://schemas.openxmlformats.org/officeDocument/2006/relationships" xmlns:p="http://schemas.openxmlformats.org/presentationml/2006/main" strictFirstAndLastChars="0" embedTrueTypeFonts="1" saveSubsetFonts="1" autoCompressPictures="0">
   <p:sldMasterIdLst>
-    <p:sldMasterId id="2147483659" r:id="rId4"/>
+    <p:sldMasterId id="2147483659" r:id="rId1"/>
   </p:sldMasterIdLst>
   <p:notesMasterIdLst>
-    <p:notesMasterId r:id="rId5"/>
+    <p:notesMasterId r:id="rId16"/>
   </p:notesMasterIdLst>
   <p:sldIdLst>
-    <p:sldId id="256" r:id="rId6"/>
-    <p:sldId id="257" r:id="rId7"/>
-    <p:sldId id="258" r:id="rId8"/>
-    <p:sldId id="259" r:id="rId9"/>
-    <p:sldId id="260" r:id="rId10"/>
-    <p:sldId id="261" r:id="rId11"/>
-    <p:sldId id="262" r:id="rId12"/>
-    <p:sldId id="263" r:id="rId13"/>
-    <p:sldId id="264" r:id="rId14"/>
-    <p:sldId id="265" r:id="rId15"/>
-    <p:sldId id="266" r:id="rId16"/>
-    <p:sldId id="267" r:id="rId17"/>
-    <p:sldId id="268" r:id="rId18"/>
-    <p:sldId id="269" r:id="rId19"/>
-    <p:sldId id="270" r:id="rId20"/>
+    <p:sldId id="256" r:id="rId2"/>
+    <p:sldId id="257" r:id="rId3"/>
+    <p:sldId id="258" r:id="rId4"/>
+    <p:sldId id="259" r:id="rId5"/>
+    <p:sldId id="260" r:id="rId6"/>
+    <p:sldId id="261" r:id="rId7"/>
+    <p:sldId id="262" r:id="rId8"/>
+    <p:sldId id="263" r:id="rId9"/>
+    <p:sldId id="264" r:id="rId10"/>
+    <p:sldId id="265" r:id="rId11"/>
+    <p:sldId id="266" r:id="rId12"/>
+    <p:sldId id="267" r:id="rId13"/>
+    <p:sldId id="268" r:id="rId14"/>
+    <p:sldId id="270" r:id="rId15"/>
   </p:sldIdLst>
-  <p:sldSz cy="5143500" cx="9144000"/>
+  <p:sldSz cx="9144000" cy="5143500" type="screen16x9"/>
   <p:notesSz cx="6858000" cy="9144000"/>
   <p:embeddedFontLst>
     <p:embeddedFont>
-      <p:font typeface="Average"/>
-      <p:regular r:id="rId21"/>
+      <p:font typeface="Average" panose="02000503040000020003" pitchFamily="2" charset="77"/>
+      <p:regular r:id="rId17"/>
     </p:embeddedFont>
     <p:embeddedFont>
-      <p:font typeface="Oswald"/>
-      <p:regular r:id="rId22"/>
-      <p:bold r:id="rId23"/>
+      <p:font typeface="Oswald" pitchFamily="2" charset="77"/>
+      <p:regular r:id="rId18"/>
+      <p:bold r:id="rId19"/>
     </p:embeddedFont>
   </p:embeddedFontLst>
   <p:defaultTextStyle>
-    <a:defPPr lvl="0" marR="0" rtl="0" algn="l">
+    <a:defPPr marR="0" lvl="0" algn="l" rtl="0">
       <a:lnSpc>
         <a:spcPct val="100000"/>
       </a:lnSpc>
@@ -49,7 +48,7 @@
         <a:spcPts val="0"/>
       </a:spcAft>
     </a:defPPr>
-    <a:lvl1pPr lvl="0" marR="0" rtl="0" algn="l">
+    <a:lvl1pPr marR="0" lvl="0" algn="l" rtl="0">
       <a:lnSpc>
         <a:spcPct val="100000"/>
       </a:lnSpc>
@@ -63,7 +62,7 @@
         <a:srgbClr val="000000"/>
       </a:buClr>
       <a:buFont typeface="Arial"/>
-      <a:defRPr b="0" i="0" sz="1400" u="none" cap="none" strike="noStrike">
+      <a:defRPr sz="1400" b="0" i="0" u="none" strike="noStrike" cap="none">
         <a:solidFill>
           <a:srgbClr val="000000"/>
         </a:solidFill>
@@ -73,7 +72,7 @@
         <a:sym typeface="Arial"/>
       </a:defRPr>
     </a:lvl1pPr>
-    <a:lvl2pPr lvl="1" marR="0" rtl="0" algn="l">
+    <a:lvl2pPr marR="0" lvl="1" algn="l" rtl="0">
       <a:lnSpc>
         <a:spcPct val="100000"/>
       </a:lnSpc>
@@ -87,7 +86,7 @@
         <a:srgbClr val="000000"/>
       </a:buClr>
       <a:buFont typeface="Arial"/>
-      <a:defRPr b="0" i="0" sz="1400" u="none" cap="none" strike="noStrike">
+      <a:defRPr sz="1400" b="0" i="0" u="none" strike="noStrike" cap="none">
         <a:solidFill>
           <a:srgbClr val="000000"/>
         </a:solidFill>
@@ -97,7 +96,7 @@
         <a:sym typeface="Arial"/>
       </a:defRPr>
     </a:lvl2pPr>
-    <a:lvl3pPr lvl="2" marR="0" rtl="0" algn="l">
+    <a:lvl3pPr marR="0" lvl="2" algn="l" rtl="0">
       <a:lnSpc>
         <a:spcPct val="100000"/>
       </a:lnSpc>
@@ -111,7 +110,7 @@
         <a:srgbClr val="000000"/>
       </a:buClr>
       <a:buFont typeface="Arial"/>
-      <a:defRPr b="0" i="0" sz="1400" u="none" cap="none" strike="noStrike">
+      <a:defRPr sz="1400" b="0" i="0" u="none" strike="noStrike" cap="none">
         <a:solidFill>
           <a:srgbClr val="000000"/>
         </a:solidFill>
@@ -121,7 +120,7 @@
         <a:sym typeface="Arial"/>
       </a:defRPr>
     </a:lvl3pPr>
-    <a:lvl4pPr lvl="3" marR="0" rtl="0" algn="l">
+    <a:lvl4pPr marR="0" lvl="3" algn="l" rtl="0">
       <a:lnSpc>
         <a:spcPct val="100000"/>
       </a:lnSpc>
@@ -135,7 +134,7 @@
         <a:srgbClr val="000000"/>
       </a:buClr>
       <a:buFont typeface="Arial"/>
-      <a:defRPr b="0" i="0" sz="1400" u="none" cap="none" strike="noStrike">
+      <a:defRPr sz="1400" b="0" i="0" u="none" strike="noStrike" cap="none">
         <a:solidFill>
           <a:srgbClr val="000000"/>
         </a:solidFill>
@@ -145,7 +144,7 @@
         <a:sym typeface="Arial"/>
       </a:defRPr>
     </a:lvl4pPr>
-    <a:lvl5pPr lvl="4" marR="0" rtl="0" algn="l">
+    <a:lvl5pPr marR="0" lvl="4" algn="l" rtl="0">
       <a:lnSpc>
         <a:spcPct val="100000"/>
       </a:lnSpc>
@@ -159,7 +158,7 @@
         <a:srgbClr val="000000"/>
       </a:buClr>
       <a:buFont typeface="Arial"/>
-      <a:defRPr b="0" i="0" sz="1400" u="none" cap="none" strike="noStrike">
+      <a:defRPr sz="1400" b="0" i="0" u="none" strike="noStrike" cap="none">
         <a:solidFill>
           <a:srgbClr val="000000"/>
         </a:solidFill>
@@ -169,7 +168,7 @@
         <a:sym typeface="Arial"/>
       </a:defRPr>
     </a:lvl5pPr>
-    <a:lvl6pPr lvl="5" marR="0" rtl="0" algn="l">
+    <a:lvl6pPr marR="0" lvl="5" algn="l" rtl="0">
       <a:lnSpc>
         <a:spcPct val="100000"/>
       </a:lnSpc>
@@ -183,7 +182,7 @@
         <a:srgbClr val="000000"/>
       </a:buClr>
       <a:buFont typeface="Arial"/>
-      <a:defRPr b="0" i="0" sz="1400" u="none" cap="none" strike="noStrike">
+      <a:defRPr sz="1400" b="0" i="0" u="none" strike="noStrike" cap="none">
         <a:solidFill>
           <a:srgbClr val="000000"/>
         </a:solidFill>
@@ -193,7 +192,7 @@
         <a:sym typeface="Arial"/>
       </a:defRPr>
     </a:lvl6pPr>
-    <a:lvl7pPr lvl="6" marR="0" rtl="0" algn="l">
+    <a:lvl7pPr marR="0" lvl="6" algn="l" rtl="0">
       <a:lnSpc>
         <a:spcPct val="100000"/>
       </a:lnSpc>
@@ -207,7 +206,7 @@
         <a:srgbClr val="000000"/>
       </a:buClr>
       <a:buFont typeface="Arial"/>
-      <a:defRPr b="0" i="0" sz="1400" u="none" cap="none" strike="noStrike">
+      <a:defRPr sz="1400" b="0" i="0" u="none" strike="noStrike" cap="none">
         <a:solidFill>
           <a:srgbClr val="000000"/>
         </a:solidFill>
@@ -217,7 +216,7 @@
         <a:sym typeface="Arial"/>
       </a:defRPr>
     </a:lvl7pPr>
-    <a:lvl8pPr lvl="7" marR="0" rtl="0" algn="l">
+    <a:lvl8pPr marR="0" lvl="7" algn="l" rtl="0">
       <a:lnSpc>
         <a:spcPct val="100000"/>
       </a:lnSpc>
@@ -231,7 +230,7 @@
         <a:srgbClr val="000000"/>
       </a:buClr>
       <a:buFont typeface="Arial"/>
-      <a:defRPr b="0" i="0" sz="1400" u="none" cap="none" strike="noStrike">
+      <a:defRPr sz="1400" b="0" i="0" u="none" strike="noStrike" cap="none">
         <a:solidFill>
           <a:srgbClr val="000000"/>
         </a:solidFill>
@@ -241,7 +240,7 @@
         <a:sym typeface="Arial"/>
       </a:defRPr>
     </a:lvl8pPr>
-    <a:lvl9pPr lvl="8" marR="0" rtl="0" algn="l">
+    <a:lvl9pPr marR="0" lvl="8" algn="l" rtl="0">
       <a:lnSpc>
         <a:spcPct val="100000"/>
       </a:lnSpc>
@@ -255,7 +254,7 @@
         <a:srgbClr val="000000"/>
       </a:buClr>
       <a:buFont typeface="Arial"/>
-      <a:defRPr b="0" i="0" sz="1400" u="none" cap="none" strike="noStrike">
+      <a:defRPr sz="1400" b="0" i="0" u="none" strike="noStrike" cap="none">
         <a:solidFill>
           <a:srgbClr val="000000"/>
         </a:solidFill>
@@ -268,7 +267,7 @@
   </p:defaultTextStyle>
   <p:extLst>
     <p:ext uri="{EFAFB233-063F-42B5-8137-9DF3F51BA10A}">
-      <p15:sldGuideLst>
+      <p15:sldGuideLst xmlns:p15="http://schemas.microsoft.com/office/powerpoint/2012/main">
         <p15:guide id="1" orient="horz" pos="1620">
           <p15:clr>
             <a:srgbClr val="A4A3A4"/>
@@ -286,11 +285,16 @@
 </file>
 
 <file path=ppt/notesMasters/notesMaster1.xml><?xml version="1.0" encoding="utf-8"?>
-<p:notesMaster xmlns:a="http://schemas.openxmlformats.org/drawingml/2006/main" xmlns:r="http://schemas.openxmlformats.org/officeDocument/2006/relationships" xmlns:mc="http://schemas.openxmlformats.org/markup-compatibility/2006" xmlns:mv="urn:schemas-microsoft-com:mac:vml" xmlns:p="http://schemas.openxmlformats.org/presentationml/2006/main" xmlns:c="http://schemas.openxmlformats.org/drawingml/2006/chart" xmlns:dgm="http://schemas.openxmlformats.org/drawingml/2006/diagram" xmlns:o="urn:schemas-microsoft-com:office:office" xmlns:v="urn:schemas-microsoft-com:vml" xmlns:pvml="urn:schemas-microsoft-com:office:powerpoint" xmlns:com="http://schemas.openxmlformats.org/drawingml/2006/compatibility" xmlns:p14="http://schemas.microsoft.com/office/powerpoint/2010/main" xmlns:p15="http://schemas.microsoft.com/office/powerpoint/2012/main">
+<p:notesMaster xmlns:a="http://schemas.openxmlformats.org/drawingml/2006/main" xmlns:r="http://schemas.openxmlformats.org/officeDocument/2006/relationships" xmlns:p="http://schemas.openxmlformats.org/presentationml/2006/main">
   <p:cSld>
+    <p:bg>
+      <p:bgRef idx="1001">
+        <a:schemeClr val="bg1"/>
+      </p:bgRef>
+    </p:bg>
     <p:spTree>
       <p:nvGrpSpPr>
-        <p:cNvPr id="2" name="Shape 2"/>
+        <p:cNvPr id="1" name="Shape 2"/>
         <p:cNvGrpSpPr/>
         <p:nvPr/>
       </p:nvGrpSpPr>
@@ -305,9 +309,11 @@
       <p:sp>
         <p:nvSpPr>
           <p:cNvPr id="3" name="Google Shape;3;n"/>
-          <p:cNvSpPr/>
+          <p:cNvSpPr>
+            <a:spLocks noGrp="1" noRot="1" noChangeAspect="1"/>
+          </p:cNvSpPr>
           <p:nvPr>
-            <p:ph idx="2" type="sldImg"/>
+            <p:ph type="sldImg" idx="2"/>
           </p:nvPr>
         </p:nvSpPr>
         <p:spPr>
@@ -316,9 +322,13 @@
             <a:ext cx="6096075" cy="3429000"/>
           </a:xfrm>
           <a:custGeom>
-            <a:rect b="b" l="l" r="r" t="t"/>
+            <a:avLst/>
+            <a:gdLst/>
+            <a:ahLst/>
+            <a:cxnLst/>
+            <a:rect l="l" t="t" r="r" b="b"/>
             <a:pathLst>
-              <a:path extrusionOk="0" h="120000" w="120000">
+              <a:path w="120000" h="120000" extrusionOk="0">
                 <a:moveTo>
                   <a:pt x="0" y="0"/>
                 </a:moveTo>
@@ -336,23 +346,25 @@
             </a:pathLst>
           </a:custGeom>
           <a:noFill/>
-          <a:ln cap="flat" cmpd="sng" w="9525">
+          <a:ln w="9525" cap="flat" cmpd="sng">
             <a:solidFill>
               <a:srgbClr val="000000"/>
             </a:solidFill>
             <a:prstDash val="solid"/>
             <a:round/>
-            <a:headEnd len="sm" w="sm" type="none"/>
-            <a:tailEnd len="sm" w="sm" type="none"/>
+            <a:headEnd type="none" w="sm" len="sm"/>
+            <a:tailEnd type="none" w="sm" len="sm"/>
           </a:ln>
         </p:spPr>
       </p:sp>
       <p:sp>
         <p:nvSpPr>
           <p:cNvPr id="4" name="Google Shape;4;n"/>
-          <p:cNvSpPr txBox="1"/>
+          <p:cNvSpPr txBox="1">
+            <a:spLocks noGrp="1"/>
+          </p:cNvSpPr>
           <p:nvPr>
-            <p:ph idx="1" type="body"/>
+            <p:ph type="body" idx="1"/>
           </p:nvPr>
         </p:nvSpPr>
         <p:spPr>
@@ -369,11 +381,11 @@
           </a:ln>
         </p:spPr>
         <p:txBody>
-          <a:bodyPr anchorCtr="0" anchor="t" bIns="91425" lIns="91425" spcFirstLastPara="1" rIns="91425" wrap="square" tIns="91425">
+          <a:bodyPr spcFirstLastPara="1" wrap="square" lIns="91425" tIns="91425" rIns="91425" bIns="91425" anchor="t" anchorCtr="0">
             <a:noAutofit/>
           </a:bodyPr>
           <a:lstStyle>
-            <a:lvl1pPr indent="-298450" lvl="0" marL="457200">
+            <a:lvl1pPr marL="457200" lvl="0" indent="-298450">
               <a:spcBef>
                 <a:spcPts val="0"/>
               </a:spcBef>
@@ -384,7 +396,7 @@
               <a:buChar char="●"/>
               <a:defRPr sz="1100"/>
             </a:lvl1pPr>
-            <a:lvl2pPr indent="-298450" lvl="1" marL="914400">
+            <a:lvl2pPr marL="914400" lvl="1" indent="-298450">
               <a:spcBef>
                 <a:spcPts val="0"/>
               </a:spcBef>
@@ -395,7 +407,7 @@
               <a:buChar char="○"/>
               <a:defRPr sz="1100"/>
             </a:lvl2pPr>
-            <a:lvl3pPr indent="-298450" lvl="2" marL="1371600">
+            <a:lvl3pPr marL="1371600" lvl="2" indent="-298450">
               <a:spcBef>
                 <a:spcPts val="0"/>
               </a:spcBef>
@@ -406,7 +418,7 @@
               <a:buChar char="■"/>
               <a:defRPr sz="1100"/>
             </a:lvl3pPr>
-            <a:lvl4pPr indent="-298450" lvl="3" marL="1828800">
+            <a:lvl4pPr marL="1828800" lvl="3" indent="-298450">
               <a:spcBef>
                 <a:spcPts val="0"/>
               </a:spcBef>
@@ -417,7 +429,7 @@
               <a:buChar char="●"/>
               <a:defRPr sz="1100"/>
             </a:lvl4pPr>
-            <a:lvl5pPr indent="-298450" lvl="4" marL="2286000">
+            <a:lvl5pPr marL="2286000" lvl="4" indent="-298450">
               <a:spcBef>
                 <a:spcPts val="0"/>
               </a:spcBef>
@@ -428,7 +440,7 @@
               <a:buChar char="○"/>
               <a:defRPr sz="1100"/>
             </a:lvl5pPr>
-            <a:lvl6pPr indent="-298450" lvl="5" marL="2743200">
+            <a:lvl6pPr marL="2743200" lvl="5" indent="-298450">
               <a:spcBef>
                 <a:spcPts val="0"/>
               </a:spcBef>
@@ -439,7 +451,7 @@
               <a:buChar char="■"/>
               <a:defRPr sz="1100"/>
             </a:lvl6pPr>
-            <a:lvl7pPr indent="-298450" lvl="6" marL="3200400">
+            <a:lvl7pPr marL="3200400" lvl="6" indent="-298450">
               <a:spcBef>
                 <a:spcPts val="0"/>
               </a:spcBef>
@@ -450,7 +462,7 @@
               <a:buChar char="●"/>
               <a:defRPr sz="1100"/>
             </a:lvl7pPr>
-            <a:lvl8pPr indent="-298450" lvl="7" marL="3657600">
+            <a:lvl8pPr marL="3657600" lvl="7" indent="-298450">
               <a:spcBef>
                 <a:spcPts val="0"/>
               </a:spcBef>
@@ -461,7 +473,7 @@
               <a:buChar char="○"/>
               <a:defRPr sz="1100"/>
             </a:lvl8pPr>
-            <a:lvl9pPr indent="-298450" lvl="8" marL="4114800">
+            <a:lvl9pPr marL="4114800" lvl="8" indent="-298450">
               <a:spcBef>
                 <a:spcPts val="0"/>
               </a:spcBef>
@@ -473,14 +485,16 @@
               <a:defRPr sz="1100"/>
             </a:lvl9pPr>
           </a:lstStyle>
-          <a:p/>
+          <a:p>
+            <a:endParaRPr/>
+          </a:p>
         </p:txBody>
       </p:sp>
     </p:spTree>
   </p:cSld>
-  <p:clrMap accent1="accent1" accent2="accent2" accent3="accent3" accent4="accent4" accent5="accent5" accent6="accent6" bg1="lt1" bg2="dk2" tx1="dk1" tx2="lt2" folHlink="folHlink" hlink="hlink"/>
+  <p:clrMap bg1="lt1" tx1="dk1" bg2="dk2" tx2="lt2" accent1="accent1" accent2="accent2" accent3="accent3" accent4="accent4" accent5="accent5" accent6="accent6" hlink="hlink" folHlink="folHlink"/>
   <p:notesStyle>
-    <a:defPPr lvl="0" marR="0" rtl="0" algn="l">
+    <a:defPPr marR="0" lvl="0" algn="l" rtl="0">
       <a:lnSpc>
         <a:spcPct val="100000"/>
       </a:lnSpc>
@@ -491,7 +505,7 @@
         <a:spcPts val="0"/>
       </a:spcAft>
     </a:defPPr>
-    <a:lvl1pPr lvl="0" marR="0" rtl="0" algn="l">
+    <a:lvl1pPr marR="0" lvl="0" algn="l" rtl="0">
       <a:lnSpc>
         <a:spcPct val="100000"/>
       </a:lnSpc>
@@ -505,7 +519,7 @@
         <a:srgbClr val="000000"/>
       </a:buClr>
       <a:buFont typeface="Arial"/>
-      <a:defRPr b="0" i="0" sz="1400" u="none" cap="none" strike="noStrike">
+      <a:defRPr sz="1400" b="0" i="0" u="none" strike="noStrike" cap="none">
         <a:solidFill>
           <a:srgbClr val="000000"/>
         </a:solidFill>
@@ -515,7 +529,7 @@
         <a:sym typeface="Arial"/>
       </a:defRPr>
     </a:lvl1pPr>
-    <a:lvl2pPr lvl="1" marR="0" rtl="0" algn="l">
+    <a:lvl2pPr marR="0" lvl="1" algn="l" rtl="0">
       <a:lnSpc>
         <a:spcPct val="100000"/>
       </a:lnSpc>
@@ -529,7 +543,7 @@
         <a:srgbClr val="000000"/>
       </a:buClr>
       <a:buFont typeface="Arial"/>
-      <a:defRPr b="0" i="0" sz="1400" u="none" cap="none" strike="noStrike">
+      <a:defRPr sz="1400" b="0" i="0" u="none" strike="noStrike" cap="none">
         <a:solidFill>
           <a:srgbClr val="000000"/>
         </a:solidFill>
@@ -539,7 +553,7 @@
         <a:sym typeface="Arial"/>
       </a:defRPr>
     </a:lvl2pPr>
-    <a:lvl3pPr lvl="2" marR="0" rtl="0" algn="l">
+    <a:lvl3pPr marR="0" lvl="2" algn="l" rtl="0">
       <a:lnSpc>
         <a:spcPct val="100000"/>
       </a:lnSpc>
@@ -553,7 +567,7 @@
         <a:srgbClr val="000000"/>
       </a:buClr>
       <a:buFont typeface="Arial"/>
-      <a:defRPr b="0" i="0" sz="1400" u="none" cap="none" strike="noStrike">
+      <a:defRPr sz="1400" b="0" i="0" u="none" strike="noStrike" cap="none">
         <a:solidFill>
           <a:srgbClr val="000000"/>
         </a:solidFill>
@@ -563,7 +577,7 @@
         <a:sym typeface="Arial"/>
       </a:defRPr>
     </a:lvl3pPr>
-    <a:lvl4pPr lvl="3" marR="0" rtl="0" algn="l">
+    <a:lvl4pPr marR="0" lvl="3" algn="l" rtl="0">
       <a:lnSpc>
         <a:spcPct val="100000"/>
       </a:lnSpc>
@@ -577,7 +591,7 @@
         <a:srgbClr val="000000"/>
       </a:buClr>
       <a:buFont typeface="Arial"/>
-      <a:defRPr b="0" i="0" sz="1400" u="none" cap="none" strike="noStrike">
+      <a:defRPr sz="1400" b="0" i="0" u="none" strike="noStrike" cap="none">
         <a:solidFill>
           <a:srgbClr val="000000"/>
         </a:solidFill>
@@ -587,7 +601,7 @@
         <a:sym typeface="Arial"/>
       </a:defRPr>
     </a:lvl4pPr>
-    <a:lvl5pPr lvl="4" marR="0" rtl="0" algn="l">
+    <a:lvl5pPr marR="0" lvl="4" algn="l" rtl="0">
       <a:lnSpc>
         <a:spcPct val="100000"/>
       </a:lnSpc>
@@ -601,7 +615,7 @@
         <a:srgbClr val="000000"/>
       </a:buClr>
       <a:buFont typeface="Arial"/>
-      <a:defRPr b="0" i="0" sz="1400" u="none" cap="none" strike="noStrike">
+      <a:defRPr sz="1400" b="0" i="0" u="none" strike="noStrike" cap="none">
         <a:solidFill>
           <a:srgbClr val="000000"/>
         </a:solidFill>
@@ -611,7 +625,7 @@
         <a:sym typeface="Arial"/>
       </a:defRPr>
     </a:lvl5pPr>
-    <a:lvl6pPr lvl="5" marR="0" rtl="0" algn="l">
+    <a:lvl6pPr marR="0" lvl="5" algn="l" rtl="0">
       <a:lnSpc>
         <a:spcPct val="100000"/>
       </a:lnSpc>
@@ -625,7 +639,7 @@
         <a:srgbClr val="000000"/>
       </a:buClr>
       <a:buFont typeface="Arial"/>
-      <a:defRPr b="0" i="0" sz="1400" u="none" cap="none" strike="noStrike">
+      <a:defRPr sz="1400" b="0" i="0" u="none" strike="noStrike" cap="none">
         <a:solidFill>
           <a:srgbClr val="000000"/>
         </a:solidFill>
@@ -635,7 +649,7 @@
         <a:sym typeface="Arial"/>
       </a:defRPr>
     </a:lvl6pPr>
-    <a:lvl7pPr lvl="6" marR="0" rtl="0" algn="l">
+    <a:lvl7pPr marR="0" lvl="6" algn="l" rtl="0">
       <a:lnSpc>
         <a:spcPct val="100000"/>
       </a:lnSpc>
@@ -649,7 +663,7 @@
         <a:srgbClr val="000000"/>
       </a:buClr>
       <a:buFont typeface="Arial"/>
-      <a:defRPr b="0" i="0" sz="1400" u="none" cap="none" strike="noStrike">
+      <a:defRPr sz="1400" b="0" i="0" u="none" strike="noStrike" cap="none">
         <a:solidFill>
           <a:srgbClr val="000000"/>
         </a:solidFill>
@@ -659,7 +673,7 @@
         <a:sym typeface="Arial"/>
       </a:defRPr>
     </a:lvl7pPr>
-    <a:lvl8pPr lvl="7" marR="0" rtl="0" algn="l">
+    <a:lvl8pPr marR="0" lvl="7" algn="l" rtl="0">
       <a:lnSpc>
         <a:spcPct val="100000"/>
       </a:lnSpc>
@@ -673,7 +687,7 @@
         <a:srgbClr val="000000"/>
       </a:buClr>
       <a:buFont typeface="Arial"/>
-      <a:defRPr b="0" i="0" sz="1400" u="none" cap="none" strike="noStrike">
+      <a:defRPr sz="1400" b="0" i="0" u="none" strike="noStrike" cap="none">
         <a:solidFill>
           <a:srgbClr val="000000"/>
         </a:solidFill>
@@ -683,7 +697,7 @@
         <a:sym typeface="Arial"/>
       </a:defRPr>
     </a:lvl8pPr>
-    <a:lvl9pPr lvl="8" marR="0" rtl="0" algn="l">
+    <a:lvl9pPr marR="0" lvl="8" algn="l" rtl="0">
       <a:lnSpc>
         <a:spcPct val="100000"/>
       </a:lnSpc>
@@ -697,7 +711,7 @@
         <a:srgbClr val="000000"/>
       </a:buClr>
       <a:buFont typeface="Arial"/>
-      <a:defRPr b="0" i="0" sz="1400" u="none" cap="none" strike="noStrike">
+      <a:defRPr sz="1400" b="0" i="0" u="none" strike="noStrike" cap="none">
         <a:solidFill>
           <a:srgbClr val="000000"/>
         </a:solidFill>
@@ -712,11 +726,11 @@
 </file>
 
 <file path=ppt/notesSlides/notesSlide1.xml><?xml version="1.0" encoding="utf-8"?>
-<p:notes xmlns:a="http://schemas.openxmlformats.org/drawingml/2006/main" xmlns:r="http://schemas.openxmlformats.org/officeDocument/2006/relationships" xmlns:mc="http://schemas.openxmlformats.org/markup-compatibility/2006" xmlns:mv="urn:schemas-microsoft-com:mac:vml" xmlns:p="http://schemas.openxmlformats.org/presentationml/2006/main" xmlns:c="http://schemas.openxmlformats.org/drawingml/2006/chart" xmlns:dgm="http://schemas.openxmlformats.org/drawingml/2006/diagram" xmlns:o="urn:schemas-microsoft-com:office:office" xmlns:v="urn:schemas-microsoft-com:vml" xmlns:pvml="urn:schemas-microsoft-com:office:powerpoint" xmlns:com="http://schemas.openxmlformats.org/drawingml/2006/compatibility" xmlns:p14="http://schemas.microsoft.com/office/powerpoint/2010/main" xmlns:p15="http://schemas.microsoft.com/office/powerpoint/2012/main" showMasterPhAnim="0" showMasterSp="0">
+<p:notes xmlns:a="http://schemas.openxmlformats.org/drawingml/2006/main" xmlns:r="http://schemas.openxmlformats.org/officeDocument/2006/relationships" xmlns:p="http://schemas.openxmlformats.org/presentationml/2006/main" showMasterSp="0" showMasterPhAnim="0">
   <p:cSld>
     <p:spTree>
       <p:nvGrpSpPr>
-        <p:cNvPr id="55" name="Shape 55"/>
+        <p:cNvPr id="1" name="Shape 55"/>
         <p:cNvGrpSpPr/>
         <p:nvPr/>
       </p:nvGrpSpPr>
@@ -731,9 +745,11 @@
       <p:sp>
         <p:nvSpPr>
           <p:cNvPr id="56" name="Google Shape;56;p:notes"/>
-          <p:cNvSpPr/>
+          <p:cNvSpPr>
+            <a:spLocks noGrp="1" noRot="1" noChangeAspect="1"/>
+          </p:cNvSpPr>
           <p:nvPr>
-            <p:ph idx="2" type="sldImg"/>
+            <p:ph type="sldImg" idx="2"/>
           </p:nvPr>
         </p:nvSpPr>
         <p:spPr>
@@ -742,9 +758,13 @@
             <a:ext cx="6096075" cy="3429000"/>
           </a:xfrm>
           <a:custGeom>
-            <a:rect b="b" l="l" r="r" t="t"/>
+            <a:avLst/>
+            <a:gdLst/>
+            <a:ahLst/>
+            <a:cxnLst/>
+            <a:rect l="l" t="t" r="r" b="b"/>
             <a:pathLst>
-              <a:path extrusionOk="0" h="120000" w="120000">
+              <a:path w="120000" h="120000" extrusionOk="0">
                 <a:moveTo>
                   <a:pt x="0" y="0"/>
                 </a:moveTo>
@@ -766,9 +786,11 @@
       <p:sp>
         <p:nvSpPr>
           <p:cNvPr id="57" name="Google Shape;57;p:notes"/>
-          <p:cNvSpPr txBox="1"/>
+          <p:cNvSpPr txBox="1">
+            <a:spLocks noGrp="1"/>
+          </p:cNvSpPr>
           <p:nvPr>
-            <p:ph idx="1" type="body"/>
+            <p:ph type="body" idx="1"/>
           </p:nvPr>
         </p:nvSpPr>
         <p:spPr>
@@ -781,12 +803,12 @@
           </a:prstGeom>
         </p:spPr>
         <p:txBody>
-          <a:bodyPr anchorCtr="0" anchor="t" bIns="91425" lIns="91425" spcFirstLastPara="1" rIns="91425" wrap="square" tIns="91425">
+          <a:bodyPr spcFirstLastPara="1" wrap="square" lIns="91425" tIns="91425" rIns="91425" bIns="91425" anchor="t" anchorCtr="0">
             <a:noAutofit/>
           </a:bodyPr>
           <a:lstStyle/>
           <a:p>
-            <a:pPr indent="0" lvl="0" marL="0" rtl="0" algn="l">
+            <a:pPr marL="0" lvl="0" indent="0" algn="l" rtl="0">
               <a:spcBef>
                 <a:spcPts val="0"/>
               </a:spcBef>
@@ -795,9 +817,6 @@
               </a:spcAft>
               <a:buNone/>
             </a:pPr>
-            <a:r>
-              <a:t/>
-            </a:r>
             <a:endParaRPr/>
           </a:p>
         </p:txBody>
@@ -811,11 +830,11 @@
 </file>
 
 <file path=ppt/notesSlides/notesSlide10.xml><?xml version="1.0" encoding="utf-8"?>
-<p:notes xmlns:a="http://schemas.openxmlformats.org/drawingml/2006/main" xmlns:r="http://schemas.openxmlformats.org/officeDocument/2006/relationships" xmlns:mc="http://schemas.openxmlformats.org/markup-compatibility/2006" xmlns:mv="urn:schemas-microsoft-com:mac:vml" xmlns:p="http://schemas.openxmlformats.org/presentationml/2006/main" xmlns:c="http://schemas.openxmlformats.org/drawingml/2006/chart" xmlns:dgm="http://schemas.openxmlformats.org/drawingml/2006/diagram" xmlns:o="urn:schemas-microsoft-com:office:office" xmlns:v="urn:schemas-microsoft-com:vml" xmlns:pvml="urn:schemas-microsoft-com:office:powerpoint" xmlns:com="http://schemas.openxmlformats.org/drawingml/2006/compatibility" xmlns:p14="http://schemas.microsoft.com/office/powerpoint/2010/main" xmlns:p15="http://schemas.microsoft.com/office/powerpoint/2012/main" showMasterPhAnim="0" showMasterSp="0">
+<p:notes xmlns:a="http://schemas.openxmlformats.org/drawingml/2006/main" xmlns:r="http://schemas.openxmlformats.org/officeDocument/2006/relationships" xmlns:p="http://schemas.openxmlformats.org/presentationml/2006/main" showMasterSp="0" showMasterPhAnim="0">
   <p:cSld>
     <p:spTree>
       <p:nvGrpSpPr>
-        <p:cNvPr id="116" name="Shape 116"/>
+        <p:cNvPr id="1" name="Shape 116"/>
         <p:cNvGrpSpPr/>
         <p:nvPr/>
       </p:nvGrpSpPr>
@@ -830,9 +849,11 @@
       <p:sp>
         <p:nvSpPr>
           <p:cNvPr id="117" name="Google Shape;117;g710f7ca818_0_30:notes"/>
-          <p:cNvSpPr/>
+          <p:cNvSpPr>
+            <a:spLocks noGrp="1" noRot="1" noChangeAspect="1"/>
+          </p:cNvSpPr>
           <p:nvPr>
-            <p:ph idx="2" type="sldImg"/>
+            <p:ph type="sldImg" idx="2"/>
           </p:nvPr>
         </p:nvSpPr>
         <p:spPr>
@@ -841,9 +862,13 @@
             <a:ext cx="6096000" cy="3429000"/>
           </a:xfrm>
           <a:custGeom>
-            <a:rect b="b" l="l" r="r" t="t"/>
+            <a:avLst/>
+            <a:gdLst/>
+            <a:ahLst/>
+            <a:cxnLst/>
+            <a:rect l="l" t="t" r="r" b="b"/>
             <a:pathLst>
-              <a:path extrusionOk="0" h="120000" w="120000">
+              <a:path w="120000" h="120000" extrusionOk="0">
                 <a:moveTo>
                   <a:pt x="0" y="0"/>
                 </a:moveTo>
@@ -865,9 +890,11 @@
       <p:sp>
         <p:nvSpPr>
           <p:cNvPr id="118" name="Google Shape;118;g710f7ca818_0_30:notes"/>
-          <p:cNvSpPr txBox="1"/>
+          <p:cNvSpPr txBox="1">
+            <a:spLocks noGrp="1"/>
+          </p:cNvSpPr>
           <p:nvPr>
-            <p:ph idx="1" type="body"/>
+            <p:ph type="body" idx="1"/>
           </p:nvPr>
         </p:nvSpPr>
         <p:spPr>
@@ -880,12 +907,12 @@
           </a:prstGeom>
         </p:spPr>
         <p:txBody>
-          <a:bodyPr anchorCtr="0" anchor="t" bIns="91425" lIns="91425" spcFirstLastPara="1" rIns="91425" wrap="square" tIns="91425">
+          <a:bodyPr spcFirstLastPara="1" wrap="square" lIns="91425" tIns="91425" rIns="91425" bIns="91425" anchor="t" anchorCtr="0">
             <a:noAutofit/>
           </a:bodyPr>
           <a:lstStyle/>
           <a:p>
-            <a:pPr indent="0" lvl="0" marL="0" rtl="0" algn="l">
+            <a:pPr marL="0" lvl="0" indent="0" algn="l" rtl="0">
               <a:spcBef>
                 <a:spcPts val="0"/>
               </a:spcBef>
@@ -894,9 +921,6 @@
               </a:spcAft>
               <a:buNone/>
             </a:pPr>
-            <a:r>
-              <a:t/>
-            </a:r>
             <a:endParaRPr/>
           </a:p>
         </p:txBody>
@@ -910,11 +934,11 @@
 </file>
 
 <file path=ppt/notesSlides/notesSlide11.xml><?xml version="1.0" encoding="utf-8"?>
-<p:notes xmlns:a="http://schemas.openxmlformats.org/drawingml/2006/main" xmlns:r="http://schemas.openxmlformats.org/officeDocument/2006/relationships" xmlns:mc="http://schemas.openxmlformats.org/markup-compatibility/2006" xmlns:mv="urn:schemas-microsoft-com:mac:vml" xmlns:p="http://schemas.openxmlformats.org/presentationml/2006/main" xmlns:c="http://schemas.openxmlformats.org/drawingml/2006/chart" xmlns:dgm="http://schemas.openxmlformats.org/drawingml/2006/diagram" xmlns:o="urn:schemas-microsoft-com:office:office" xmlns:v="urn:schemas-microsoft-com:vml" xmlns:pvml="urn:schemas-microsoft-com:office:powerpoint" xmlns:com="http://schemas.openxmlformats.org/drawingml/2006/compatibility" xmlns:p14="http://schemas.microsoft.com/office/powerpoint/2010/main" xmlns:p15="http://schemas.microsoft.com/office/powerpoint/2012/main" showMasterPhAnim="0" showMasterSp="0">
+<p:notes xmlns:a="http://schemas.openxmlformats.org/drawingml/2006/main" xmlns:r="http://schemas.openxmlformats.org/officeDocument/2006/relationships" xmlns:p="http://schemas.openxmlformats.org/presentationml/2006/main" showMasterSp="0" showMasterPhAnim="0">
   <p:cSld>
     <p:spTree>
       <p:nvGrpSpPr>
-        <p:cNvPr id="122" name="Shape 122"/>
+        <p:cNvPr id="1" name="Shape 122"/>
         <p:cNvGrpSpPr/>
         <p:nvPr/>
       </p:nvGrpSpPr>
@@ -929,20 +953,26 @@
       <p:sp>
         <p:nvSpPr>
           <p:cNvPr id="123" name="Google Shape;123;g710f7ca818_0_35:notes"/>
-          <p:cNvSpPr/>
+          <p:cNvSpPr>
+            <a:spLocks noGrp="1" noRot="1" noChangeAspect="1"/>
+          </p:cNvSpPr>
           <p:nvPr>
-            <p:ph idx="2" type="sldImg"/>
+            <p:ph type="sldImg" idx="2"/>
           </p:nvPr>
         </p:nvSpPr>
         <p:spPr>
           <a:xfrm>
-            <a:off x="381300" y="685800"/>
+            <a:off x="381000" y="685800"/>
             <a:ext cx="6096000" cy="3429000"/>
           </a:xfrm>
           <a:custGeom>
-            <a:rect b="b" l="l" r="r" t="t"/>
+            <a:avLst/>
+            <a:gdLst/>
+            <a:ahLst/>
+            <a:cxnLst/>
+            <a:rect l="l" t="t" r="r" b="b"/>
             <a:pathLst>
-              <a:path extrusionOk="0" h="120000" w="120000">
+              <a:path w="120000" h="120000" extrusionOk="0">
                 <a:moveTo>
                   <a:pt x="0" y="0"/>
                 </a:moveTo>
@@ -964,9 +994,11 @@
       <p:sp>
         <p:nvSpPr>
           <p:cNvPr id="124" name="Google Shape;124;g710f7ca818_0_35:notes"/>
-          <p:cNvSpPr txBox="1"/>
+          <p:cNvSpPr txBox="1">
+            <a:spLocks noGrp="1"/>
+          </p:cNvSpPr>
           <p:nvPr>
-            <p:ph idx="1" type="body"/>
+            <p:ph type="body" idx="1"/>
           </p:nvPr>
         </p:nvSpPr>
         <p:spPr>
@@ -979,12 +1011,12 @@
           </a:prstGeom>
         </p:spPr>
         <p:txBody>
-          <a:bodyPr anchorCtr="0" anchor="t" bIns="91425" lIns="91425" spcFirstLastPara="1" rIns="91425" wrap="square" tIns="91425">
+          <a:bodyPr spcFirstLastPara="1" wrap="square" lIns="91425" tIns="91425" rIns="91425" bIns="91425" anchor="t" anchorCtr="0">
             <a:noAutofit/>
           </a:bodyPr>
           <a:lstStyle/>
           <a:p>
-            <a:pPr indent="0" lvl="0" marL="0" rtl="0" algn="l">
+            <a:pPr marL="0" lvl="0" indent="0" algn="l" rtl="0">
               <a:spcBef>
                 <a:spcPts val="0"/>
               </a:spcBef>
@@ -993,9 +1025,6 @@
               </a:spcAft>
               <a:buNone/>
             </a:pPr>
-            <a:r>
-              <a:t/>
-            </a:r>
             <a:endParaRPr/>
           </a:p>
         </p:txBody>
@@ -1009,11 +1038,11 @@
 </file>
 
 <file path=ppt/notesSlides/notesSlide12.xml><?xml version="1.0" encoding="utf-8"?>
-<p:notes xmlns:a="http://schemas.openxmlformats.org/drawingml/2006/main" xmlns:r="http://schemas.openxmlformats.org/officeDocument/2006/relationships" xmlns:mc="http://schemas.openxmlformats.org/markup-compatibility/2006" xmlns:mv="urn:schemas-microsoft-com:mac:vml" xmlns:p="http://schemas.openxmlformats.org/presentationml/2006/main" xmlns:c="http://schemas.openxmlformats.org/drawingml/2006/chart" xmlns:dgm="http://schemas.openxmlformats.org/drawingml/2006/diagram" xmlns:o="urn:schemas-microsoft-com:office:office" xmlns:v="urn:schemas-microsoft-com:vml" xmlns:pvml="urn:schemas-microsoft-com:office:powerpoint" xmlns:com="http://schemas.openxmlformats.org/drawingml/2006/compatibility" xmlns:p14="http://schemas.microsoft.com/office/powerpoint/2010/main" xmlns:p15="http://schemas.microsoft.com/office/powerpoint/2012/main" showMasterPhAnim="0" showMasterSp="0">
+<p:notes xmlns:a="http://schemas.openxmlformats.org/drawingml/2006/main" xmlns:r="http://schemas.openxmlformats.org/officeDocument/2006/relationships" xmlns:p="http://schemas.openxmlformats.org/presentationml/2006/main" showMasterSp="0" showMasterPhAnim="0">
   <p:cSld>
     <p:spTree>
       <p:nvGrpSpPr>
-        <p:cNvPr id="128" name="Shape 128"/>
+        <p:cNvPr id="1" name="Shape 128"/>
         <p:cNvGrpSpPr/>
         <p:nvPr/>
       </p:nvGrpSpPr>
@@ -1028,9 +1057,11 @@
       <p:sp>
         <p:nvSpPr>
           <p:cNvPr id="129" name="Google Shape;129;g7148a842e9_0_8:notes"/>
-          <p:cNvSpPr/>
+          <p:cNvSpPr>
+            <a:spLocks noGrp="1" noRot="1" noChangeAspect="1"/>
+          </p:cNvSpPr>
           <p:nvPr>
-            <p:ph idx="2" type="sldImg"/>
+            <p:ph type="sldImg" idx="2"/>
           </p:nvPr>
         </p:nvSpPr>
         <p:spPr>
@@ -1039,9 +1070,13 @@
             <a:ext cx="6096000" cy="3429000"/>
           </a:xfrm>
           <a:custGeom>
-            <a:rect b="b" l="l" r="r" t="t"/>
+            <a:avLst/>
+            <a:gdLst/>
+            <a:ahLst/>
+            <a:cxnLst/>
+            <a:rect l="l" t="t" r="r" b="b"/>
             <a:pathLst>
-              <a:path extrusionOk="0" h="120000" w="120000">
+              <a:path w="120000" h="120000" extrusionOk="0">
                 <a:moveTo>
                   <a:pt x="0" y="0"/>
                 </a:moveTo>
@@ -1063,9 +1098,11 @@
       <p:sp>
         <p:nvSpPr>
           <p:cNvPr id="130" name="Google Shape;130;g7148a842e9_0_8:notes"/>
-          <p:cNvSpPr txBox="1"/>
+          <p:cNvSpPr txBox="1">
+            <a:spLocks noGrp="1"/>
+          </p:cNvSpPr>
           <p:nvPr>
-            <p:ph idx="1" type="body"/>
+            <p:ph type="body" idx="1"/>
           </p:nvPr>
         </p:nvSpPr>
         <p:spPr>
@@ -1078,12 +1115,12 @@
           </a:prstGeom>
         </p:spPr>
         <p:txBody>
-          <a:bodyPr anchorCtr="0" anchor="t" bIns="91425" lIns="91425" spcFirstLastPara="1" rIns="91425" wrap="square" tIns="91425">
+          <a:bodyPr spcFirstLastPara="1" wrap="square" lIns="91425" tIns="91425" rIns="91425" bIns="91425" anchor="t" anchorCtr="0">
             <a:noAutofit/>
           </a:bodyPr>
           <a:lstStyle/>
           <a:p>
-            <a:pPr indent="0" lvl="0" marL="0" rtl="0" algn="l">
+            <a:pPr marL="0" lvl="0" indent="0" algn="l" rtl="0">
               <a:spcBef>
                 <a:spcPts val="0"/>
               </a:spcBef>
@@ -1092,9 +1129,6 @@
               </a:spcAft>
               <a:buNone/>
             </a:pPr>
-            <a:r>
-              <a:t/>
-            </a:r>
             <a:endParaRPr/>
           </a:p>
         </p:txBody>
@@ -1108,11 +1142,11 @@
 </file>
 
 <file path=ppt/notesSlides/notesSlide13.xml><?xml version="1.0" encoding="utf-8"?>
-<p:notes xmlns:a="http://schemas.openxmlformats.org/drawingml/2006/main" xmlns:r="http://schemas.openxmlformats.org/officeDocument/2006/relationships" xmlns:mc="http://schemas.openxmlformats.org/markup-compatibility/2006" xmlns:mv="urn:schemas-microsoft-com:mac:vml" xmlns:p="http://schemas.openxmlformats.org/presentationml/2006/main" xmlns:c="http://schemas.openxmlformats.org/drawingml/2006/chart" xmlns:dgm="http://schemas.openxmlformats.org/drawingml/2006/diagram" xmlns:o="urn:schemas-microsoft-com:office:office" xmlns:v="urn:schemas-microsoft-com:vml" xmlns:pvml="urn:schemas-microsoft-com:office:powerpoint" xmlns:com="http://schemas.openxmlformats.org/drawingml/2006/compatibility" xmlns:p14="http://schemas.microsoft.com/office/powerpoint/2010/main" xmlns:p15="http://schemas.microsoft.com/office/powerpoint/2012/main" showMasterPhAnim="0" showMasterSp="0">
+<p:notes xmlns:a="http://schemas.openxmlformats.org/drawingml/2006/main" xmlns:r="http://schemas.openxmlformats.org/officeDocument/2006/relationships" xmlns:p="http://schemas.openxmlformats.org/presentationml/2006/main" showMasterSp="0" showMasterPhAnim="0">
   <p:cSld>
     <p:spTree>
       <p:nvGrpSpPr>
-        <p:cNvPr id="134" name="Shape 134"/>
+        <p:cNvPr id="1" name="Shape 134"/>
         <p:cNvGrpSpPr/>
         <p:nvPr/>
       </p:nvGrpSpPr>
@@ -1127,9 +1161,11 @@
       <p:sp>
         <p:nvSpPr>
           <p:cNvPr id="135" name="Google Shape;135;g710f7ca818_0_42:notes"/>
-          <p:cNvSpPr/>
+          <p:cNvSpPr>
+            <a:spLocks noGrp="1" noRot="1" noChangeAspect="1"/>
+          </p:cNvSpPr>
           <p:nvPr>
-            <p:ph idx="2" type="sldImg"/>
+            <p:ph type="sldImg" idx="2"/>
           </p:nvPr>
         </p:nvSpPr>
         <p:spPr>
@@ -1138,9 +1174,13 @@
             <a:ext cx="6096000" cy="3429000"/>
           </a:xfrm>
           <a:custGeom>
-            <a:rect b="b" l="l" r="r" t="t"/>
+            <a:avLst/>
+            <a:gdLst/>
+            <a:ahLst/>
+            <a:cxnLst/>
+            <a:rect l="l" t="t" r="r" b="b"/>
             <a:pathLst>
-              <a:path extrusionOk="0" h="120000" w="120000">
+              <a:path w="120000" h="120000" extrusionOk="0">
                 <a:moveTo>
                   <a:pt x="0" y="0"/>
                 </a:moveTo>
@@ -1162,9 +1202,11 @@
       <p:sp>
         <p:nvSpPr>
           <p:cNvPr id="136" name="Google Shape;136;g710f7ca818_0_42:notes"/>
-          <p:cNvSpPr txBox="1"/>
+          <p:cNvSpPr txBox="1">
+            <a:spLocks noGrp="1"/>
+          </p:cNvSpPr>
           <p:nvPr>
-            <p:ph idx="1" type="body"/>
+            <p:ph type="body" idx="1"/>
           </p:nvPr>
         </p:nvSpPr>
         <p:spPr>
@@ -1177,12 +1219,12 @@
           </a:prstGeom>
         </p:spPr>
         <p:txBody>
-          <a:bodyPr anchorCtr="0" anchor="t" bIns="91425" lIns="91425" spcFirstLastPara="1" rIns="91425" wrap="square" tIns="91425">
+          <a:bodyPr spcFirstLastPara="1" wrap="square" lIns="91425" tIns="91425" rIns="91425" bIns="91425" anchor="t" anchorCtr="0">
             <a:noAutofit/>
           </a:bodyPr>
           <a:lstStyle/>
           <a:p>
-            <a:pPr indent="0" lvl="0" marL="0" rtl="0" algn="l">
+            <a:pPr marL="0" lvl="0" indent="0" algn="l" rtl="0">
               <a:spcBef>
                 <a:spcPts val="0"/>
               </a:spcBef>
@@ -1191,9 +1233,6 @@
               </a:spcAft>
               <a:buNone/>
             </a:pPr>
-            <a:r>
-              <a:t/>
-            </a:r>
             <a:endParaRPr/>
           </a:p>
         </p:txBody>
@@ -1207,110 +1246,11 @@
 </file>
 
 <file path=ppt/notesSlides/notesSlide14.xml><?xml version="1.0" encoding="utf-8"?>
-<p:notes xmlns:a="http://schemas.openxmlformats.org/drawingml/2006/main" xmlns:r="http://schemas.openxmlformats.org/officeDocument/2006/relationships" xmlns:mc="http://schemas.openxmlformats.org/markup-compatibility/2006" xmlns:mv="urn:schemas-microsoft-com:mac:vml" xmlns:p="http://schemas.openxmlformats.org/presentationml/2006/main" xmlns:c="http://schemas.openxmlformats.org/drawingml/2006/chart" xmlns:dgm="http://schemas.openxmlformats.org/drawingml/2006/diagram" xmlns:o="urn:schemas-microsoft-com:office:office" xmlns:v="urn:schemas-microsoft-com:vml" xmlns:pvml="urn:schemas-microsoft-com:office:powerpoint" xmlns:com="http://schemas.openxmlformats.org/drawingml/2006/compatibility" xmlns:p14="http://schemas.microsoft.com/office/powerpoint/2010/main" xmlns:p15="http://schemas.microsoft.com/office/powerpoint/2012/main" showMasterPhAnim="0" showMasterSp="0">
+<p:notes xmlns:a="http://schemas.openxmlformats.org/drawingml/2006/main" xmlns:r="http://schemas.openxmlformats.org/officeDocument/2006/relationships" xmlns:p="http://schemas.openxmlformats.org/presentationml/2006/main" showMasterSp="0" showMasterPhAnim="0">
   <p:cSld>
     <p:spTree>
       <p:nvGrpSpPr>
-        <p:cNvPr id="140" name="Shape 140"/>
-        <p:cNvGrpSpPr/>
-        <p:nvPr/>
-      </p:nvGrpSpPr>
-      <p:grpSpPr>
-        <a:xfrm>
-          <a:off x="0" y="0"/>
-          <a:ext cx="0" cy="0"/>
-          <a:chOff x="0" y="0"/>
-          <a:chExt cx="0" cy="0"/>
-        </a:xfrm>
-      </p:grpSpPr>
-      <p:sp>
-        <p:nvSpPr>
-          <p:cNvPr id="141" name="Google Shape;141;g710f7ca818_0_49:notes"/>
-          <p:cNvSpPr/>
-          <p:nvPr>
-            <p:ph idx="2" type="sldImg"/>
-          </p:nvPr>
-        </p:nvSpPr>
-        <p:spPr>
-          <a:xfrm>
-            <a:off x="381300" y="685800"/>
-            <a:ext cx="6096000" cy="3429000"/>
-          </a:xfrm>
-          <a:custGeom>
-            <a:rect b="b" l="l" r="r" t="t"/>
-            <a:pathLst>
-              <a:path extrusionOk="0" h="120000" w="120000">
-                <a:moveTo>
-                  <a:pt x="0" y="0"/>
-                </a:moveTo>
-                <a:lnTo>
-                  <a:pt x="120000" y="0"/>
-                </a:lnTo>
-                <a:lnTo>
-                  <a:pt x="120000" y="120000"/>
-                </a:lnTo>
-                <a:lnTo>
-                  <a:pt x="0" y="120000"/>
-                </a:lnTo>
-                <a:close/>
-              </a:path>
-            </a:pathLst>
-          </a:custGeom>
-        </p:spPr>
-      </p:sp>
-      <p:sp>
-        <p:nvSpPr>
-          <p:cNvPr id="142" name="Google Shape;142;g710f7ca818_0_49:notes"/>
-          <p:cNvSpPr txBox="1"/>
-          <p:nvPr>
-            <p:ph idx="1" type="body"/>
-          </p:nvPr>
-        </p:nvSpPr>
-        <p:spPr>
-          <a:xfrm>
-            <a:off x="685800" y="4343400"/>
-            <a:ext cx="5486400" cy="4114800"/>
-          </a:xfrm>
-          <a:prstGeom prst="rect">
-            <a:avLst/>
-          </a:prstGeom>
-        </p:spPr>
-        <p:txBody>
-          <a:bodyPr anchorCtr="0" anchor="t" bIns="91425" lIns="91425" spcFirstLastPara="1" rIns="91425" wrap="square" tIns="91425">
-            <a:noAutofit/>
-          </a:bodyPr>
-          <a:lstStyle/>
-          <a:p>
-            <a:pPr indent="0" lvl="0" marL="0" rtl="0" algn="l">
-              <a:spcBef>
-                <a:spcPts val="0"/>
-              </a:spcBef>
-              <a:spcAft>
-                <a:spcPts val="0"/>
-              </a:spcAft>
-              <a:buNone/>
-            </a:pPr>
-            <a:r>
-              <a:t/>
-            </a:r>
-            <a:endParaRPr/>
-          </a:p>
-        </p:txBody>
-      </p:sp>
-    </p:spTree>
-  </p:cSld>
-  <p:clrMapOvr>
-    <a:masterClrMapping/>
-  </p:clrMapOvr>
-</p:notes>
-</file>
-
-<file path=ppt/notesSlides/notesSlide15.xml><?xml version="1.0" encoding="utf-8"?>
-<p:notes xmlns:a="http://schemas.openxmlformats.org/drawingml/2006/main" xmlns:r="http://schemas.openxmlformats.org/officeDocument/2006/relationships" xmlns:mc="http://schemas.openxmlformats.org/markup-compatibility/2006" xmlns:mv="urn:schemas-microsoft-com:mac:vml" xmlns:p="http://schemas.openxmlformats.org/presentationml/2006/main" xmlns:c="http://schemas.openxmlformats.org/drawingml/2006/chart" xmlns:dgm="http://schemas.openxmlformats.org/drawingml/2006/diagram" xmlns:o="urn:schemas-microsoft-com:office:office" xmlns:v="urn:schemas-microsoft-com:vml" xmlns:pvml="urn:schemas-microsoft-com:office:powerpoint" xmlns:com="http://schemas.openxmlformats.org/drawingml/2006/compatibility" xmlns:p14="http://schemas.microsoft.com/office/powerpoint/2010/main" xmlns:p15="http://schemas.microsoft.com/office/powerpoint/2012/main" showMasterPhAnim="0" showMasterSp="0">
-  <p:cSld>
-    <p:spTree>
-      <p:nvGrpSpPr>
-        <p:cNvPr id="146" name="Shape 146"/>
+        <p:cNvPr id="1" name="Shape 146"/>
         <p:cNvGrpSpPr/>
         <p:nvPr/>
       </p:nvGrpSpPr>
@@ -1325,20 +1265,26 @@
       <p:sp>
         <p:nvSpPr>
           <p:cNvPr id="147" name="Google Shape;147;g816d8a67ac_0_0:notes"/>
-          <p:cNvSpPr/>
+          <p:cNvSpPr>
+            <a:spLocks noGrp="1" noRot="1" noChangeAspect="1"/>
+          </p:cNvSpPr>
           <p:nvPr>
-            <p:ph idx="2" type="sldImg"/>
+            <p:ph type="sldImg" idx="2"/>
           </p:nvPr>
         </p:nvSpPr>
         <p:spPr>
           <a:xfrm>
-            <a:off x="381300" y="685800"/>
+            <a:off x="381000" y="685800"/>
             <a:ext cx="6096000" cy="3429000"/>
           </a:xfrm>
           <a:custGeom>
-            <a:rect b="b" l="l" r="r" t="t"/>
+            <a:avLst/>
+            <a:gdLst/>
+            <a:ahLst/>
+            <a:cxnLst/>
+            <a:rect l="l" t="t" r="r" b="b"/>
             <a:pathLst>
-              <a:path extrusionOk="0" h="120000" w="120000">
+              <a:path w="120000" h="120000" extrusionOk="0">
                 <a:moveTo>
                   <a:pt x="0" y="0"/>
                 </a:moveTo>
@@ -1360,9 +1306,11 @@
       <p:sp>
         <p:nvSpPr>
           <p:cNvPr id="148" name="Google Shape;148;g816d8a67ac_0_0:notes"/>
-          <p:cNvSpPr txBox="1"/>
+          <p:cNvSpPr txBox="1">
+            <a:spLocks noGrp="1"/>
+          </p:cNvSpPr>
           <p:nvPr>
-            <p:ph idx="1" type="body"/>
+            <p:ph type="body" idx="1"/>
           </p:nvPr>
         </p:nvSpPr>
         <p:spPr>
@@ -1375,12 +1323,12 @@
           </a:prstGeom>
         </p:spPr>
         <p:txBody>
-          <a:bodyPr anchorCtr="0" anchor="t" bIns="91425" lIns="91425" spcFirstLastPara="1" rIns="91425" wrap="square" tIns="91425">
+          <a:bodyPr spcFirstLastPara="1" wrap="square" lIns="91425" tIns="91425" rIns="91425" bIns="91425" anchor="t" anchorCtr="0">
             <a:noAutofit/>
           </a:bodyPr>
           <a:lstStyle/>
           <a:p>
-            <a:pPr indent="0" lvl="0" marL="0" rtl="0" algn="l">
+            <a:pPr marL="0" lvl="0" indent="0" algn="l" rtl="0">
               <a:spcBef>
                 <a:spcPts val="0"/>
               </a:spcBef>
@@ -1389,9 +1337,6 @@
               </a:spcAft>
               <a:buNone/>
             </a:pPr>
-            <a:r>
-              <a:t/>
-            </a:r>
             <a:endParaRPr/>
           </a:p>
         </p:txBody>
@@ -1405,11 +1350,11 @@
 </file>
 
 <file path=ppt/notesSlides/notesSlide2.xml><?xml version="1.0" encoding="utf-8"?>
-<p:notes xmlns:a="http://schemas.openxmlformats.org/drawingml/2006/main" xmlns:r="http://schemas.openxmlformats.org/officeDocument/2006/relationships" xmlns:mc="http://schemas.openxmlformats.org/markup-compatibility/2006" xmlns:mv="urn:schemas-microsoft-com:mac:vml" xmlns:p="http://schemas.openxmlformats.org/presentationml/2006/main" xmlns:c="http://schemas.openxmlformats.org/drawingml/2006/chart" xmlns:dgm="http://schemas.openxmlformats.org/drawingml/2006/diagram" xmlns:o="urn:schemas-microsoft-com:office:office" xmlns:v="urn:schemas-microsoft-com:vml" xmlns:pvml="urn:schemas-microsoft-com:office:powerpoint" xmlns:com="http://schemas.openxmlformats.org/drawingml/2006/compatibility" xmlns:p14="http://schemas.microsoft.com/office/powerpoint/2010/main" xmlns:p15="http://schemas.microsoft.com/office/powerpoint/2012/main" showMasterPhAnim="0" showMasterSp="0">
+<p:notes xmlns:a="http://schemas.openxmlformats.org/drawingml/2006/main" xmlns:r="http://schemas.openxmlformats.org/officeDocument/2006/relationships" xmlns:p="http://schemas.openxmlformats.org/presentationml/2006/main" showMasterSp="0" showMasterPhAnim="0">
   <p:cSld>
     <p:spTree>
       <p:nvGrpSpPr>
-        <p:cNvPr id="61" name="Shape 61"/>
+        <p:cNvPr id="1" name="Shape 61"/>
         <p:cNvGrpSpPr/>
         <p:nvPr/>
       </p:nvGrpSpPr>
@@ -1424,9 +1369,11 @@
       <p:sp>
         <p:nvSpPr>
           <p:cNvPr id="62" name="Google Shape;62;g8128057b82_0_0:notes"/>
-          <p:cNvSpPr/>
+          <p:cNvSpPr>
+            <a:spLocks noGrp="1" noRot="1" noChangeAspect="1"/>
+          </p:cNvSpPr>
           <p:nvPr>
-            <p:ph idx="2" type="sldImg"/>
+            <p:ph type="sldImg" idx="2"/>
           </p:nvPr>
         </p:nvSpPr>
         <p:spPr>
@@ -1435,9 +1382,13 @@
             <a:ext cx="6096000" cy="3429000"/>
           </a:xfrm>
           <a:custGeom>
-            <a:rect b="b" l="l" r="r" t="t"/>
+            <a:avLst/>
+            <a:gdLst/>
+            <a:ahLst/>
+            <a:cxnLst/>
+            <a:rect l="l" t="t" r="r" b="b"/>
             <a:pathLst>
-              <a:path extrusionOk="0" h="120000" w="120000">
+              <a:path w="120000" h="120000" extrusionOk="0">
                 <a:moveTo>
                   <a:pt x="0" y="0"/>
                 </a:moveTo>
@@ -1459,9 +1410,11 @@
       <p:sp>
         <p:nvSpPr>
           <p:cNvPr id="63" name="Google Shape;63;g8128057b82_0_0:notes"/>
-          <p:cNvSpPr txBox="1"/>
+          <p:cNvSpPr txBox="1">
+            <a:spLocks noGrp="1"/>
+          </p:cNvSpPr>
           <p:nvPr>
-            <p:ph idx="1" type="body"/>
+            <p:ph type="body" idx="1"/>
           </p:nvPr>
         </p:nvSpPr>
         <p:spPr>
@@ -1474,12 +1427,12 @@
           </a:prstGeom>
         </p:spPr>
         <p:txBody>
-          <a:bodyPr anchorCtr="0" anchor="t" bIns="91425" lIns="91425" spcFirstLastPara="1" rIns="91425" wrap="square" tIns="91425">
+          <a:bodyPr spcFirstLastPara="1" wrap="square" lIns="91425" tIns="91425" rIns="91425" bIns="91425" anchor="t" anchorCtr="0">
             <a:noAutofit/>
           </a:bodyPr>
           <a:lstStyle/>
           <a:p>
-            <a:pPr indent="0" lvl="0" marL="0" rtl="0" algn="l">
+            <a:pPr marL="0" lvl="0" indent="0" algn="l" rtl="0">
               <a:spcBef>
                 <a:spcPts val="0"/>
               </a:spcBef>
@@ -1488,9 +1441,6 @@
               </a:spcAft>
               <a:buNone/>
             </a:pPr>
-            <a:r>
-              <a:t/>
-            </a:r>
             <a:endParaRPr/>
           </a:p>
         </p:txBody>
@@ -1504,11 +1454,11 @@
 </file>
 
 <file path=ppt/notesSlides/notesSlide3.xml><?xml version="1.0" encoding="utf-8"?>
-<p:notes xmlns:a="http://schemas.openxmlformats.org/drawingml/2006/main" xmlns:r="http://schemas.openxmlformats.org/officeDocument/2006/relationships" xmlns:mc="http://schemas.openxmlformats.org/markup-compatibility/2006" xmlns:mv="urn:schemas-microsoft-com:mac:vml" xmlns:p="http://schemas.openxmlformats.org/presentationml/2006/main" xmlns:c="http://schemas.openxmlformats.org/drawingml/2006/chart" xmlns:dgm="http://schemas.openxmlformats.org/drawingml/2006/diagram" xmlns:o="urn:schemas-microsoft-com:office:office" xmlns:v="urn:schemas-microsoft-com:vml" xmlns:pvml="urn:schemas-microsoft-com:office:powerpoint" xmlns:com="http://schemas.openxmlformats.org/drawingml/2006/compatibility" xmlns:p14="http://schemas.microsoft.com/office/powerpoint/2010/main" xmlns:p15="http://schemas.microsoft.com/office/powerpoint/2012/main" showMasterPhAnim="0" showMasterSp="0">
+<p:notes xmlns:a="http://schemas.openxmlformats.org/drawingml/2006/main" xmlns:r="http://schemas.openxmlformats.org/officeDocument/2006/relationships" xmlns:p="http://schemas.openxmlformats.org/presentationml/2006/main" showMasterSp="0" showMasterPhAnim="0">
   <p:cSld>
     <p:spTree>
       <p:nvGrpSpPr>
-        <p:cNvPr id="71" name="Shape 71"/>
+        <p:cNvPr id="1" name="Shape 71"/>
         <p:cNvGrpSpPr/>
         <p:nvPr/>
       </p:nvGrpSpPr>
@@ -1523,9 +1473,11 @@
       <p:sp>
         <p:nvSpPr>
           <p:cNvPr id="72" name="Google Shape;72;g8128057b82_0_8:notes"/>
-          <p:cNvSpPr/>
+          <p:cNvSpPr>
+            <a:spLocks noGrp="1" noRot="1" noChangeAspect="1"/>
+          </p:cNvSpPr>
           <p:nvPr>
-            <p:ph idx="2" type="sldImg"/>
+            <p:ph type="sldImg" idx="2"/>
           </p:nvPr>
         </p:nvSpPr>
         <p:spPr>
@@ -1534,9 +1486,13 @@
             <a:ext cx="6096000" cy="3429000"/>
           </a:xfrm>
           <a:custGeom>
-            <a:rect b="b" l="l" r="r" t="t"/>
+            <a:avLst/>
+            <a:gdLst/>
+            <a:ahLst/>
+            <a:cxnLst/>
+            <a:rect l="l" t="t" r="r" b="b"/>
             <a:pathLst>
-              <a:path extrusionOk="0" h="120000" w="120000">
+              <a:path w="120000" h="120000" extrusionOk="0">
                 <a:moveTo>
                   <a:pt x="0" y="0"/>
                 </a:moveTo>
@@ -1558,9 +1514,11 @@
       <p:sp>
         <p:nvSpPr>
           <p:cNvPr id="73" name="Google Shape;73;g8128057b82_0_8:notes"/>
-          <p:cNvSpPr txBox="1"/>
+          <p:cNvSpPr txBox="1">
+            <a:spLocks noGrp="1"/>
+          </p:cNvSpPr>
           <p:nvPr>
-            <p:ph idx="1" type="body"/>
+            <p:ph type="body" idx="1"/>
           </p:nvPr>
         </p:nvSpPr>
         <p:spPr>
@@ -1573,12 +1531,12 @@
           </a:prstGeom>
         </p:spPr>
         <p:txBody>
-          <a:bodyPr anchorCtr="0" anchor="t" bIns="91425" lIns="91425" spcFirstLastPara="1" rIns="91425" wrap="square" tIns="91425">
+          <a:bodyPr spcFirstLastPara="1" wrap="square" lIns="91425" tIns="91425" rIns="91425" bIns="91425" anchor="t" anchorCtr="0">
             <a:noAutofit/>
           </a:bodyPr>
           <a:lstStyle/>
           <a:p>
-            <a:pPr indent="0" lvl="0" marL="0" rtl="0" algn="l">
+            <a:pPr marL="0" lvl="0" indent="0" algn="l" rtl="0">
               <a:spcBef>
                 <a:spcPts val="0"/>
               </a:spcBef>
@@ -1587,9 +1545,6 @@
               </a:spcAft>
               <a:buNone/>
             </a:pPr>
-            <a:r>
-              <a:t/>
-            </a:r>
             <a:endParaRPr/>
           </a:p>
         </p:txBody>
@@ -1603,11 +1558,11 @@
 </file>
 
 <file path=ppt/notesSlides/notesSlide4.xml><?xml version="1.0" encoding="utf-8"?>
-<p:notes xmlns:a="http://schemas.openxmlformats.org/drawingml/2006/main" xmlns:r="http://schemas.openxmlformats.org/officeDocument/2006/relationships" xmlns:mc="http://schemas.openxmlformats.org/markup-compatibility/2006" xmlns:mv="urn:schemas-microsoft-com:mac:vml" xmlns:p="http://schemas.openxmlformats.org/presentationml/2006/main" xmlns:c="http://schemas.openxmlformats.org/drawingml/2006/chart" xmlns:dgm="http://schemas.openxmlformats.org/drawingml/2006/diagram" xmlns:o="urn:schemas-microsoft-com:office:office" xmlns:v="urn:schemas-microsoft-com:vml" xmlns:pvml="urn:schemas-microsoft-com:office:powerpoint" xmlns:com="http://schemas.openxmlformats.org/drawingml/2006/compatibility" xmlns:p14="http://schemas.microsoft.com/office/powerpoint/2010/main" xmlns:p15="http://schemas.microsoft.com/office/powerpoint/2012/main" showMasterPhAnim="0" showMasterSp="0">
+<p:notes xmlns:a="http://schemas.openxmlformats.org/drawingml/2006/main" xmlns:r="http://schemas.openxmlformats.org/officeDocument/2006/relationships" xmlns:p="http://schemas.openxmlformats.org/presentationml/2006/main" showMasterSp="0" showMasterPhAnim="0">
   <p:cSld>
     <p:spTree>
       <p:nvGrpSpPr>
-        <p:cNvPr id="77" name="Shape 77"/>
+        <p:cNvPr id="1" name="Shape 77"/>
         <p:cNvGrpSpPr/>
         <p:nvPr/>
       </p:nvGrpSpPr>
@@ -1622,9 +1577,11 @@
       <p:sp>
         <p:nvSpPr>
           <p:cNvPr id="78" name="Google Shape;78;g8122cc8e04_0_208:notes"/>
-          <p:cNvSpPr/>
+          <p:cNvSpPr>
+            <a:spLocks noGrp="1" noRot="1" noChangeAspect="1"/>
+          </p:cNvSpPr>
           <p:nvPr>
-            <p:ph idx="2" type="sldImg"/>
+            <p:ph type="sldImg" idx="2"/>
           </p:nvPr>
         </p:nvSpPr>
         <p:spPr>
@@ -1633,9 +1590,13 @@
             <a:ext cx="6096000" cy="3429000"/>
           </a:xfrm>
           <a:custGeom>
-            <a:rect b="b" l="l" r="r" t="t"/>
+            <a:avLst/>
+            <a:gdLst/>
+            <a:ahLst/>
+            <a:cxnLst/>
+            <a:rect l="l" t="t" r="r" b="b"/>
             <a:pathLst>
-              <a:path extrusionOk="0" h="120000" w="120000">
+              <a:path w="120000" h="120000" extrusionOk="0">
                 <a:moveTo>
                   <a:pt x="0" y="0"/>
                 </a:moveTo>
@@ -1657,9 +1618,11 @@
       <p:sp>
         <p:nvSpPr>
           <p:cNvPr id="79" name="Google Shape;79;g8122cc8e04_0_208:notes"/>
-          <p:cNvSpPr txBox="1"/>
+          <p:cNvSpPr txBox="1">
+            <a:spLocks noGrp="1"/>
+          </p:cNvSpPr>
           <p:nvPr>
-            <p:ph idx="1" type="body"/>
+            <p:ph type="body" idx="1"/>
           </p:nvPr>
         </p:nvSpPr>
         <p:spPr>
@@ -1672,12 +1635,12 @@
           </a:prstGeom>
         </p:spPr>
         <p:txBody>
-          <a:bodyPr anchorCtr="0" anchor="t" bIns="91425" lIns="91425" spcFirstLastPara="1" rIns="91425" wrap="square" tIns="91425">
+          <a:bodyPr spcFirstLastPara="1" wrap="square" lIns="91425" tIns="91425" rIns="91425" bIns="91425" anchor="t" anchorCtr="0">
             <a:noAutofit/>
           </a:bodyPr>
           <a:lstStyle/>
           <a:p>
-            <a:pPr indent="0" lvl="0" marL="0" rtl="0" algn="l">
+            <a:pPr marL="0" lvl="0" indent="0" algn="l" rtl="0">
               <a:spcBef>
                 <a:spcPts val="0"/>
               </a:spcBef>
@@ -1686,9 +1649,6 @@
               </a:spcAft>
               <a:buNone/>
             </a:pPr>
-            <a:r>
-              <a:t/>
-            </a:r>
             <a:endParaRPr/>
           </a:p>
         </p:txBody>
@@ -1702,11 +1662,11 @@
 </file>
 
 <file path=ppt/notesSlides/notesSlide5.xml><?xml version="1.0" encoding="utf-8"?>
-<p:notes xmlns:a="http://schemas.openxmlformats.org/drawingml/2006/main" xmlns:r="http://schemas.openxmlformats.org/officeDocument/2006/relationships" xmlns:mc="http://schemas.openxmlformats.org/markup-compatibility/2006" xmlns:mv="urn:schemas-microsoft-com:mac:vml" xmlns:p="http://schemas.openxmlformats.org/presentationml/2006/main" xmlns:c="http://schemas.openxmlformats.org/drawingml/2006/chart" xmlns:dgm="http://schemas.openxmlformats.org/drawingml/2006/diagram" xmlns:o="urn:schemas-microsoft-com:office:office" xmlns:v="urn:schemas-microsoft-com:vml" xmlns:pvml="urn:schemas-microsoft-com:office:powerpoint" xmlns:com="http://schemas.openxmlformats.org/drawingml/2006/compatibility" xmlns:p14="http://schemas.microsoft.com/office/powerpoint/2010/main" xmlns:p15="http://schemas.microsoft.com/office/powerpoint/2012/main" showMasterPhAnim="0" showMasterSp="0">
+<p:notes xmlns:a="http://schemas.openxmlformats.org/drawingml/2006/main" xmlns:r="http://schemas.openxmlformats.org/officeDocument/2006/relationships" xmlns:p="http://schemas.openxmlformats.org/presentationml/2006/main" showMasterSp="0" showMasterPhAnim="0">
   <p:cSld>
     <p:spTree>
       <p:nvGrpSpPr>
-        <p:cNvPr id="84" name="Shape 84"/>
+        <p:cNvPr id="1" name="Shape 84"/>
         <p:cNvGrpSpPr/>
         <p:nvPr/>
       </p:nvGrpSpPr>
@@ -1721,9 +1681,11 @@
       <p:sp>
         <p:nvSpPr>
           <p:cNvPr id="85" name="Google Shape;85;g710f7ca818_0_3:notes"/>
-          <p:cNvSpPr/>
+          <p:cNvSpPr>
+            <a:spLocks noGrp="1" noRot="1" noChangeAspect="1"/>
+          </p:cNvSpPr>
           <p:nvPr>
-            <p:ph idx="2" type="sldImg"/>
+            <p:ph type="sldImg" idx="2"/>
           </p:nvPr>
         </p:nvSpPr>
         <p:spPr>
@@ -1732,9 +1694,13 @@
             <a:ext cx="6096000" cy="3429000"/>
           </a:xfrm>
           <a:custGeom>
-            <a:rect b="b" l="l" r="r" t="t"/>
+            <a:avLst/>
+            <a:gdLst/>
+            <a:ahLst/>
+            <a:cxnLst/>
+            <a:rect l="l" t="t" r="r" b="b"/>
             <a:pathLst>
-              <a:path extrusionOk="0" h="120000" w="120000">
+              <a:path w="120000" h="120000" extrusionOk="0">
                 <a:moveTo>
                   <a:pt x="0" y="0"/>
                 </a:moveTo>
@@ -1756,9 +1722,11 @@
       <p:sp>
         <p:nvSpPr>
           <p:cNvPr id="86" name="Google Shape;86;g710f7ca818_0_3:notes"/>
-          <p:cNvSpPr txBox="1"/>
+          <p:cNvSpPr txBox="1">
+            <a:spLocks noGrp="1"/>
+          </p:cNvSpPr>
           <p:nvPr>
-            <p:ph idx="1" type="body"/>
+            <p:ph type="body" idx="1"/>
           </p:nvPr>
         </p:nvSpPr>
         <p:spPr>
@@ -1771,12 +1739,12 @@
           </a:prstGeom>
         </p:spPr>
         <p:txBody>
-          <a:bodyPr anchorCtr="0" anchor="t" bIns="91425" lIns="91425" spcFirstLastPara="1" rIns="91425" wrap="square" tIns="91425">
+          <a:bodyPr spcFirstLastPara="1" wrap="square" lIns="91425" tIns="91425" rIns="91425" bIns="91425" anchor="t" anchorCtr="0">
             <a:noAutofit/>
           </a:bodyPr>
           <a:lstStyle/>
           <a:p>
-            <a:pPr indent="0" lvl="0" marL="0" rtl="0" algn="l">
+            <a:pPr marL="0" lvl="0" indent="0" algn="l" rtl="0">
               <a:spcBef>
                 <a:spcPts val="0"/>
               </a:spcBef>
@@ -1785,9 +1753,6 @@
               </a:spcAft>
               <a:buNone/>
             </a:pPr>
-            <a:r>
-              <a:t/>
-            </a:r>
             <a:endParaRPr/>
           </a:p>
         </p:txBody>
@@ -1801,11 +1766,11 @@
 </file>
 
 <file path=ppt/notesSlides/notesSlide6.xml><?xml version="1.0" encoding="utf-8"?>
-<p:notes xmlns:a="http://schemas.openxmlformats.org/drawingml/2006/main" xmlns:r="http://schemas.openxmlformats.org/officeDocument/2006/relationships" xmlns:mc="http://schemas.openxmlformats.org/markup-compatibility/2006" xmlns:mv="urn:schemas-microsoft-com:mac:vml" xmlns:p="http://schemas.openxmlformats.org/presentationml/2006/main" xmlns:c="http://schemas.openxmlformats.org/drawingml/2006/chart" xmlns:dgm="http://schemas.openxmlformats.org/drawingml/2006/diagram" xmlns:o="urn:schemas-microsoft-com:office:office" xmlns:v="urn:schemas-microsoft-com:vml" xmlns:pvml="urn:schemas-microsoft-com:office:powerpoint" xmlns:com="http://schemas.openxmlformats.org/drawingml/2006/compatibility" xmlns:p14="http://schemas.microsoft.com/office/powerpoint/2010/main" xmlns:p15="http://schemas.microsoft.com/office/powerpoint/2012/main" showMasterPhAnim="0" showMasterSp="0">
+<p:notes xmlns:a="http://schemas.openxmlformats.org/drawingml/2006/main" xmlns:r="http://schemas.openxmlformats.org/officeDocument/2006/relationships" xmlns:p="http://schemas.openxmlformats.org/presentationml/2006/main" showMasterSp="0" showMasterPhAnim="0">
   <p:cSld>
     <p:spTree>
       <p:nvGrpSpPr>
-        <p:cNvPr id="92" name="Shape 92"/>
+        <p:cNvPr id="1" name="Shape 92"/>
         <p:cNvGrpSpPr/>
         <p:nvPr/>
       </p:nvGrpSpPr>
@@ -1820,9 +1785,11 @@
       <p:sp>
         <p:nvSpPr>
           <p:cNvPr id="93" name="Google Shape;93;g710f7ca818_0_63:notes"/>
-          <p:cNvSpPr/>
+          <p:cNvSpPr>
+            <a:spLocks noGrp="1" noRot="1" noChangeAspect="1"/>
+          </p:cNvSpPr>
           <p:nvPr>
-            <p:ph idx="2" type="sldImg"/>
+            <p:ph type="sldImg" idx="2"/>
           </p:nvPr>
         </p:nvSpPr>
         <p:spPr>
@@ -1831,9 +1798,13 @@
             <a:ext cx="6096000" cy="3429000"/>
           </a:xfrm>
           <a:custGeom>
-            <a:rect b="b" l="l" r="r" t="t"/>
+            <a:avLst/>
+            <a:gdLst/>
+            <a:ahLst/>
+            <a:cxnLst/>
+            <a:rect l="l" t="t" r="r" b="b"/>
             <a:pathLst>
-              <a:path extrusionOk="0" h="120000" w="120000">
+              <a:path w="120000" h="120000" extrusionOk="0">
                 <a:moveTo>
                   <a:pt x="0" y="0"/>
                 </a:moveTo>
@@ -1855,9 +1826,11 @@
       <p:sp>
         <p:nvSpPr>
           <p:cNvPr id="94" name="Google Shape;94;g710f7ca818_0_63:notes"/>
-          <p:cNvSpPr txBox="1"/>
+          <p:cNvSpPr txBox="1">
+            <a:spLocks noGrp="1"/>
+          </p:cNvSpPr>
           <p:nvPr>
-            <p:ph idx="1" type="body"/>
+            <p:ph type="body" idx="1"/>
           </p:nvPr>
         </p:nvSpPr>
         <p:spPr>
@@ -1870,12 +1843,12 @@
           </a:prstGeom>
         </p:spPr>
         <p:txBody>
-          <a:bodyPr anchorCtr="0" anchor="t" bIns="91425" lIns="91425" spcFirstLastPara="1" rIns="91425" wrap="square" tIns="91425">
+          <a:bodyPr spcFirstLastPara="1" wrap="square" lIns="91425" tIns="91425" rIns="91425" bIns="91425" anchor="t" anchorCtr="0">
             <a:noAutofit/>
           </a:bodyPr>
           <a:lstStyle/>
           <a:p>
-            <a:pPr indent="0" lvl="0" marL="0" rtl="0" algn="l">
+            <a:pPr marL="0" lvl="0" indent="0" algn="l" rtl="0">
               <a:spcBef>
                 <a:spcPts val="0"/>
               </a:spcBef>
@@ -1884,9 +1857,6 @@
               </a:spcAft>
               <a:buNone/>
             </a:pPr>
-            <a:r>
-              <a:t/>
-            </a:r>
             <a:endParaRPr/>
           </a:p>
         </p:txBody>
@@ -1900,11 +1870,11 @@
 </file>
 
 <file path=ppt/notesSlides/notesSlide7.xml><?xml version="1.0" encoding="utf-8"?>
-<p:notes xmlns:a="http://schemas.openxmlformats.org/drawingml/2006/main" xmlns:r="http://schemas.openxmlformats.org/officeDocument/2006/relationships" xmlns:mc="http://schemas.openxmlformats.org/markup-compatibility/2006" xmlns:mv="urn:schemas-microsoft-com:mac:vml" xmlns:p="http://schemas.openxmlformats.org/presentationml/2006/main" xmlns:c="http://schemas.openxmlformats.org/drawingml/2006/chart" xmlns:dgm="http://schemas.openxmlformats.org/drawingml/2006/diagram" xmlns:o="urn:schemas-microsoft-com:office:office" xmlns:v="urn:schemas-microsoft-com:vml" xmlns:pvml="urn:schemas-microsoft-com:office:powerpoint" xmlns:com="http://schemas.openxmlformats.org/drawingml/2006/compatibility" xmlns:p14="http://schemas.microsoft.com/office/powerpoint/2010/main" xmlns:p15="http://schemas.microsoft.com/office/powerpoint/2012/main" showMasterPhAnim="0" showMasterSp="0">
+<p:notes xmlns:a="http://schemas.openxmlformats.org/drawingml/2006/main" xmlns:r="http://schemas.openxmlformats.org/officeDocument/2006/relationships" xmlns:p="http://schemas.openxmlformats.org/presentationml/2006/main" showMasterSp="0" showMasterPhAnim="0">
   <p:cSld>
     <p:spTree>
       <p:nvGrpSpPr>
-        <p:cNvPr id="98" name="Shape 98"/>
+        <p:cNvPr id="1" name="Shape 98"/>
         <p:cNvGrpSpPr/>
         <p:nvPr/>
       </p:nvGrpSpPr>
@@ -1919,9 +1889,11 @@
       <p:sp>
         <p:nvSpPr>
           <p:cNvPr id="99" name="Google Shape;99;g710f7ca818_0_9:notes"/>
-          <p:cNvSpPr/>
+          <p:cNvSpPr>
+            <a:spLocks noGrp="1" noRot="1" noChangeAspect="1"/>
+          </p:cNvSpPr>
           <p:nvPr>
-            <p:ph idx="2" type="sldImg"/>
+            <p:ph type="sldImg" idx="2"/>
           </p:nvPr>
         </p:nvSpPr>
         <p:spPr>
@@ -1930,9 +1902,13 @@
             <a:ext cx="6096000" cy="3429000"/>
           </a:xfrm>
           <a:custGeom>
-            <a:rect b="b" l="l" r="r" t="t"/>
+            <a:avLst/>
+            <a:gdLst/>
+            <a:ahLst/>
+            <a:cxnLst/>
+            <a:rect l="l" t="t" r="r" b="b"/>
             <a:pathLst>
-              <a:path extrusionOk="0" h="120000" w="120000">
+              <a:path w="120000" h="120000" extrusionOk="0">
                 <a:moveTo>
                   <a:pt x="0" y="0"/>
                 </a:moveTo>
@@ -1954,9 +1930,11 @@
       <p:sp>
         <p:nvSpPr>
           <p:cNvPr id="100" name="Google Shape;100;g710f7ca818_0_9:notes"/>
-          <p:cNvSpPr txBox="1"/>
+          <p:cNvSpPr txBox="1">
+            <a:spLocks noGrp="1"/>
+          </p:cNvSpPr>
           <p:nvPr>
-            <p:ph idx="1" type="body"/>
+            <p:ph type="body" idx="1"/>
           </p:nvPr>
         </p:nvSpPr>
         <p:spPr>
@@ -1969,12 +1947,12 @@
           </a:prstGeom>
         </p:spPr>
         <p:txBody>
-          <a:bodyPr anchorCtr="0" anchor="t" bIns="91425" lIns="91425" spcFirstLastPara="1" rIns="91425" wrap="square" tIns="91425">
+          <a:bodyPr spcFirstLastPara="1" wrap="square" lIns="91425" tIns="91425" rIns="91425" bIns="91425" anchor="t" anchorCtr="0">
             <a:noAutofit/>
           </a:bodyPr>
           <a:lstStyle/>
           <a:p>
-            <a:pPr indent="0" lvl="0" marL="0" rtl="0" algn="l">
+            <a:pPr marL="0" lvl="0" indent="0" algn="l" rtl="0">
               <a:spcBef>
                 <a:spcPts val="0"/>
               </a:spcBef>
@@ -1983,9 +1961,6 @@
               </a:spcAft>
               <a:buNone/>
             </a:pPr>
-            <a:r>
-              <a:t/>
-            </a:r>
             <a:endParaRPr/>
           </a:p>
         </p:txBody>
@@ -1999,11 +1974,11 @@
 </file>
 
 <file path=ppt/notesSlides/notesSlide8.xml><?xml version="1.0" encoding="utf-8"?>
-<p:notes xmlns:a="http://schemas.openxmlformats.org/drawingml/2006/main" xmlns:r="http://schemas.openxmlformats.org/officeDocument/2006/relationships" xmlns:mc="http://schemas.openxmlformats.org/markup-compatibility/2006" xmlns:mv="urn:schemas-microsoft-com:mac:vml" xmlns:p="http://schemas.openxmlformats.org/presentationml/2006/main" xmlns:c="http://schemas.openxmlformats.org/drawingml/2006/chart" xmlns:dgm="http://schemas.openxmlformats.org/drawingml/2006/diagram" xmlns:o="urn:schemas-microsoft-com:office:office" xmlns:v="urn:schemas-microsoft-com:vml" xmlns:pvml="urn:schemas-microsoft-com:office:powerpoint" xmlns:com="http://schemas.openxmlformats.org/drawingml/2006/compatibility" xmlns:p14="http://schemas.microsoft.com/office/powerpoint/2010/main" xmlns:p15="http://schemas.microsoft.com/office/powerpoint/2012/main" showMasterPhAnim="0" showMasterSp="0">
+<p:notes xmlns:a="http://schemas.openxmlformats.org/drawingml/2006/main" xmlns:r="http://schemas.openxmlformats.org/officeDocument/2006/relationships" xmlns:p="http://schemas.openxmlformats.org/presentationml/2006/main" showMasterSp="0" showMasterPhAnim="0">
   <p:cSld>
     <p:spTree>
       <p:nvGrpSpPr>
-        <p:cNvPr id="104" name="Shape 104"/>
+        <p:cNvPr id="1" name="Shape 104"/>
         <p:cNvGrpSpPr/>
         <p:nvPr/>
       </p:nvGrpSpPr>
@@ -2018,20 +1993,26 @@
       <p:sp>
         <p:nvSpPr>
           <p:cNvPr id="105" name="Google Shape;105;g8155365a48_0_2:notes"/>
-          <p:cNvSpPr/>
+          <p:cNvSpPr>
+            <a:spLocks noGrp="1" noRot="1" noChangeAspect="1"/>
+          </p:cNvSpPr>
           <p:nvPr>
-            <p:ph idx="2" type="sldImg"/>
+            <p:ph type="sldImg" idx="2"/>
           </p:nvPr>
         </p:nvSpPr>
         <p:spPr>
           <a:xfrm>
-            <a:off x="381300" y="685800"/>
+            <a:off x="381000" y="685800"/>
             <a:ext cx="6096000" cy="3429000"/>
           </a:xfrm>
           <a:custGeom>
-            <a:rect b="b" l="l" r="r" t="t"/>
+            <a:avLst/>
+            <a:gdLst/>
+            <a:ahLst/>
+            <a:cxnLst/>
+            <a:rect l="l" t="t" r="r" b="b"/>
             <a:pathLst>
-              <a:path extrusionOk="0" h="120000" w="120000">
+              <a:path w="120000" h="120000" extrusionOk="0">
                 <a:moveTo>
                   <a:pt x="0" y="0"/>
                 </a:moveTo>
@@ -2053,9 +2034,11 @@
       <p:sp>
         <p:nvSpPr>
           <p:cNvPr id="106" name="Google Shape;106;g8155365a48_0_2:notes"/>
-          <p:cNvSpPr txBox="1"/>
+          <p:cNvSpPr txBox="1">
+            <a:spLocks noGrp="1"/>
+          </p:cNvSpPr>
           <p:nvPr>
-            <p:ph idx="1" type="body"/>
+            <p:ph type="body" idx="1"/>
           </p:nvPr>
         </p:nvSpPr>
         <p:spPr>
@@ -2068,12 +2051,12 @@
           </a:prstGeom>
         </p:spPr>
         <p:txBody>
-          <a:bodyPr anchorCtr="0" anchor="t" bIns="91425" lIns="91425" spcFirstLastPara="1" rIns="91425" wrap="square" tIns="91425">
+          <a:bodyPr spcFirstLastPara="1" wrap="square" lIns="91425" tIns="91425" rIns="91425" bIns="91425" anchor="t" anchorCtr="0">
             <a:noAutofit/>
           </a:bodyPr>
           <a:lstStyle/>
           <a:p>
-            <a:pPr indent="0" lvl="0" marL="0" rtl="0" algn="l">
+            <a:pPr marL="0" lvl="0" indent="0" algn="l" rtl="0">
               <a:spcBef>
                 <a:spcPts val="0"/>
               </a:spcBef>
@@ -2082,9 +2065,6 @@
               </a:spcAft>
               <a:buNone/>
             </a:pPr>
-            <a:r>
-              <a:t/>
-            </a:r>
             <a:endParaRPr/>
           </a:p>
         </p:txBody>
@@ -2098,11 +2078,11 @@
 </file>
 
 <file path=ppt/notesSlides/notesSlide9.xml><?xml version="1.0" encoding="utf-8"?>
-<p:notes xmlns:a="http://schemas.openxmlformats.org/drawingml/2006/main" xmlns:r="http://schemas.openxmlformats.org/officeDocument/2006/relationships" xmlns:mc="http://schemas.openxmlformats.org/markup-compatibility/2006" xmlns:mv="urn:schemas-microsoft-com:mac:vml" xmlns:p="http://schemas.openxmlformats.org/presentationml/2006/main" xmlns:c="http://schemas.openxmlformats.org/drawingml/2006/chart" xmlns:dgm="http://schemas.openxmlformats.org/drawingml/2006/diagram" xmlns:o="urn:schemas-microsoft-com:office:office" xmlns:v="urn:schemas-microsoft-com:vml" xmlns:pvml="urn:schemas-microsoft-com:office:powerpoint" xmlns:com="http://schemas.openxmlformats.org/drawingml/2006/compatibility" xmlns:p14="http://schemas.microsoft.com/office/powerpoint/2010/main" xmlns:p15="http://schemas.microsoft.com/office/powerpoint/2012/main" showMasterPhAnim="0" showMasterSp="0">
+<p:notes xmlns:a="http://schemas.openxmlformats.org/drawingml/2006/main" xmlns:r="http://schemas.openxmlformats.org/officeDocument/2006/relationships" xmlns:p="http://schemas.openxmlformats.org/presentationml/2006/main" showMasterSp="0" showMasterPhAnim="0">
   <p:cSld>
     <p:spTree>
       <p:nvGrpSpPr>
-        <p:cNvPr id="110" name="Shape 110"/>
+        <p:cNvPr id="1" name="Shape 110"/>
         <p:cNvGrpSpPr/>
         <p:nvPr/>
       </p:nvGrpSpPr>
@@ -2117,9 +2097,11 @@
       <p:sp>
         <p:nvSpPr>
           <p:cNvPr id="111" name="Google Shape;111;g710f7ca818_0_23:notes"/>
-          <p:cNvSpPr/>
+          <p:cNvSpPr>
+            <a:spLocks noGrp="1" noRot="1" noChangeAspect="1"/>
+          </p:cNvSpPr>
           <p:nvPr>
-            <p:ph idx="2" type="sldImg"/>
+            <p:ph type="sldImg" idx="2"/>
           </p:nvPr>
         </p:nvSpPr>
         <p:spPr>
@@ -2128,9 +2110,13 @@
             <a:ext cx="6096000" cy="3429000"/>
           </a:xfrm>
           <a:custGeom>
-            <a:rect b="b" l="l" r="r" t="t"/>
+            <a:avLst/>
+            <a:gdLst/>
+            <a:ahLst/>
+            <a:cxnLst/>
+            <a:rect l="l" t="t" r="r" b="b"/>
             <a:pathLst>
-              <a:path extrusionOk="0" h="120000" w="120000">
+              <a:path w="120000" h="120000" extrusionOk="0">
                 <a:moveTo>
                   <a:pt x="0" y="0"/>
                 </a:moveTo>
@@ -2152,9 +2138,11 @@
       <p:sp>
         <p:nvSpPr>
           <p:cNvPr id="112" name="Google Shape;112;g710f7ca818_0_23:notes"/>
-          <p:cNvSpPr txBox="1"/>
+          <p:cNvSpPr txBox="1">
+            <a:spLocks noGrp="1"/>
+          </p:cNvSpPr>
           <p:nvPr>
-            <p:ph idx="1" type="body"/>
+            <p:ph type="body" idx="1"/>
           </p:nvPr>
         </p:nvSpPr>
         <p:spPr>
@@ -2167,12 +2155,12 @@
           </a:prstGeom>
         </p:spPr>
         <p:txBody>
-          <a:bodyPr anchorCtr="0" anchor="t" bIns="91425" lIns="91425" spcFirstLastPara="1" rIns="91425" wrap="square" tIns="91425">
+          <a:bodyPr spcFirstLastPara="1" wrap="square" lIns="91425" tIns="91425" rIns="91425" bIns="91425" anchor="t" anchorCtr="0">
             <a:noAutofit/>
           </a:bodyPr>
           <a:lstStyle/>
           <a:p>
-            <a:pPr indent="0" lvl="0" marL="0" rtl="0" algn="l">
+            <a:pPr marL="0" lvl="0" indent="0" algn="l" rtl="0">
               <a:spcBef>
                 <a:spcPts val="0"/>
               </a:spcBef>
@@ -2181,9 +2169,6 @@
               </a:spcAft>
               <a:buNone/>
             </a:pPr>
-            <a:r>
-              <a:t/>
-            </a:r>
             <a:endParaRPr/>
           </a:p>
         </p:txBody>
@@ -2197,11 +2182,11 @@
 </file>
 
 <file path=ppt/slideLayouts/slideLayout1.xml><?xml version="1.0" encoding="utf-8"?>
-<p:sldLayout xmlns:a="http://schemas.openxmlformats.org/drawingml/2006/main" xmlns:r="http://schemas.openxmlformats.org/officeDocument/2006/relationships" xmlns:mc="http://schemas.openxmlformats.org/markup-compatibility/2006" xmlns:mv="urn:schemas-microsoft-com:mac:vml" xmlns:p="http://schemas.openxmlformats.org/presentationml/2006/main" xmlns:c="http://schemas.openxmlformats.org/drawingml/2006/chart" xmlns:dgm="http://schemas.openxmlformats.org/drawingml/2006/diagram" xmlns:o="urn:schemas-microsoft-com:office:office" xmlns:v="urn:schemas-microsoft-com:vml" xmlns:pvml="urn:schemas-microsoft-com:office:powerpoint" xmlns:com="http://schemas.openxmlformats.org/drawingml/2006/compatibility" xmlns:p14="http://schemas.microsoft.com/office/powerpoint/2010/main" xmlns:p15="http://schemas.microsoft.com/office/powerpoint/2012/main" matchingName="Title slide" type="title">
+<p:sldLayout xmlns:a="http://schemas.openxmlformats.org/drawingml/2006/main" xmlns:r="http://schemas.openxmlformats.org/officeDocument/2006/relationships" xmlns:p="http://schemas.openxmlformats.org/presentationml/2006/main" matchingName="Title slide" type="title">
   <p:cSld name="TITLE">
     <p:spTree>
       <p:nvGrpSpPr>
-        <p:cNvPr id="9" name="Shape 9"/>
+        <p:cNvPr id="1" name="Shape 9"/>
         <p:cNvGrpSpPr/>
         <p:nvPr/>
       </p:nvGrpSpPr>
@@ -2249,12 +2234,12 @@
             </a:ln>
           </p:spPr>
           <p:txBody>
-            <a:bodyPr anchorCtr="0" anchor="ctr" bIns="91425" lIns="91425" spcFirstLastPara="1" rIns="91425" wrap="square" tIns="91425">
+            <a:bodyPr spcFirstLastPara="1" wrap="square" lIns="91425" tIns="91425" rIns="91425" bIns="91425" anchor="ctr" anchorCtr="0">
               <a:noAutofit/>
             </a:bodyPr>
             <a:lstStyle/>
             <a:p>
-              <a:pPr indent="0" lvl="0" marL="0" rtl="0" algn="l">
+              <a:pPr marL="0" lvl="0" indent="0" algn="l" rtl="0">
                 <a:spcBef>
                   <a:spcPts val="0"/>
                 </a:spcBef>
@@ -2263,9 +2248,6 @@
                 </a:spcAft>
                 <a:buNone/>
               </a:pPr>
-              <a:r>
-                <a:t/>
-              </a:r>
               <a:endParaRPr/>
             </a:p>
           </p:txBody>
@@ -2292,12 +2274,12 @@
             </a:ln>
           </p:spPr>
           <p:txBody>
-            <a:bodyPr anchorCtr="0" anchor="ctr" bIns="91425" lIns="91425" spcFirstLastPara="1" rIns="91425" wrap="square" tIns="91425">
+            <a:bodyPr spcFirstLastPara="1" wrap="square" lIns="91425" tIns="91425" rIns="91425" bIns="91425" anchor="ctr" anchorCtr="0">
               <a:noAutofit/>
             </a:bodyPr>
             <a:lstStyle/>
             <a:p>
-              <a:pPr indent="0" lvl="0" marL="0" rtl="0" algn="l">
+              <a:pPr marL="0" lvl="0" indent="0" algn="l" rtl="0">
                 <a:spcBef>
                   <a:spcPts val="0"/>
                 </a:spcBef>
@@ -2306,9 +2288,6 @@
                 </a:spcAft>
                 <a:buNone/>
               </a:pPr>
-              <a:r>
-                <a:t/>
-              </a:r>
               <a:endParaRPr/>
             </a:p>
           </p:txBody>
@@ -2335,12 +2314,12 @@
             </a:ln>
           </p:spPr>
           <p:txBody>
-            <a:bodyPr anchorCtr="0" anchor="ctr" bIns="91425" lIns="91425" spcFirstLastPara="1" rIns="91425" wrap="square" tIns="91425">
+            <a:bodyPr spcFirstLastPara="1" wrap="square" lIns="91425" tIns="91425" rIns="91425" bIns="91425" anchor="ctr" anchorCtr="0">
               <a:noAutofit/>
             </a:bodyPr>
             <a:lstStyle/>
             <a:p>
-              <a:pPr indent="0" lvl="0" marL="0" rtl="0" algn="l">
+              <a:pPr marL="0" lvl="0" indent="0" algn="l" rtl="0">
                 <a:spcBef>
                   <a:spcPts val="0"/>
                 </a:spcBef>
@@ -2349,9 +2328,6 @@
                 </a:spcAft>
                 <a:buNone/>
               </a:pPr>
-              <a:r>
-                <a:t/>
-              </a:r>
               <a:endParaRPr/>
             </a:p>
           </p:txBody>
@@ -2360,7 +2336,9 @@
       <p:sp>
         <p:nvSpPr>
           <p:cNvPr id="14" name="Google Shape;14;p2"/>
-          <p:cNvSpPr txBox="1"/>
+          <p:cNvSpPr txBox="1">
+            <a:spLocks noGrp="1"/>
+          </p:cNvSpPr>
           <p:nvPr>
             <p:ph type="ctrTitle"/>
           </p:nvPr>
@@ -2375,7 +2353,7 @@
           </a:prstGeom>
         </p:spPr>
         <p:txBody>
-          <a:bodyPr anchorCtr="0" anchor="b" bIns="91425" lIns="91425" spcFirstLastPara="1" rIns="91425" wrap="square" tIns="91425">
+          <a:bodyPr spcFirstLastPara="1" wrap="square" lIns="91425" tIns="91425" rIns="91425" bIns="91425" anchor="b" anchorCtr="0">
             <a:noAutofit/>
           </a:bodyPr>
           <a:lstStyle>
@@ -2479,15 +2457,19 @@
               <a:defRPr sz="4800"/>
             </a:lvl9pPr>
           </a:lstStyle>
-          <a:p/>
+          <a:p>
+            <a:endParaRPr/>
+          </a:p>
         </p:txBody>
       </p:sp>
       <p:sp>
         <p:nvSpPr>
           <p:cNvPr id="15" name="Google Shape;15;p2"/>
-          <p:cNvSpPr txBox="1"/>
+          <p:cNvSpPr txBox="1">
+            <a:spLocks noGrp="1"/>
+          </p:cNvSpPr>
           <p:nvPr>
-            <p:ph idx="1" type="subTitle"/>
+            <p:ph type="subTitle" idx="1"/>
           </p:nvPr>
         </p:nvSpPr>
         <p:spPr>
@@ -2500,7 +2482,7 @@
           </a:prstGeom>
         </p:spPr>
         <p:txBody>
-          <a:bodyPr anchorCtr="0" anchor="t" bIns="91425" lIns="91425" spcFirstLastPara="1" rIns="91425" wrap="square" tIns="91425">
+          <a:bodyPr spcFirstLastPara="1" wrap="square" lIns="91425" tIns="91425" rIns="91425" bIns="91425" anchor="t" anchorCtr="0">
             <a:noAutofit/>
           </a:bodyPr>
           <a:lstStyle>
@@ -2631,15 +2613,19 @@
               <a:defRPr sz="2100"/>
             </a:lvl9pPr>
           </a:lstStyle>
-          <a:p/>
+          <a:p>
+            <a:endParaRPr/>
+          </a:p>
         </p:txBody>
       </p:sp>
       <p:sp>
         <p:nvSpPr>
           <p:cNvPr id="16" name="Google Shape;16;p2"/>
-          <p:cNvSpPr txBox="1"/>
+          <p:cNvSpPr txBox="1">
+            <a:spLocks noGrp="1"/>
+          </p:cNvSpPr>
           <p:nvPr>
-            <p:ph idx="12" type="sldNum"/>
+            <p:ph type="sldNum" idx="12"/>
           </p:nvPr>
         </p:nvSpPr>
         <p:spPr>
@@ -2652,7 +2638,7 @@
           </a:prstGeom>
         </p:spPr>
         <p:txBody>
-          <a:bodyPr anchorCtr="0" anchor="ctr" bIns="91425" lIns="91425" spcFirstLastPara="1" rIns="91425" wrap="square" tIns="91425">
+          <a:bodyPr spcFirstLastPara="1" wrap="square" lIns="91425" tIns="91425" rIns="91425" bIns="91425" anchor="ctr" anchorCtr="0">
             <a:noAutofit/>
           </a:bodyPr>
           <a:lstStyle>
@@ -2694,7 +2680,7 @@
             </a:lvl9pPr>
           </a:lstStyle>
           <a:p>
-            <a:pPr indent="0" lvl="0" marL="0" rtl="0" algn="r">
+            <a:pPr marL="0" lvl="0" indent="0" algn="r" rtl="0">
               <a:spcBef>
                 <a:spcPts val="0"/>
               </a:spcBef>
@@ -2720,11 +2706,11 @@
 </file>
 
 <file path=ppt/slideLayouts/slideLayout10.xml><?xml version="1.0" encoding="utf-8"?>
-<p:sldLayout xmlns:a="http://schemas.openxmlformats.org/drawingml/2006/main" xmlns:r="http://schemas.openxmlformats.org/officeDocument/2006/relationships" xmlns:mc="http://schemas.openxmlformats.org/markup-compatibility/2006" xmlns:mv="urn:schemas-microsoft-com:mac:vml" xmlns:p="http://schemas.openxmlformats.org/presentationml/2006/main" xmlns:c="http://schemas.openxmlformats.org/drawingml/2006/chart" xmlns:dgm="http://schemas.openxmlformats.org/drawingml/2006/diagram" xmlns:o="urn:schemas-microsoft-com:office:office" xmlns:v="urn:schemas-microsoft-com:vml" xmlns:pvml="urn:schemas-microsoft-com:office:powerpoint" xmlns:com="http://schemas.openxmlformats.org/drawingml/2006/compatibility" xmlns:p14="http://schemas.microsoft.com/office/powerpoint/2010/main" xmlns:p15="http://schemas.microsoft.com/office/powerpoint/2012/main" matchingName="Big number">
+<p:sldLayout xmlns:a="http://schemas.openxmlformats.org/drawingml/2006/main" xmlns:r="http://schemas.openxmlformats.org/officeDocument/2006/relationships" xmlns:p="http://schemas.openxmlformats.org/presentationml/2006/main" matchingName="Big number">
   <p:cSld name="BIG_NUMBER">
     <p:spTree>
       <p:nvGrpSpPr>
-        <p:cNvPr id="49" name="Shape 49"/>
+        <p:cNvPr id="1" name="Shape 49"/>
         <p:cNvGrpSpPr/>
         <p:nvPr/>
       </p:nvGrpSpPr>
@@ -2739,9 +2725,11 @@
       <p:sp>
         <p:nvSpPr>
           <p:cNvPr id="50" name="Google Shape;50;p11"/>
-          <p:cNvSpPr txBox="1"/>
+          <p:cNvSpPr txBox="1">
+            <a:spLocks noGrp="1"/>
+          </p:cNvSpPr>
           <p:nvPr>
-            <p:ph hasCustomPrompt="1" type="title"/>
+            <p:ph type="title" hasCustomPrompt="1"/>
           </p:nvPr>
         </p:nvSpPr>
         <p:spPr>
@@ -2754,7 +2742,7 @@
           </a:prstGeom>
         </p:spPr>
         <p:txBody>
-          <a:bodyPr anchorCtr="0" anchor="b" bIns="91425" lIns="91425" spcFirstLastPara="1" rIns="91425" wrap="square" tIns="91425">
+          <a:bodyPr spcFirstLastPara="1" wrap="square" lIns="91425" tIns="91425" rIns="91425" bIns="91425" anchor="b" anchorCtr="0">
             <a:noAutofit/>
           </a:bodyPr>
           <a:lstStyle>
@@ -2868,9 +2856,11 @@
       <p:sp>
         <p:nvSpPr>
           <p:cNvPr id="51" name="Google Shape;51;p11"/>
-          <p:cNvSpPr txBox="1"/>
+          <p:cNvSpPr txBox="1">
+            <a:spLocks noGrp="1"/>
+          </p:cNvSpPr>
           <p:nvPr>
-            <p:ph idx="1" type="body"/>
+            <p:ph type="body" idx="1"/>
           </p:nvPr>
         </p:nvSpPr>
         <p:spPr>
@@ -2883,11 +2873,11 @@
           </a:prstGeom>
         </p:spPr>
         <p:txBody>
-          <a:bodyPr anchorCtr="0" anchor="t" bIns="91425" lIns="91425" spcFirstLastPara="1" rIns="91425" wrap="square" tIns="91425">
+          <a:bodyPr spcFirstLastPara="1" wrap="square" lIns="91425" tIns="91425" rIns="91425" bIns="91425" anchor="t" anchorCtr="0">
             <a:noAutofit/>
           </a:bodyPr>
           <a:lstStyle>
-            <a:lvl1pPr indent="-342900" lvl="0" marL="457200" algn="ctr">
+            <a:lvl1pPr marL="457200" lvl="0" indent="-342900" algn="ctr">
               <a:spcBef>
                 <a:spcPts val="0"/>
               </a:spcBef>
@@ -2898,7 +2888,7 @@
               <a:buChar char="●"/>
               <a:defRPr/>
             </a:lvl1pPr>
-            <a:lvl2pPr indent="-317500" lvl="1" marL="914400" algn="ctr">
+            <a:lvl2pPr marL="914400" lvl="1" indent="-317500" algn="ctr">
               <a:spcBef>
                 <a:spcPts val="1600"/>
               </a:spcBef>
@@ -2909,7 +2899,7 @@
               <a:buChar char="○"/>
               <a:defRPr/>
             </a:lvl2pPr>
-            <a:lvl3pPr indent="-317500" lvl="2" marL="1371600" algn="ctr">
+            <a:lvl3pPr marL="1371600" lvl="2" indent="-317500" algn="ctr">
               <a:spcBef>
                 <a:spcPts val="1600"/>
               </a:spcBef>
@@ -2920,7 +2910,7 @@
               <a:buChar char="■"/>
               <a:defRPr/>
             </a:lvl3pPr>
-            <a:lvl4pPr indent="-317500" lvl="3" marL="1828800" algn="ctr">
+            <a:lvl4pPr marL="1828800" lvl="3" indent="-317500" algn="ctr">
               <a:spcBef>
                 <a:spcPts val="1600"/>
               </a:spcBef>
@@ -2931,7 +2921,7 @@
               <a:buChar char="●"/>
               <a:defRPr/>
             </a:lvl4pPr>
-            <a:lvl5pPr indent="-317500" lvl="4" marL="2286000" algn="ctr">
+            <a:lvl5pPr marL="2286000" lvl="4" indent="-317500" algn="ctr">
               <a:spcBef>
                 <a:spcPts val="1600"/>
               </a:spcBef>
@@ -2942,7 +2932,7 @@
               <a:buChar char="○"/>
               <a:defRPr/>
             </a:lvl5pPr>
-            <a:lvl6pPr indent="-317500" lvl="5" marL="2743200" algn="ctr">
+            <a:lvl6pPr marL="2743200" lvl="5" indent="-317500" algn="ctr">
               <a:spcBef>
                 <a:spcPts val="1600"/>
               </a:spcBef>
@@ -2953,7 +2943,7 @@
               <a:buChar char="■"/>
               <a:defRPr/>
             </a:lvl6pPr>
-            <a:lvl7pPr indent="-317500" lvl="6" marL="3200400" algn="ctr">
+            <a:lvl7pPr marL="3200400" lvl="6" indent="-317500" algn="ctr">
               <a:spcBef>
                 <a:spcPts val="1600"/>
               </a:spcBef>
@@ -2964,7 +2954,7 @@
               <a:buChar char="●"/>
               <a:defRPr/>
             </a:lvl7pPr>
-            <a:lvl8pPr indent="-317500" lvl="7" marL="3657600" algn="ctr">
+            <a:lvl8pPr marL="3657600" lvl="7" indent="-317500" algn="ctr">
               <a:spcBef>
                 <a:spcPts val="1600"/>
               </a:spcBef>
@@ -2975,7 +2965,7 @@
               <a:buChar char="○"/>
               <a:defRPr/>
             </a:lvl8pPr>
-            <a:lvl9pPr indent="-317500" lvl="8" marL="4114800" algn="ctr">
+            <a:lvl9pPr marL="4114800" lvl="8" indent="-317500" algn="ctr">
               <a:spcBef>
                 <a:spcPts val="1600"/>
               </a:spcBef>
@@ -2987,15 +2977,19 @@
               <a:defRPr/>
             </a:lvl9pPr>
           </a:lstStyle>
-          <a:p/>
+          <a:p>
+            <a:endParaRPr/>
+          </a:p>
         </p:txBody>
       </p:sp>
       <p:sp>
         <p:nvSpPr>
           <p:cNvPr id="52" name="Google Shape;52;p11"/>
-          <p:cNvSpPr txBox="1"/>
+          <p:cNvSpPr txBox="1">
+            <a:spLocks noGrp="1"/>
+          </p:cNvSpPr>
           <p:nvPr>
-            <p:ph idx="12" type="sldNum"/>
+            <p:ph type="sldNum" idx="12"/>
           </p:nvPr>
         </p:nvSpPr>
         <p:spPr>
@@ -3008,7 +3002,7 @@
           </a:prstGeom>
         </p:spPr>
         <p:txBody>
-          <a:bodyPr anchorCtr="0" anchor="ctr" bIns="91425" lIns="91425" spcFirstLastPara="1" rIns="91425" wrap="square" tIns="91425">
+          <a:bodyPr spcFirstLastPara="1" wrap="square" lIns="91425" tIns="91425" rIns="91425" bIns="91425" anchor="ctr" anchorCtr="0">
             <a:noAutofit/>
           </a:bodyPr>
           <a:lstStyle>
@@ -3050,7 +3044,7 @@
             </a:lvl9pPr>
           </a:lstStyle>
           <a:p>
-            <a:pPr indent="0" lvl="0" marL="0" rtl="0" algn="r">
+            <a:pPr marL="0" lvl="0" indent="0" algn="r" rtl="0">
               <a:spcBef>
                 <a:spcPts val="0"/>
               </a:spcBef>
@@ -3076,11 +3070,11 @@
 </file>
 
 <file path=ppt/slideLayouts/slideLayout11.xml><?xml version="1.0" encoding="utf-8"?>
-<p:sldLayout xmlns:a="http://schemas.openxmlformats.org/drawingml/2006/main" xmlns:r="http://schemas.openxmlformats.org/officeDocument/2006/relationships" xmlns:mc="http://schemas.openxmlformats.org/markup-compatibility/2006" xmlns:mv="urn:schemas-microsoft-com:mac:vml" xmlns:p="http://schemas.openxmlformats.org/presentationml/2006/main" xmlns:c="http://schemas.openxmlformats.org/drawingml/2006/chart" xmlns:dgm="http://schemas.openxmlformats.org/drawingml/2006/diagram" xmlns:o="urn:schemas-microsoft-com:office:office" xmlns:v="urn:schemas-microsoft-com:vml" xmlns:pvml="urn:schemas-microsoft-com:office:powerpoint" xmlns:com="http://schemas.openxmlformats.org/drawingml/2006/compatibility" xmlns:p14="http://schemas.microsoft.com/office/powerpoint/2010/main" xmlns:p15="http://schemas.microsoft.com/office/powerpoint/2012/main" matchingName="Blank" type="blank">
+<p:sldLayout xmlns:a="http://schemas.openxmlformats.org/drawingml/2006/main" xmlns:r="http://schemas.openxmlformats.org/officeDocument/2006/relationships" xmlns:p="http://schemas.openxmlformats.org/presentationml/2006/main" matchingName="Blank" type="blank">
   <p:cSld name="BLANK">
     <p:spTree>
       <p:nvGrpSpPr>
-        <p:cNvPr id="53" name="Shape 53"/>
+        <p:cNvPr id="1" name="Shape 53"/>
         <p:cNvGrpSpPr/>
         <p:nvPr/>
       </p:nvGrpSpPr>
@@ -3095,9 +3089,11 @@
       <p:sp>
         <p:nvSpPr>
           <p:cNvPr id="54" name="Google Shape;54;p12"/>
-          <p:cNvSpPr txBox="1"/>
+          <p:cNvSpPr txBox="1">
+            <a:spLocks noGrp="1"/>
+          </p:cNvSpPr>
           <p:nvPr>
-            <p:ph idx="12" type="sldNum"/>
+            <p:ph type="sldNum" idx="12"/>
           </p:nvPr>
         </p:nvSpPr>
         <p:spPr>
@@ -3110,7 +3106,7 @@
           </a:prstGeom>
         </p:spPr>
         <p:txBody>
-          <a:bodyPr anchorCtr="0" anchor="ctr" bIns="91425" lIns="91425" spcFirstLastPara="1" rIns="91425" wrap="square" tIns="91425">
+          <a:bodyPr spcFirstLastPara="1" wrap="square" lIns="91425" tIns="91425" rIns="91425" bIns="91425" anchor="ctr" anchorCtr="0">
             <a:noAutofit/>
           </a:bodyPr>
           <a:lstStyle>
@@ -3152,7 +3148,7 @@
             </a:lvl9pPr>
           </a:lstStyle>
           <a:p>
-            <a:pPr indent="0" lvl="0" marL="0" rtl="0" algn="r">
+            <a:pPr marL="0" lvl="0" indent="0" algn="r" rtl="0">
               <a:spcBef>
                 <a:spcPts val="0"/>
               </a:spcBef>
@@ -3178,11 +3174,11 @@
 </file>
 
 <file path=ppt/slideLayouts/slideLayout2.xml><?xml version="1.0" encoding="utf-8"?>
-<p:sldLayout xmlns:a="http://schemas.openxmlformats.org/drawingml/2006/main" xmlns:r="http://schemas.openxmlformats.org/officeDocument/2006/relationships" xmlns:mc="http://schemas.openxmlformats.org/markup-compatibility/2006" xmlns:mv="urn:schemas-microsoft-com:mac:vml" xmlns:p="http://schemas.openxmlformats.org/presentationml/2006/main" xmlns:c="http://schemas.openxmlformats.org/drawingml/2006/chart" xmlns:dgm="http://schemas.openxmlformats.org/drawingml/2006/diagram" xmlns:o="urn:schemas-microsoft-com:office:office" xmlns:v="urn:schemas-microsoft-com:vml" xmlns:pvml="urn:schemas-microsoft-com:office:powerpoint" xmlns:com="http://schemas.openxmlformats.org/drawingml/2006/compatibility" xmlns:p14="http://schemas.microsoft.com/office/powerpoint/2010/main" xmlns:p15="http://schemas.microsoft.com/office/powerpoint/2012/main" matchingName="Section header" type="secHead">
+<p:sldLayout xmlns:a="http://schemas.openxmlformats.org/drawingml/2006/main" xmlns:r="http://schemas.openxmlformats.org/officeDocument/2006/relationships" xmlns:p="http://schemas.openxmlformats.org/presentationml/2006/main" matchingName="Section header" type="secHead">
   <p:cSld name="SECTION_HEADER">
     <p:spTree>
       <p:nvGrpSpPr>
-        <p:cNvPr id="17" name="Shape 17"/>
+        <p:cNvPr id="1" name="Shape 17"/>
         <p:cNvGrpSpPr/>
         <p:nvPr/>
       </p:nvGrpSpPr>
@@ -3197,7 +3193,9 @@
       <p:sp>
         <p:nvSpPr>
           <p:cNvPr id="18" name="Google Shape;18;p3"/>
-          <p:cNvSpPr txBox="1"/>
+          <p:cNvSpPr txBox="1">
+            <a:spLocks noGrp="1"/>
+          </p:cNvSpPr>
           <p:nvPr>
             <p:ph type="title"/>
           </p:nvPr>
@@ -3212,7 +3210,7 @@
           </a:prstGeom>
         </p:spPr>
         <p:txBody>
-          <a:bodyPr anchorCtr="0" anchor="ctr" bIns="91425" lIns="91425" spcFirstLastPara="1" rIns="91425" wrap="square" tIns="91425">
+          <a:bodyPr spcFirstLastPara="1" wrap="square" lIns="91425" tIns="91425" rIns="91425" bIns="91425" anchor="ctr" anchorCtr="0">
             <a:noAutofit/>
           </a:bodyPr>
           <a:lstStyle>
@@ -3316,15 +3314,19 @@
               <a:defRPr sz="3600"/>
             </a:lvl9pPr>
           </a:lstStyle>
-          <a:p/>
+          <a:p>
+            <a:endParaRPr/>
+          </a:p>
         </p:txBody>
       </p:sp>
       <p:sp>
         <p:nvSpPr>
           <p:cNvPr id="19" name="Google Shape;19;p3"/>
-          <p:cNvSpPr txBox="1"/>
+          <p:cNvSpPr txBox="1">
+            <a:spLocks noGrp="1"/>
+          </p:cNvSpPr>
           <p:nvPr>
-            <p:ph idx="12" type="sldNum"/>
+            <p:ph type="sldNum" idx="12"/>
           </p:nvPr>
         </p:nvSpPr>
         <p:spPr>
@@ -3337,7 +3339,7 @@
           </a:prstGeom>
         </p:spPr>
         <p:txBody>
-          <a:bodyPr anchorCtr="0" anchor="ctr" bIns="91425" lIns="91425" spcFirstLastPara="1" rIns="91425" wrap="square" tIns="91425">
+          <a:bodyPr spcFirstLastPara="1" wrap="square" lIns="91425" tIns="91425" rIns="91425" bIns="91425" anchor="ctr" anchorCtr="0">
             <a:noAutofit/>
           </a:bodyPr>
           <a:lstStyle>
@@ -3379,7 +3381,7 @@
             </a:lvl9pPr>
           </a:lstStyle>
           <a:p>
-            <a:pPr indent="0" lvl="0" marL="0" rtl="0" algn="r">
+            <a:pPr marL="0" lvl="0" indent="0" algn="r" rtl="0">
               <a:spcBef>
                 <a:spcPts val="0"/>
               </a:spcBef>
@@ -3405,11 +3407,11 @@
 </file>
 
 <file path=ppt/slideLayouts/slideLayout3.xml><?xml version="1.0" encoding="utf-8"?>
-<p:sldLayout xmlns:a="http://schemas.openxmlformats.org/drawingml/2006/main" xmlns:r="http://schemas.openxmlformats.org/officeDocument/2006/relationships" xmlns:mc="http://schemas.openxmlformats.org/markup-compatibility/2006" xmlns:mv="urn:schemas-microsoft-com:mac:vml" xmlns:p="http://schemas.openxmlformats.org/presentationml/2006/main" xmlns:c="http://schemas.openxmlformats.org/drawingml/2006/chart" xmlns:dgm="http://schemas.openxmlformats.org/drawingml/2006/diagram" xmlns:o="urn:schemas-microsoft-com:office:office" xmlns:v="urn:schemas-microsoft-com:vml" xmlns:pvml="urn:schemas-microsoft-com:office:powerpoint" xmlns:com="http://schemas.openxmlformats.org/drawingml/2006/compatibility" xmlns:p14="http://schemas.microsoft.com/office/powerpoint/2010/main" xmlns:p15="http://schemas.microsoft.com/office/powerpoint/2012/main" matchingName="Title and body" type="tx">
+<p:sldLayout xmlns:a="http://schemas.openxmlformats.org/drawingml/2006/main" xmlns:r="http://schemas.openxmlformats.org/officeDocument/2006/relationships" xmlns:p="http://schemas.openxmlformats.org/presentationml/2006/main" matchingName="Title and body" type="tx">
   <p:cSld name="TITLE_AND_BODY">
     <p:spTree>
       <p:nvGrpSpPr>
-        <p:cNvPr id="20" name="Shape 20"/>
+        <p:cNvPr id="1" name="Shape 20"/>
         <p:cNvGrpSpPr/>
         <p:nvPr/>
       </p:nvGrpSpPr>
@@ -3424,7 +3426,9 @@
       <p:sp>
         <p:nvSpPr>
           <p:cNvPr id="21" name="Google Shape;21;p4"/>
-          <p:cNvSpPr txBox="1"/>
+          <p:cNvSpPr txBox="1">
+            <a:spLocks noGrp="1"/>
+          </p:cNvSpPr>
           <p:nvPr>
             <p:ph type="title"/>
           </p:nvPr>
@@ -3439,7 +3443,7 @@
           </a:prstGeom>
         </p:spPr>
         <p:txBody>
-          <a:bodyPr anchorCtr="0" anchor="t" bIns="91425" lIns="91425" spcFirstLastPara="1" rIns="91425" wrap="square" tIns="91425">
+          <a:bodyPr spcFirstLastPara="1" wrap="square" lIns="91425" tIns="91425" rIns="91425" bIns="91425" anchor="t" anchorCtr="0">
             <a:noAutofit/>
           </a:bodyPr>
           <a:lstStyle>
@@ -3543,15 +3547,19 @@
               <a:defRPr/>
             </a:lvl9pPr>
           </a:lstStyle>
-          <a:p/>
+          <a:p>
+            <a:endParaRPr/>
+          </a:p>
         </p:txBody>
       </p:sp>
       <p:sp>
         <p:nvSpPr>
           <p:cNvPr id="22" name="Google Shape;22;p4"/>
-          <p:cNvSpPr txBox="1"/>
+          <p:cNvSpPr txBox="1">
+            <a:spLocks noGrp="1"/>
+          </p:cNvSpPr>
           <p:nvPr>
-            <p:ph idx="1" type="body"/>
+            <p:ph type="body" idx="1"/>
           </p:nvPr>
         </p:nvSpPr>
         <p:spPr>
@@ -3564,11 +3572,11 @@
           </a:prstGeom>
         </p:spPr>
         <p:txBody>
-          <a:bodyPr anchorCtr="0" anchor="t" bIns="91425" lIns="91425" spcFirstLastPara="1" rIns="91425" wrap="square" tIns="91425">
+          <a:bodyPr spcFirstLastPara="1" wrap="square" lIns="91425" tIns="91425" rIns="91425" bIns="91425" anchor="t" anchorCtr="0">
             <a:noAutofit/>
           </a:bodyPr>
           <a:lstStyle>
-            <a:lvl1pPr indent="-342900" lvl="0" marL="457200">
+            <a:lvl1pPr marL="457200" lvl="0" indent="-342900">
               <a:spcBef>
                 <a:spcPts val="0"/>
               </a:spcBef>
@@ -3579,7 +3587,7 @@
               <a:buChar char="●"/>
               <a:defRPr/>
             </a:lvl1pPr>
-            <a:lvl2pPr indent="-317500" lvl="1" marL="914400">
+            <a:lvl2pPr marL="914400" lvl="1" indent="-317500">
               <a:spcBef>
                 <a:spcPts val="1600"/>
               </a:spcBef>
@@ -3590,7 +3598,7 @@
               <a:buChar char="○"/>
               <a:defRPr/>
             </a:lvl2pPr>
-            <a:lvl3pPr indent="-317500" lvl="2" marL="1371600">
+            <a:lvl3pPr marL="1371600" lvl="2" indent="-317500">
               <a:spcBef>
                 <a:spcPts val="1600"/>
               </a:spcBef>
@@ -3601,7 +3609,7 @@
               <a:buChar char="■"/>
               <a:defRPr/>
             </a:lvl3pPr>
-            <a:lvl4pPr indent="-317500" lvl="3" marL="1828800">
+            <a:lvl4pPr marL="1828800" lvl="3" indent="-317500">
               <a:spcBef>
                 <a:spcPts val="1600"/>
               </a:spcBef>
@@ -3612,7 +3620,7 @@
               <a:buChar char="●"/>
               <a:defRPr/>
             </a:lvl4pPr>
-            <a:lvl5pPr indent="-317500" lvl="4" marL="2286000">
+            <a:lvl5pPr marL="2286000" lvl="4" indent="-317500">
               <a:spcBef>
                 <a:spcPts val="1600"/>
               </a:spcBef>
@@ -3623,7 +3631,7 @@
               <a:buChar char="○"/>
               <a:defRPr/>
             </a:lvl5pPr>
-            <a:lvl6pPr indent="-317500" lvl="5" marL="2743200">
+            <a:lvl6pPr marL="2743200" lvl="5" indent="-317500">
               <a:spcBef>
                 <a:spcPts val="1600"/>
               </a:spcBef>
@@ -3634,7 +3642,7 @@
               <a:buChar char="■"/>
               <a:defRPr/>
             </a:lvl6pPr>
-            <a:lvl7pPr indent="-317500" lvl="6" marL="3200400">
+            <a:lvl7pPr marL="3200400" lvl="6" indent="-317500">
               <a:spcBef>
                 <a:spcPts val="1600"/>
               </a:spcBef>
@@ -3645,7 +3653,7 @@
               <a:buChar char="●"/>
               <a:defRPr/>
             </a:lvl7pPr>
-            <a:lvl8pPr indent="-317500" lvl="7" marL="3657600">
+            <a:lvl8pPr marL="3657600" lvl="7" indent="-317500">
               <a:spcBef>
                 <a:spcPts val="1600"/>
               </a:spcBef>
@@ -3656,7 +3664,7 @@
               <a:buChar char="○"/>
               <a:defRPr/>
             </a:lvl8pPr>
-            <a:lvl9pPr indent="-317500" lvl="8" marL="4114800">
+            <a:lvl9pPr marL="4114800" lvl="8" indent="-317500">
               <a:spcBef>
                 <a:spcPts val="1600"/>
               </a:spcBef>
@@ -3668,15 +3676,19 @@
               <a:defRPr/>
             </a:lvl9pPr>
           </a:lstStyle>
-          <a:p/>
+          <a:p>
+            <a:endParaRPr/>
+          </a:p>
         </p:txBody>
       </p:sp>
       <p:sp>
         <p:nvSpPr>
           <p:cNvPr id="23" name="Google Shape;23;p4"/>
-          <p:cNvSpPr txBox="1"/>
+          <p:cNvSpPr txBox="1">
+            <a:spLocks noGrp="1"/>
+          </p:cNvSpPr>
           <p:nvPr>
-            <p:ph idx="12" type="sldNum"/>
+            <p:ph type="sldNum" idx="12"/>
           </p:nvPr>
         </p:nvSpPr>
         <p:spPr>
@@ -3689,7 +3701,7 @@
           </a:prstGeom>
         </p:spPr>
         <p:txBody>
-          <a:bodyPr anchorCtr="0" anchor="ctr" bIns="91425" lIns="91425" spcFirstLastPara="1" rIns="91425" wrap="square" tIns="91425">
+          <a:bodyPr spcFirstLastPara="1" wrap="square" lIns="91425" tIns="91425" rIns="91425" bIns="91425" anchor="ctr" anchorCtr="0">
             <a:noAutofit/>
           </a:bodyPr>
           <a:lstStyle>
@@ -3731,7 +3743,7 @@
             </a:lvl9pPr>
           </a:lstStyle>
           <a:p>
-            <a:pPr indent="0" lvl="0" marL="0" rtl="0" algn="r">
+            <a:pPr marL="0" lvl="0" indent="0" algn="r" rtl="0">
               <a:spcBef>
                 <a:spcPts val="0"/>
               </a:spcBef>
@@ -3757,11 +3769,11 @@
 </file>
 
 <file path=ppt/slideLayouts/slideLayout4.xml><?xml version="1.0" encoding="utf-8"?>
-<p:sldLayout xmlns:a="http://schemas.openxmlformats.org/drawingml/2006/main" xmlns:r="http://schemas.openxmlformats.org/officeDocument/2006/relationships" xmlns:mc="http://schemas.openxmlformats.org/markup-compatibility/2006" xmlns:mv="urn:schemas-microsoft-com:mac:vml" xmlns:p="http://schemas.openxmlformats.org/presentationml/2006/main" xmlns:c="http://schemas.openxmlformats.org/drawingml/2006/chart" xmlns:dgm="http://schemas.openxmlformats.org/drawingml/2006/diagram" xmlns:o="urn:schemas-microsoft-com:office:office" xmlns:v="urn:schemas-microsoft-com:vml" xmlns:pvml="urn:schemas-microsoft-com:office:powerpoint" xmlns:com="http://schemas.openxmlformats.org/drawingml/2006/compatibility" xmlns:p14="http://schemas.microsoft.com/office/powerpoint/2010/main" xmlns:p15="http://schemas.microsoft.com/office/powerpoint/2012/main" matchingName="Title and two columns" type="twoColTx">
+<p:sldLayout xmlns:a="http://schemas.openxmlformats.org/drawingml/2006/main" xmlns:r="http://schemas.openxmlformats.org/officeDocument/2006/relationships" xmlns:p="http://schemas.openxmlformats.org/presentationml/2006/main" matchingName="Title and two columns" type="twoColTx">
   <p:cSld name="TITLE_AND_TWO_COLUMNS">
     <p:spTree>
       <p:nvGrpSpPr>
-        <p:cNvPr id="24" name="Shape 24"/>
+        <p:cNvPr id="1" name="Shape 24"/>
         <p:cNvGrpSpPr/>
         <p:nvPr/>
       </p:nvGrpSpPr>
@@ -3776,7 +3788,9 @@
       <p:sp>
         <p:nvSpPr>
           <p:cNvPr id="25" name="Google Shape;25;p5"/>
-          <p:cNvSpPr txBox="1"/>
+          <p:cNvSpPr txBox="1">
+            <a:spLocks noGrp="1"/>
+          </p:cNvSpPr>
           <p:nvPr>
             <p:ph type="title"/>
           </p:nvPr>
@@ -3791,7 +3805,7 @@
           </a:prstGeom>
         </p:spPr>
         <p:txBody>
-          <a:bodyPr anchorCtr="0" anchor="t" bIns="91425" lIns="91425" spcFirstLastPara="1" rIns="91425" wrap="square" tIns="91425">
+          <a:bodyPr spcFirstLastPara="1" wrap="square" lIns="91425" tIns="91425" rIns="91425" bIns="91425" anchor="t" anchorCtr="0">
             <a:noAutofit/>
           </a:bodyPr>
           <a:lstStyle>
@@ -3895,15 +3909,19 @@
               <a:defRPr/>
             </a:lvl9pPr>
           </a:lstStyle>
-          <a:p/>
+          <a:p>
+            <a:endParaRPr/>
+          </a:p>
         </p:txBody>
       </p:sp>
       <p:sp>
         <p:nvSpPr>
           <p:cNvPr id="26" name="Google Shape;26;p5"/>
-          <p:cNvSpPr txBox="1"/>
+          <p:cNvSpPr txBox="1">
+            <a:spLocks noGrp="1"/>
+          </p:cNvSpPr>
           <p:nvPr>
-            <p:ph idx="1" type="body"/>
+            <p:ph type="body" idx="1"/>
           </p:nvPr>
         </p:nvSpPr>
         <p:spPr>
@@ -3916,11 +3934,11 @@
           </a:prstGeom>
         </p:spPr>
         <p:txBody>
-          <a:bodyPr anchorCtr="0" anchor="t" bIns="91425" lIns="91425" spcFirstLastPara="1" rIns="91425" wrap="square" tIns="91425">
+          <a:bodyPr spcFirstLastPara="1" wrap="square" lIns="91425" tIns="91425" rIns="91425" bIns="91425" anchor="t" anchorCtr="0">
             <a:noAutofit/>
           </a:bodyPr>
           <a:lstStyle>
-            <a:lvl1pPr indent="-317500" lvl="0" marL="457200">
+            <a:lvl1pPr marL="457200" lvl="0" indent="-317500">
               <a:spcBef>
                 <a:spcPts val="0"/>
               </a:spcBef>
@@ -3931,7 +3949,7 @@
               <a:buChar char="●"/>
               <a:defRPr sz="1400"/>
             </a:lvl1pPr>
-            <a:lvl2pPr indent="-304800" lvl="1" marL="914400">
+            <a:lvl2pPr marL="914400" lvl="1" indent="-304800">
               <a:spcBef>
                 <a:spcPts val="1600"/>
               </a:spcBef>
@@ -3942,7 +3960,7 @@
               <a:buChar char="○"/>
               <a:defRPr sz="1200"/>
             </a:lvl2pPr>
-            <a:lvl3pPr indent="-304800" lvl="2" marL="1371600">
+            <a:lvl3pPr marL="1371600" lvl="2" indent="-304800">
               <a:spcBef>
                 <a:spcPts val="1600"/>
               </a:spcBef>
@@ -3953,7 +3971,7 @@
               <a:buChar char="■"/>
               <a:defRPr sz="1200"/>
             </a:lvl3pPr>
-            <a:lvl4pPr indent="-304800" lvl="3" marL="1828800">
+            <a:lvl4pPr marL="1828800" lvl="3" indent="-304800">
               <a:spcBef>
                 <a:spcPts val="1600"/>
               </a:spcBef>
@@ -3964,7 +3982,7 @@
               <a:buChar char="●"/>
               <a:defRPr sz="1200"/>
             </a:lvl4pPr>
-            <a:lvl5pPr indent="-304800" lvl="4" marL="2286000">
+            <a:lvl5pPr marL="2286000" lvl="4" indent="-304800">
               <a:spcBef>
                 <a:spcPts val="1600"/>
               </a:spcBef>
@@ -3975,7 +3993,7 @@
               <a:buChar char="○"/>
               <a:defRPr sz="1200"/>
             </a:lvl5pPr>
-            <a:lvl6pPr indent="-304800" lvl="5" marL="2743200">
+            <a:lvl6pPr marL="2743200" lvl="5" indent="-304800">
               <a:spcBef>
                 <a:spcPts val="1600"/>
               </a:spcBef>
@@ -3986,7 +4004,7 @@
               <a:buChar char="■"/>
               <a:defRPr sz="1200"/>
             </a:lvl6pPr>
-            <a:lvl7pPr indent="-304800" lvl="6" marL="3200400">
+            <a:lvl7pPr marL="3200400" lvl="6" indent="-304800">
               <a:spcBef>
                 <a:spcPts val="1600"/>
               </a:spcBef>
@@ -3997,7 +4015,7 @@
               <a:buChar char="●"/>
               <a:defRPr sz="1200"/>
             </a:lvl7pPr>
-            <a:lvl8pPr indent="-304800" lvl="7" marL="3657600">
+            <a:lvl8pPr marL="3657600" lvl="7" indent="-304800">
               <a:spcBef>
                 <a:spcPts val="1600"/>
               </a:spcBef>
@@ -4008,7 +4026,7 @@
               <a:buChar char="○"/>
               <a:defRPr sz="1200"/>
             </a:lvl8pPr>
-            <a:lvl9pPr indent="-304800" lvl="8" marL="4114800">
+            <a:lvl9pPr marL="4114800" lvl="8" indent="-304800">
               <a:spcBef>
                 <a:spcPts val="1600"/>
               </a:spcBef>
@@ -4020,15 +4038,19 @@
               <a:defRPr sz="1200"/>
             </a:lvl9pPr>
           </a:lstStyle>
-          <a:p/>
+          <a:p>
+            <a:endParaRPr/>
+          </a:p>
         </p:txBody>
       </p:sp>
       <p:sp>
         <p:nvSpPr>
           <p:cNvPr id="27" name="Google Shape;27;p5"/>
-          <p:cNvSpPr txBox="1"/>
+          <p:cNvSpPr txBox="1">
+            <a:spLocks noGrp="1"/>
+          </p:cNvSpPr>
           <p:nvPr>
-            <p:ph idx="2" type="body"/>
+            <p:ph type="body" idx="2"/>
           </p:nvPr>
         </p:nvSpPr>
         <p:spPr>
@@ -4041,11 +4063,11 @@
           </a:prstGeom>
         </p:spPr>
         <p:txBody>
-          <a:bodyPr anchorCtr="0" anchor="t" bIns="91425" lIns="91425" spcFirstLastPara="1" rIns="91425" wrap="square" tIns="91425">
+          <a:bodyPr spcFirstLastPara="1" wrap="square" lIns="91425" tIns="91425" rIns="91425" bIns="91425" anchor="t" anchorCtr="0">
             <a:noAutofit/>
           </a:bodyPr>
           <a:lstStyle>
-            <a:lvl1pPr indent="-317500" lvl="0" marL="457200">
+            <a:lvl1pPr marL="457200" lvl="0" indent="-317500">
               <a:spcBef>
                 <a:spcPts val="0"/>
               </a:spcBef>
@@ -4056,7 +4078,7 @@
               <a:buChar char="●"/>
               <a:defRPr sz="1400"/>
             </a:lvl1pPr>
-            <a:lvl2pPr indent="-304800" lvl="1" marL="914400">
+            <a:lvl2pPr marL="914400" lvl="1" indent="-304800">
               <a:spcBef>
                 <a:spcPts val="1600"/>
               </a:spcBef>
@@ -4067,7 +4089,7 @@
               <a:buChar char="○"/>
               <a:defRPr sz="1200"/>
             </a:lvl2pPr>
-            <a:lvl3pPr indent="-304800" lvl="2" marL="1371600">
+            <a:lvl3pPr marL="1371600" lvl="2" indent="-304800">
               <a:spcBef>
                 <a:spcPts val="1600"/>
               </a:spcBef>
@@ -4078,7 +4100,7 @@
               <a:buChar char="■"/>
               <a:defRPr sz="1200"/>
             </a:lvl3pPr>
-            <a:lvl4pPr indent="-304800" lvl="3" marL="1828800">
+            <a:lvl4pPr marL="1828800" lvl="3" indent="-304800">
               <a:spcBef>
                 <a:spcPts val="1600"/>
               </a:spcBef>
@@ -4089,7 +4111,7 @@
               <a:buChar char="●"/>
               <a:defRPr sz="1200"/>
             </a:lvl4pPr>
-            <a:lvl5pPr indent="-304800" lvl="4" marL="2286000">
+            <a:lvl5pPr marL="2286000" lvl="4" indent="-304800">
               <a:spcBef>
                 <a:spcPts val="1600"/>
               </a:spcBef>
@@ -4100,7 +4122,7 @@
               <a:buChar char="○"/>
               <a:defRPr sz="1200"/>
             </a:lvl5pPr>
-            <a:lvl6pPr indent="-304800" lvl="5" marL="2743200">
+            <a:lvl6pPr marL="2743200" lvl="5" indent="-304800">
               <a:spcBef>
                 <a:spcPts val="1600"/>
               </a:spcBef>
@@ -4111,7 +4133,7 @@
               <a:buChar char="■"/>
               <a:defRPr sz="1200"/>
             </a:lvl6pPr>
-            <a:lvl7pPr indent="-304800" lvl="6" marL="3200400">
+            <a:lvl7pPr marL="3200400" lvl="6" indent="-304800">
               <a:spcBef>
                 <a:spcPts val="1600"/>
               </a:spcBef>
@@ -4122,7 +4144,7 @@
               <a:buChar char="●"/>
               <a:defRPr sz="1200"/>
             </a:lvl7pPr>
-            <a:lvl8pPr indent="-304800" lvl="7" marL="3657600">
+            <a:lvl8pPr marL="3657600" lvl="7" indent="-304800">
               <a:spcBef>
                 <a:spcPts val="1600"/>
               </a:spcBef>
@@ -4133,7 +4155,7 @@
               <a:buChar char="○"/>
               <a:defRPr sz="1200"/>
             </a:lvl8pPr>
-            <a:lvl9pPr indent="-304800" lvl="8" marL="4114800">
+            <a:lvl9pPr marL="4114800" lvl="8" indent="-304800">
               <a:spcBef>
                 <a:spcPts val="1600"/>
               </a:spcBef>
@@ -4145,15 +4167,19 @@
               <a:defRPr sz="1200"/>
             </a:lvl9pPr>
           </a:lstStyle>
-          <a:p/>
+          <a:p>
+            <a:endParaRPr/>
+          </a:p>
         </p:txBody>
       </p:sp>
       <p:sp>
         <p:nvSpPr>
           <p:cNvPr id="28" name="Google Shape;28;p5"/>
-          <p:cNvSpPr txBox="1"/>
+          <p:cNvSpPr txBox="1">
+            <a:spLocks noGrp="1"/>
+          </p:cNvSpPr>
           <p:nvPr>
-            <p:ph idx="12" type="sldNum"/>
+            <p:ph type="sldNum" idx="12"/>
           </p:nvPr>
         </p:nvSpPr>
         <p:spPr>
@@ -4166,7 +4192,7 @@
           </a:prstGeom>
         </p:spPr>
         <p:txBody>
-          <a:bodyPr anchorCtr="0" anchor="ctr" bIns="91425" lIns="91425" spcFirstLastPara="1" rIns="91425" wrap="square" tIns="91425">
+          <a:bodyPr spcFirstLastPara="1" wrap="square" lIns="91425" tIns="91425" rIns="91425" bIns="91425" anchor="ctr" anchorCtr="0">
             <a:noAutofit/>
           </a:bodyPr>
           <a:lstStyle>
@@ -4208,7 +4234,7 @@
             </a:lvl9pPr>
           </a:lstStyle>
           <a:p>
-            <a:pPr indent="0" lvl="0" marL="0" rtl="0" algn="r">
+            <a:pPr marL="0" lvl="0" indent="0" algn="r" rtl="0">
               <a:spcBef>
                 <a:spcPts val="0"/>
               </a:spcBef>
@@ -4234,11 +4260,11 @@
 </file>
 
 <file path=ppt/slideLayouts/slideLayout5.xml><?xml version="1.0" encoding="utf-8"?>
-<p:sldLayout xmlns:a="http://schemas.openxmlformats.org/drawingml/2006/main" xmlns:r="http://schemas.openxmlformats.org/officeDocument/2006/relationships" xmlns:mc="http://schemas.openxmlformats.org/markup-compatibility/2006" xmlns:mv="urn:schemas-microsoft-com:mac:vml" xmlns:p="http://schemas.openxmlformats.org/presentationml/2006/main" xmlns:c="http://schemas.openxmlformats.org/drawingml/2006/chart" xmlns:dgm="http://schemas.openxmlformats.org/drawingml/2006/diagram" xmlns:o="urn:schemas-microsoft-com:office:office" xmlns:v="urn:schemas-microsoft-com:vml" xmlns:pvml="urn:schemas-microsoft-com:office:powerpoint" xmlns:com="http://schemas.openxmlformats.org/drawingml/2006/compatibility" xmlns:p14="http://schemas.microsoft.com/office/powerpoint/2010/main" xmlns:p15="http://schemas.microsoft.com/office/powerpoint/2012/main" matchingName="Title only" type="titleOnly">
+<p:sldLayout xmlns:a="http://schemas.openxmlformats.org/drawingml/2006/main" xmlns:r="http://schemas.openxmlformats.org/officeDocument/2006/relationships" xmlns:p="http://schemas.openxmlformats.org/presentationml/2006/main" matchingName="Title only" type="titleOnly">
   <p:cSld name="TITLE_ONLY">
     <p:spTree>
       <p:nvGrpSpPr>
-        <p:cNvPr id="29" name="Shape 29"/>
+        <p:cNvPr id="1" name="Shape 29"/>
         <p:cNvGrpSpPr/>
         <p:nvPr/>
       </p:nvGrpSpPr>
@@ -4253,7 +4279,9 @@
       <p:sp>
         <p:nvSpPr>
           <p:cNvPr id="30" name="Google Shape;30;p6"/>
-          <p:cNvSpPr txBox="1"/>
+          <p:cNvSpPr txBox="1">
+            <a:spLocks noGrp="1"/>
+          </p:cNvSpPr>
           <p:nvPr>
             <p:ph type="title"/>
           </p:nvPr>
@@ -4268,7 +4296,7 @@
           </a:prstGeom>
         </p:spPr>
         <p:txBody>
-          <a:bodyPr anchorCtr="0" anchor="t" bIns="91425" lIns="91425" spcFirstLastPara="1" rIns="91425" wrap="square" tIns="91425">
+          <a:bodyPr spcFirstLastPara="1" wrap="square" lIns="91425" tIns="91425" rIns="91425" bIns="91425" anchor="t" anchorCtr="0">
             <a:noAutofit/>
           </a:bodyPr>
           <a:lstStyle>
@@ -4372,15 +4400,19 @@
               <a:defRPr/>
             </a:lvl9pPr>
           </a:lstStyle>
-          <a:p/>
+          <a:p>
+            <a:endParaRPr/>
+          </a:p>
         </p:txBody>
       </p:sp>
       <p:sp>
         <p:nvSpPr>
           <p:cNvPr id="31" name="Google Shape;31;p6"/>
-          <p:cNvSpPr txBox="1"/>
+          <p:cNvSpPr txBox="1">
+            <a:spLocks noGrp="1"/>
+          </p:cNvSpPr>
           <p:nvPr>
-            <p:ph idx="12" type="sldNum"/>
+            <p:ph type="sldNum" idx="12"/>
           </p:nvPr>
         </p:nvSpPr>
         <p:spPr>
@@ -4393,7 +4425,7 @@
           </a:prstGeom>
         </p:spPr>
         <p:txBody>
-          <a:bodyPr anchorCtr="0" anchor="ctr" bIns="91425" lIns="91425" spcFirstLastPara="1" rIns="91425" wrap="square" tIns="91425">
+          <a:bodyPr spcFirstLastPara="1" wrap="square" lIns="91425" tIns="91425" rIns="91425" bIns="91425" anchor="ctr" anchorCtr="0">
             <a:noAutofit/>
           </a:bodyPr>
           <a:lstStyle>
@@ -4435,7 +4467,7 @@
             </a:lvl9pPr>
           </a:lstStyle>
           <a:p>
-            <a:pPr indent="0" lvl="0" marL="0" rtl="0" algn="r">
+            <a:pPr marL="0" lvl="0" indent="0" algn="r" rtl="0">
               <a:spcBef>
                 <a:spcPts val="0"/>
               </a:spcBef>
@@ -4461,11 +4493,11 @@
 </file>
 
 <file path=ppt/slideLayouts/slideLayout6.xml><?xml version="1.0" encoding="utf-8"?>
-<p:sldLayout xmlns:a="http://schemas.openxmlformats.org/drawingml/2006/main" xmlns:r="http://schemas.openxmlformats.org/officeDocument/2006/relationships" xmlns:mc="http://schemas.openxmlformats.org/markup-compatibility/2006" xmlns:mv="urn:schemas-microsoft-com:mac:vml" xmlns:p="http://schemas.openxmlformats.org/presentationml/2006/main" xmlns:c="http://schemas.openxmlformats.org/drawingml/2006/chart" xmlns:dgm="http://schemas.openxmlformats.org/drawingml/2006/diagram" xmlns:o="urn:schemas-microsoft-com:office:office" xmlns:v="urn:schemas-microsoft-com:vml" xmlns:pvml="urn:schemas-microsoft-com:office:powerpoint" xmlns:com="http://schemas.openxmlformats.org/drawingml/2006/compatibility" xmlns:p14="http://schemas.microsoft.com/office/powerpoint/2010/main" xmlns:p15="http://schemas.microsoft.com/office/powerpoint/2012/main" matchingName="One column text">
+<p:sldLayout xmlns:a="http://schemas.openxmlformats.org/drawingml/2006/main" xmlns:r="http://schemas.openxmlformats.org/officeDocument/2006/relationships" xmlns:p="http://schemas.openxmlformats.org/presentationml/2006/main" matchingName="One column text">
   <p:cSld name="ONE_COLUMN_TEXT">
     <p:spTree>
       <p:nvGrpSpPr>
-        <p:cNvPr id="32" name="Shape 32"/>
+        <p:cNvPr id="1" name="Shape 32"/>
         <p:cNvGrpSpPr/>
         <p:nvPr/>
       </p:nvGrpSpPr>
@@ -4480,7 +4512,9 @@
       <p:sp>
         <p:nvSpPr>
           <p:cNvPr id="33" name="Google Shape;33;p7"/>
-          <p:cNvSpPr txBox="1"/>
+          <p:cNvSpPr txBox="1">
+            <a:spLocks noGrp="1"/>
+          </p:cNvSpPr>
           <p:nvPr>
             <p:ph type="title"/>
           </p:nvPr>
@@ -4495,7 +4529,7 @@
           </a:prstGeom>
         </p:spPr>
         <p:txBody>
-          <a:bodyPr anchorCtr="0" anchor="b" bIns="91425" lIns="91425" spcFirstLastPara="1" rIns="91425" wrap="square" tIns="91425">
+          <a:bodyPr spcFirstLastPara="1" wrap="square" lIns="91425" tIns="91425" rIns="91425" bIns="91425" anchor="b" anchorCtr="0">
             <a:noAutofit/>
           </a:bodyPr>
           <a:lstStyle>
@@ -4599,15 +4633,19 @@
               <a:defRPr sz="2400"/>
             </a:lvl9pPr>
           </a:lstStyle>
-          <a:p/>
+          <a:p>
+            <a:endParaRPr/>
+          </a:p>
         </p:txBody>
       </p:sp>
       <p:sp>
         <p:nvSpPr>
           <p:cNvPr id="34" name="Google Shape;34;p7"/>
-          <p:cNvSpPr txBox="1"/>
+          <p:cNvSpPr txBox="1">
+            <a:spLocks noGrp="1"/>
+          </p:cNvSpPr>
           <p:nvPr>
-            <p:ph idx="1" type="body"/>
+            <p:ph type="body" idx="1"/>
           </p:nvPr>
         </p:nvSpPr>
         <p:spPr>
@@ -4620,11 +4658,11 @@
           </a:prstGeom>
         </p:spPr>
         <p:txBody>
-          <a:bodyPr anchorCtr="0" anchor="t" bIns="91425" lIns="91425" spcFirstLastPara="1" rIns="91425" wrap="square" tIns="91425">
+          <a:bodyPr spcFirstLastPara="1" wrap="square" lIns="91425" tIns="91425" rIns="91425" bIns="91425" anchor="t" anchorCtr="0">
             <a:noAutofit/>
           </a:bodyPr>
           <a:lstStyle>
-            <a:lvl1pPr indent="-304800" lvl="0" marL="457200">
+            <a:lvl1pPr marL="457200" lvl="0" indent="-304800">
               <a:spcBef>
                 <a:spcPts val="0"/>
               </a:spcBef>
@@ -4635,7 +4673,7 @@
               <a:buChar char="●"/>
               <a:defRPr sz="1200"/>
             </a:lvl1pPr>
-            <a:lvl2pPr indent="-304800" lvl="1" marL="914400">
+            <a:lvl2pPr marL="914400" lvl="1" indent="-304800">
               <a:spcBef>
                 <a:spcPts val="1600"/>
               </a:spcBef>
@@ -4646,7 +4684,7 @@
               <a:buChar char="○"/>
               <a:defRPr sz="1200"/>
             </a:lvl2pPr>
-            <a:lvl3pPr indent="-304800" lvl="2" marL="1371600">
+            <a:lvl3pPr marL="1371600" lvl="2" indent="-304800">
               <a:spcBef>
                 <a:spcPts val="1600"/>
               </a:spcBef>
@@ -4657,7 +4695,7 @@
               <a:buChar char="■"/>
               <a:defRPr sz="1200"/>
             </a:lvl3pPr>
-            <a:lvl4pPr indent="-304800" lvl="3" marL="1828800">
+            <a:lvl4pPr marL="1828800" lvl="3" indent="-304800">
               <a:spcBef>
                 <a:spcPts val="1600"/>
               </a:spcBef>
@@ -4668,7 +4706,7 @@
               <a:buChar char="●"/>
               <a:defRPr sz="1200"/>
             </a:lvl4pPr>
-            <a:lvl5pPr indent="-304800" lvl="4" marL="2286000">
+            <a:lvl5pPr marL="2286000" lvl="4" indent="-304800">
               <a:spcBef>
                 <a:spcPts val="1600"/>
               </a:spcBef>
@@ -4679,7 +4717,7 @@
               <a:buChar char="○"/>
               <a:defRPr sz="1200"/>
             </a:lvl5pPr>
-            <a:lvl6pPr indent="-304800" lvl="5" marL="2743200">
+            <a:lvl6pPr marL="2743200" lvl="5" indent="-304800">
               <a:spcBef>
                 <a:spcPts val="1600"/>
               </a:spcBef>
@@ -4690,7 +4728,7 @@
               <a:buChar char="■"/>
               <a:defRPr sz="1200"/>
             </a:lvl6pPr>
-            <a:lvl7pPr indent="-304800" lvl="6" marL="3200400">
+            <a:lvl7pPr marL="3200400" lvl="6" indent="-304800">
               <a:spcBef>
                 <a:spcPts val="1600"/>
               </a:spcBef>
@@ -4701,7 +4739,7 @@
               <a:buChar char="●"/>
               <a:defRPr sz="1200"/>
             </a:lvl7pPr>
-            <a:lvl8pPr indent="-304800" lvl="7" marL="3657600">
+            <a:lvl8pPr marL="3657600" lvl="7" indent="-304800">
               <a:spcBef>
                 <a:spcPts val="1600"/>
               </a:spcBef>
@@ -4712,7 +4750,7 @@
               <a:buChar char="○"/>
               <a:defRPr sz="1200"/>
             </a:lvl8pPr>
-            <a:lvl9pPr indent="-304800" lvl="8" marL="4114800">
+            <a:lvl9pPr marL="4114800" lvl="8" indent="-304800">
               <a:spcBef>
                 <a:spcPts val="1600"/>
               </a:spcBef>
@@ -4724,15 +4762,19 @@
               <a:defRPr sz="1200"/>
             </a:lvl9pPr>
           </a:lstStyle>
-          <a:p/>
+          <a:p>
+            <a:endParaRPr/>
+          </a:p>
         </p:txBody>
       </p:sp>
       <p:sp>
         <p:nvSpPr>
           <p:cNvPr id="35" name="Google Shape;35;p7"/>
-          <p:cNvSpPr txBox="1"/>
+          <p:cNvSpPr txBox="1">
+            <a:spLocks noGrp="1"/>
+          </p:cNvSpPr>
           <p:nvPr>
-            <p:ph idx="12" type="sldNum"/>
+            <p:ph type="sldNum" idx="12"/>
           </p:nvPr>
         </p:nvSpPr>
         <p:spPr>
@@ -4745,7 +4787,7 @@
           </a:prstGeom>
         </p:spPr>
         <p:txBody>
-          <a:bodyPr anchorCtr="0" anchor="ctr" bIns="91425" lIns="91425" spcFirstLastPara="1" rIns="91425" wrap="square" tIns="91425">
+          <a:bodyPr spcFirstLastPara="1" wrap="square" lIns="91425" tIns="91425" rIns="91425" bIns="91425" anchor="ctr" anchorCtr="0">
             <a:noAutofit/>
           </a:bodyPr>
           <a:lstStyle>
@@ -4787,7 +4829,7 @@
             </a:lvl9pPr>
           </a:lstStyle>
           <a:p>
-            <a:pPr indent="0" lvl="0" marL="0" rtl="0" algn="r">
+            <a:pPr marL="0" lvl="0" indent="0" algn="r" rtl="0">
               <a:spcBef>
                 <a:spcPts val="0"/>
               </a:spcBef>
@@ -4813,18 +4855,19 @@
 </file>
 
 <file path=ppt/slideLayouts/slideLayout7.xml><?xml version="1.0" encoding="utf-8"?>
-<p:sldLayout xmlns:a="http://schemas.openxmlformats.org/drawingml/2006/main" xmlns:r="http://schemas.openxmlformats.org/officeDocument/2006/relationships" xmlns:mc="http://schemas.openxmlformats.org/markup-compatibility/2006" xmlns:mv="urn:schemas-microsoft-com:mac:vml" xmlns:p="http://schemas.openxmlformats.org/presentationml/2006/main" xmlns:c="http://schemas.openxmlformats.org/drawingml/2006/chart" xmlns:dgm="http://schemas.openxmlformats.org/drawingml/2006/diagram" xmlns:o="urn:schemas-microsoft-com:office:office" xmlns:v="urn:schemas-microsoft-com:vml" xmlns:pvml="urn:schemas-microsoft-com:office:powerpoint" xmlns:com="http://schemas.openxmlformats.org/drawingml/2006/compatibility" xmlns:p14="http://schemas.microsoft.com/office/powerpoint/2010/main" xmlns:p15="http://schemas.microsoft.com/office/powerpoint/2012/main" matchingName="Main point">
+<p:sldLayout xmlns:a="http://schemas.openxmlformats.org/drawingml/2006/main" xmlns:r="http://schemas.openxmlformats.org/officeDocument/2006/relationships" xmlns:p="http://schemas.openxmlformats.org/presentationml/2006/main" matchingName="Main point">
   <p:cSld name="MAIN_POINT">
     <p:bg>
       <p:bgPr>
         <a:solidFill>
           <a:schemeClr val="lt2"/>
         </a:solidFill>
+        <a:effectLst/>
       </p:bgPr>
     </p:bg>
     <p:spTree>
       <p:nvGrpSpPr>
-        <p:cNvPr id="36" name="Shape 36"/>
+        <p:cNvPr id="1" name="Shape 36"/>
         <p:cNvGrpSpPr/>
         <p:nvPr/>
       </p:nvGrpSpPr>
@@ -4839,7 +4882,9 @@
       <p:sp>
         <p:nvSpPr>
           <p:cNvPr id="37" name="Google Shape;37;p8"/>
-          <p:cNvSpPr txBox="1"/>
+          <p:cNvSpPr txBox="1">
+            <a:spLocks noGrp="1"/>
+          </p:cNvSpPr>
           <p:nvPr>
             <p:ph type="title"/>
           </p:nvPr>
@@ -4854,7 +4899,7 @@
           </a:prstGeom>
         </p:spPr>
         <p:txBody>
-          <a:bodyPr anchorCtr="0" anchor="ctr" bIns="91425" lIns="91425" spcFirstLastPara="1" rIns="91425" wrap="square" tIns="91425">
+          <a:bodyPr spcFirstLastPara="1" wrap="square" lIns="91425" tIns="91425" rIns="91425" bIns="91425" anchor="ctr" anchorCtr="0">
             <a:noAutofit/>
           </a:bodyPr>
           <a:lstStyle>
@@ -5021,15 +5066,19 @@
               </a:defRPr>
             </a:lvl9pPr>
           </a:lstStyle>
-          <a:p/>
+          <a:p>
+            <a:endParaRPr/>
+          </a:p>
         </p:txBody>
       </p:sp>
       <p:sp>
         <p:nvSpPr>
           <p:cNvPr id="38" name="Google Shape;38;p8"/>
-          <p:cNvSpPr txBox="1"/>
+          <p:cNvSpPr txBox="1">
+            <a:spLocks noGrp="1"/>
+          </p:cNvSpPr>
           <p:nvPr>
-            <p:ph idx="12" type="sldNum"/>
+            <p:ph type="sldNum" idx="12"/>
           </p:nvPr>
         </p:nvSpPr>
         <p:spPr>
@@ -5042,7 +5091,7 @@
           </a:prstGeom>
         </p:spPr>
         <p:txBody>
-          <a:bodyPr anchorCtr="0" anchor="ctr" bIns="91425" lIns="91425" spcFirstLastPara="1" rIns="91425" wrap="square" tIns="91425">
+          <a:bodyPr spcFirstLastPara="1" wrap="square" lIns="91425" tIns="91425" rIns="91425" bIns="91425" anchor="ctr" anchorCtr="0">
             <a:noAutofit/>
           </a:bodyPr>
           <a:lstStyle>
@@ -5120,7 +5169,7 @@
             </a:lvl9pPr>
           </a:lstStyle>
           <a:p>
-            <a:pPr indent="0" lvl="0" marL="0" rtl="0" algn="r">
+            <a:pPr marL="0" lvl="0" indent="0" algn="r" rtl="0">
               <a:spcBef>
                 <a:spcPts val="0"/>
               </a:spcBef>
@@ -5146,11 +5195,11 @@
 </file>
 
 <file path=ppt/slideLayouts/slideLayout8.xml><?xml version="1.0" encoding="utf-8"?>
-<p:sldLayout xmlns:a="http://schemas.openxmlformats.org/drawingml/2006/main" xmlns:r="http://schemas.openxmlformats.org/officeDocument/2006/relationships" xmlns:mc="http://schemas.openxmlformats.org/markup-compatibility/2006" xmlns:mv="urn:schemas-microsoft-com:mac:vml" xmlns:p="http://schemas.openxmlformats.org/presentationml/2006/main" xmlns:c="http://schemas.openxmlformats.org/drawingml/2006/chart" xmlns:dgm="http://schemas.openxmlformats.org/drawingml/2006/diagram" xmlns:o="urn:schemas-microsoft-com:office:office" xmlns:v="urn:schemas-microsoft-com:vml" xmlns:pvml="urn:schemas-microsoft-com:office:powerpoint" xmlns:com="http://schemas.openxmlformats.org/drawingml/2006/compatibility" xmlns:p14="http://schemas.microsoft.com/office/powerpoint/2010/main" xmlns:p15="http://schemas.microsoft.com/office/powerpoint/2012/main" matchingName="Section title and description">
+<p:sldLayout xmlns:a="http://schemas.openxmlformats.org/drawingml/2006/main" xmlns:r="http://schemas.openxmlformats.org/officeDocument/2006/relationships" xmlns:p="http://schemas.openxmlformats.org/presentationml/2006/main" matchingName="Section title and description">
   <p:cSld name="SECTION_TITLE_AND_DESCRIPTION">
     <p:spTree>
       <p:nvGrpSpPr>
-        <p:cNvPr id="39" name="Shape 39"/>
+        <p:cNvPr id="1" name="Shape 39"/>
         <p:cNvGrpSpPr/>
         <p:nvPr/>
       </p:nvGrpSpPr>
@@ -5184,12 +5233,12 @@
           </a:ln>
         </p:spPr>
         <p:txBody>
-          <a:bodyPr anchorCtr="0" anchor="ctr" bIns="91425" lIns="91425" spcFirstLastPara="1" rIns="91425" wrap="square" tIns="91425">
+          <a:bodyPr spcFirstLastPara="1" wrap="square" lIns="91425" tIns="91425" rIns="91425" bIns="91425" anchor="ctr" anchorCtr="0">
             <a:noAutofit/>
           </a:bodyPr>
           <a:lstStyle/>
           <a:p>
-            <a:pPr indent="0" lvl="0" marL="0" rtl="0" algn="l">
+            <a:pPr marL="0" lvl="0" indent="0" algn="l" rtl="0">
               <a:spcBef>
                 <a:spcPts val="0"/>
               </a:spcBef>
@@ -5198,9 +5247,6 @@
               </a:spcAft>
               <a:buNone/>
             </a:pPr>
-            <a:r>
-              <a:t/>
-            </a:r>
             <a:endParaRPr/>
           </a:p>
         </p:txBody>
@@ -5220,21 +5266,23 @@
             <a:avLst/>
           </a:prstGeom>
           <a:noFill/>
-          <a:ln cap="flat" cmpd="sng" w="19050">
+          <a:ln w="19050" cap="flat" cmpd="sng">
             <a:solidFill>
               <a:schemeClr val="lt1"/>
             </a:solidFill>
             <a:prstDash val="solid"/>
             <a:round/>
-            <a:headEnd len="sm" w="sm" type="none"/>
-            <a:tailEnd len="sm" w="sm" type="none"/>
+            <a:headEnd type="none" w="sm" len="sm"/>
+            <a:tailEnd type="none" w="sm" len="sm"/>
           </a:ln>
         </p:spPr>
       </p:cxnSp>
       <p:sp>
         <p:nvSpPr>
           <p:cNvPr id="42" name="Google Shape;42;p9"/>
-          <p:cNvSpPr txBox="1"/>
+          <p:cNvSpPr txBox="1">
+            <a:spLocks noGrp="1"/>
+          </p:cNvSpPr>
           <p:nvPr>
             <p:ph type="title"/>
           </p:nvPr>
@@ -5249,7 +5297,7 @@
           </a:prstGeom>
         </p:spPr>
         <p:txBody>
-          <a:bodyPr anchorCtr="0" anchor="b" bIns="91425" lIns="91425" spcFirstLastPara="1" rIns="91425" wrap="square" tIns="91425">
+          <a:bodyPr spcFirstLastPara="1" wrap="square" lIns="91425" tIns="91425" rIns="91425" bIns="91425" anchor="b" anchorCtr="0">
             <a:noAutofit/>
           </a:bodyPr>
           <a:lstStyle>
@@ -5353,15 +5401,19 @@
               <a:defRPr sz="4200"/>
             </a:lvl9pPr>
           </a:lstStyle>
-          <a:p/>
+          <a:p>
+            <a:endParaRPr/>
+          </a:p>
         </p:txBody>
       </p:sp>
       <p:sp>
         <p:nvSpPr>
           <p:cNvPr id="43" name="Google Shape;43;p9"/>
-          <p:cNvSpPr txBox="1"/>
+          <p:cNvSpPr txBox="1">
+            <a:spLocks noGrp="1"/>
+          </p:cNvSpPr>
           <p:nvPr>
-            <p:ph idx="1" type="subTitle"/>
+            <p:ph type="subTitle" idx="1"/>
           </p:nvPr>
         </p:nvSpPr>
         <p:spPr>
@@ -5374,7 +5426,7 @@
           </a:prstGeom>
         </p:spPr>
         <p:txBody>
-          <a:bodyPr anchorCtr="0" anchor="t" bIns="91425" lIns="91425" spcFirstLastPara="1" rIns="91425" wrap="square" tIns="91425">
+          <a:bodyPr spcFirstLastPara="1" wrap="square" lIns="91425" tIns="91425" rIns="91425" bIns="91425" anchor="t" anchorCtr="0">
             <a:noAutofit/>
           </a:bodyPr>
           <a:lstStyle>
@@ -5568,15 +5620,19 @@
               </a:defRPr>
             </a:lvl9pPr>
           </a:lstStyle>
-          <a:p/>
+          <a:p>
+            <a:endParaRPr/>
+          </a:p>
         </p:txBody>
       </p:sp>
       <p:sp>
         <p:nvSpPr>
           <p:cNvPr id="44" name="Google Shape;44;p9"/>
-          <p:cNvSpPr txBox="1"/>
+          <p:cNvSpPr txBox="1">
+            <a:spLocks noGrp="1"/>
+          </p:cNvSpPr>
           <p:nvPr>
-            <p:ph idx="2" type="body"/>
+            <p:ph type="body" idx="2"/>
           </p:nvPr>
         </p:nvSpPr>
         <p:spPr>
@@ -5589,11 +5645,11 @@
           </a:prstGeom>
         </p:spPr>
         <p:txBody>
-          <a:bodyPr anchorCtr="0" anchor="ctr" bIns="91425" lIns="91425" spcFirstLastPara="1" rIns="91425" wrap="square" tIns="91425">
+          <a:bodyPr spcFirstLastPara="1" wrap="square" lIns="91425" tIns="91425" rIns="91425" bIns="91425" anchor="ctr" anchorCtr="0">
             <a:noAutofit/>
           </a:bodyPr>
           <a:lstStyle>
-            <a:lvl1pPr indent="-342900" lvl="0" marL="457200">
+            <a:lvl1pPr marL="457200" lvl="0" indent="-342900">
               <a:spcBef>
                 <a:spcPts val="0"/>
               </a:spcBef>
@@ -5611,7 +5667,7 @@
                 </a:solidFill>
               </a:defRPr>
             </a:lvl1pPr>
-            <a:lvl2pPr indent="-317500" lvl="1" marL="914400">
+            <a:lvl2pPr marL="914400" lvl="1" indent="-317500">
               <a:spcBef>
                 <a:spcPts val="1600"/>
               </a:spcBef>
@@ -5629,7 +5685,7 @@
                 </a:solidFill>
               </a:defRPr>
             </a:lvl2pPr>
-            <a:lvl3pPr indent="-317500" lvl="2" marL="1371600">
+            <a:lvl3pPr marL="1371600" lvl="2" indent="-317500">
               <a:spcBef>
                 <a:spcPts val="1600"/>
               </a:spcBef>
@@ -5647,7 +5703,7 @@
                 </a:solidFill>
               </a:defRPr>
             </a:lvl3pPr>
-            <a:lvl4pPr indent="-317500" lvl="3" marL="1828800">
+            <a:lvl4pPr marL="1828800" lvl="3" indent="-317500">
               <a:spcBef>
                 <a:spcPts val="1600"/>
               </a:spcBef>
@@ -5665,7 +5721,7 @@
                 </a:solidFill>
               </a:defRPr>
             </a:lvl4pPr>
-            <a:lvl5pPr indent="-317500" lvl="4" marL="2286000">
+            <a:lvl5pPr marL="2286000" lvl="4" indent="-317500">
               <a:spcBef>
                 <a:spcPts val="1600"/>
               </a:spcBef>
@@ -5683,7 +5739,7 @@
                 </a:solidFill>
               </a:defRPr>
             </a:lvl5pPr>
-            <a:lvl6pPr indent="-317500" lvl="5" marL="2743200">
+            <a:lvl6pPr marL="2743200" lvl="5" indent="-317500">
               <a:spcBef>
                 <a:spcPts val="1600"/>
               </a:spcBef>
@@ -5701,7 +5757,7 @@
                 </a:solidFill>
               </a:defRPr>
             </a:lvl6pPr>
-            <a:lvl7pPr indent="-317500" lvl="6" marL="3200400">
+            <a:lvl7pPr marL="3200400" lvl="6" indent="-317500">
               <a:spcBef>
                 <a:spcPts val="1600"/>
               </a:spcBef>
@@ -5719,7 +5775,7 @@
                 </a:solidFill>
               </a:defRPr>
             </a:lvl7pPr>
-            <a:lvl8pPr indent="-317500" lvl="7" marL="3657600">
+            <a:lvl8pPr marL="3657600" lvl="7" indent="-317500">
               <a:spcBef>
                 <a:spcPts val="1600"/>
               </a:spcBef>
@@ -5737,7 +5793,7 @@
                 </a:solidFill>
               </a:defRPr>
             </a:lvl8pPr>
-            <a:lvl9pPr indent="-317500" lvl="8" marL="4114800">
+            <a:lvl9pPr marL="4114800" lvl="8" indent="-317500">
               <a:spcBef>
                 <a:spcPts val="1600"/>
               </a:spcBef>
@@ -5756,15 +5812,19 @@
               </a:defRPr>
             </a:lvl9pPr>
           </a:lstStyle>
-          <a:p/>
+          <a:p>
+            <a:endParaRPr/>
+          </a:p>
         </p:txBody>
       </p:sp>
       <p:sp>
         <p:nvSpPr>
           <p:cNvPr id="45" name="Google Shape;45;p9"/>
-          <p:cNvSpPr txBox="1"/>
+          <p:cNvSpPr txBox="1">
+            <a:spLocks noGrp="1"/>
+          </p:cNvSpPr>
           <p:nvPr>
-            <p:ph idx="12" type="sldNum"/>
+            <p:ph type="sldNum" idx="12"/>
           </p:nvPr>
         </p:nvSpPr>
         <p:spPr>
@@ -5777,7 +5837,7 @@
           </a:prstGeom>
         </p:spPr>
         <p:txBody>
-          <a:bodyPr anchorCtr="0" anchor="ctr" bIns="91425" lIns="91425" spcFirstLastPara="1" rIns="91425" wrap="square" tIns="91425">
+          <a:bodyPr spcFirstLastPara="1" wrap="square" lIns="91425" tIns="91425" rIns="91425" bIns="91425" anchor="ctr" anchorCtr="0">
             <a:noAutofit/>
           </a:bodyPr>
           <a:lstStyle>
@@ -5855,7 +5915,7 @@
             </a:lvl9pPr>
           </a:lstStyle>
           <a:p>
-            <a:pPr indent="0" lvl="0" marL="0" rtl="0" algn="r">
+            <a:pPr marL="0" lvl="0" indent="0" algn="r" rtl="0">
               <a:spcBef>
                 <a:spcPts val="0"/>
               </a:spcBef>
@@ -5881,11 +5941,11 @@
 </file>
 
 <file path=ppt/slideLayouts/slideLayout9.xml><?xml version="1.0" encoding="utf-8"?>
-<p:sldLayout xmlns:a="http://schemas.openxmlformats.org/drawingml/2006/main" xmlns:r="http://schemas.openxmlformats.org/officeDocument/2006/relationships" xmlns:mc="http://schemas.openxmlformats.org/markup-compatibility/2006" xmlns:mv="urn:schemas-microsoft-com:mac:vml" xmlns:p="http://schemas.openxmlformats.org/presentationml/2006/main" xmlns:c="http://schemas.openxmlformats.org/drawingml/2006/chart" xmlns:dgm="http://schemas.openxmlformats.org/drawingml/2006/diagram" xmlns:o="urn:schemas-microsoft-com:office:office" xmlns:v="urn:schemas-microsoft-com:vml" xmlns:pvml="urn:schemas-microsoft-com:office:powerpoint" xmlns:com="http://schemas.openxmlformats.org/drawingml/2006/compatibility" xmlns:p14="http://schemas.microsoft.com/office/powerpoint/2010/main" xmlns:p15="http://schemas.microsoft.com/office/powerpoint/2012/main" matchingName="Caption">
+<p:sldLayout xmlns:a="http://schemas.openxmlformats.org/drawingml/2006/main" xmlns:r="http://schemas.openxmlformats.org/officeDocument/2006/relationships" xmlns:p="http://schemas.openxmlformats.org/presentationml/2006/main" matchingName="Caption">
   <p:cSld name="CAPTION_ONLY">
     <p:spTree>
       <p:nvGrpSpPr>
-        <p:cNvPr id="46" name="Shape 46"/>
+        <p:cNvPr id="1" name="Shape 46"/>
         <p:cNvGrpSpPr/>
         <p:nvPr/>
       </p:nvGrpSpPr>
@@ -5900,9 +5960,11 @@
       <p:sp>
         <p:nvSpPr>
           <p:cNvPr id="47" name="Google Shape;47;p10"/>
-          <p:cNvSpPr txBox="1"/>
+          <p:cNvSpPr txBox="1">
+            <a:spLocks noGrp="1"/>
+          </p:cNvSpPr>
           <p:nvPr>
-            <p:ph idx="1" type="body"/>
+            <p:ph type="body" idx="1"/>
           </p:nvPr>
         </p:nvSpPr>
         <p:spPr>
@@ -5915,11 +5977,11 @@
           </a:prstGeom>
         </p:spPr>
         <p:txBody>
-          <a:bodyPr anchorCtr="0" anchor="ctr" bIns="91425" lIns="91425" spcFirstLastPara="1" rIns="91425" wrap="square" tIns="91425">
+          <a:bodyPr spcFirstLastPara="1" wrap="square" lIns="91425" tIns="91425" rIns="91425" bIns="91425" anchor="ctr" anchorCtr="0">
             <a:noAutofit/>
           </a:bodyPr>
           <a:lstStyle>
-            <a:lvl1pPr indent="-228600" lvl="0" marL="457200">
+            <a:lvl1pPr marL="457200" lvl="0" indent="-228600">
               <a:lnSpc>
                 <a:spcPct val="100000"/>
               </a:lnSpc>
@@ -5946,15 +6008,19 @@
               </a:defRPr>
             </a:lvl1pPr>
           </a:lstStyle>
-          <a:p/>
+          <a:p>
+            <a:endParaRPr/>
+          </a:p>
         </p:txBody>
       </p:sp>
       <p:sp>
         <p:nvSpPr>
           <p:cNvPr id="48" name="Google Shape;48;p10"/>
-          <p:cNvSpPr txBox="1"/>
+          <p:cNvSpPr txBox="1">
+            <a:spLocks noGrp="1"/>
+          </p:cNvSpPr>
           <p:nvPr>
-            <p:ph idx="12" type="sldNum"/>
+            <p:ph type="sldNum" idx="12"/>
           </p:nvPr>
         </p:nvSpPr>
         <p:spPr>
@@ -5967,7 +6033,7 @@
           </a:prstGeom>
         </p:spPr>
         <p:txBody>
-          <a:bodyPr anchorCtr="0" anchor="ctr" bIns="91425" lIns="91425" spcFirstLastPara="1" rIns="91425" wrap="square" tIns="91425">
+          <a:bodyPr spcFirstLastPara="1" wrap="square" lIns="91425" tIns="91425" rIns="91425" bIns="91425" anchor="ctr" anchorCtr="0">
             <a:noAutofit/>
           </a:bodyPr>
           <a:lstStyle>
@@ -6009,7 +6075,7 @@
             </a:lvl9pPr>
           </a:lstStyle>
           <a:p>
-            <a:pPr indent="0" lvl="0" marL="0" rtl="0" algn="r">
+            <a:pPr marL="0" lvl="0" indent="0" algn="r" rtl="0">
               <a:spcBef>
                 <a:spcPts val="0"/>
               </a:spcBef>
@@ -6035,18 +6101,19 @@
 </file>
 
 <file path=ppt/slideMasters/slideMaster1.xml><?xml version="1.0" encoding="utf-8"?>
-<p:sldMaster xmlns:a="http://schemas.openxmlformats.org/drawingml/2006/main" xmlns:r="http://schemas.openxmlformats.org/officeDocument/2006/relationships" xmlns:mc="http://schemas.openxmlformats.org/markup-compatibility/2006" xmlns:mv="urn:schemas-microsoft-com:mac:vml" xmlns:p="http://schemas.openxmlformats.org/presentationml/2006/main" xmlns:c="http://schemas.openxmlformats.org/drawingml/2006/chart" xmlns:dgm="http://schemas.openxmlformats.org/drawingml/2006/diagram" xmlns:o="urn:schemas-microsoft-com:office:office" xmlns:v="urn:schemas-microsoft-com:vml" xmlns:pvml="urn:schemas-microsoft-com:office:powerpoint" xmlns:com="http://schemas.openxmlformats.org/drawingml/2006/compatibility" xmlns:p14="http://schemas.microsoft.com/office/powerpoint/2010/main" xmlns:p15="http://schemas.microsoft.com/office/powerpoint/2012/main">
+<p:sldMaster xmlns:a="http://schemas.openxmlformats.org/drawingml/2006/main" xmlns:r="http://schemas.openxmlformats.org/officeDocument/2006/relationships" xmlns:p="http://schemas.openxmlformats.org/presentationml/2006/main">
   <p:cSld name="slate">
     <p:bg>
       <p:bgPr>
         <a:solidFill>
           <a:schemeClr val="lt1"/>
         </a:solidFill>
+        <a:effectLst/>
       </p:bgPr>
     </p:bg>
     <p:spTree>
       <p:nvGrpSpPr>
-        <p:cNvPr id="5" name="Shape 5"/>
+        <p:cNvPr id="1" name="Shape 5"/>
         <p:cNvGrpSpPr/>
         <p:nvPr/>
       </p:nvGrpSpPr>
@@ -6061,7 +6128,9 @@
       <p:sp>
         <p:nvSpPr>
           <p:cNvPr id="6" name="Google Shape;6;p1"/>
-          <p:cNvSpPr txBox="1"/>
+          <p:cNvSpPr txBox="1">
+            <a:spLocks noGrp="1"/>
+          </p:cNvSpPr>
           <p:nvPr>
             <p:ph type="title"/>
           </p:nvPr>
@@ -6080,7 +6149,7 @@
           </a:ln>
         </p:spPr>
         <p:txBody>
-          <a:bodyPr anchorCtr="0" anchor="t" bIns="91425" lIns="91425" spcFirstLastPara="1" rIns="91425" wrap="square" tIns="91425">
+          <a:bodyPr spcFirstLastPara="1" wrap="square" lIns="91425" tIns="91425" rIns="91425" bIns="91425" anchor="t" anchorCtr="0">
             <a:noAutofit/>
           </a:bodyPr>
           <a:lstStyle>
@@ -6292,15 +6361,19 @@
               </a:defRPr>
             </a:lvl9pPr>
           </a:lstStyle>
-          <a:p/>
+          <a:p>
+            <a:endParaRPr/>
+          </a:p>
         </p:txBody>
       </p:sp>
       <p:sp>
         <p:nvSpPr>
           <p:cNvPr id="7" name="Google Shape;7;p1"/>
-          <p:cNvSpPr txBox="1"/>
+          <p:cNvSpPr txBox="1">
+            <a:spLocks noGrp="1"/>
+          </p:cNvSpPr>
           <p:nvPr>
-            <p:ph idx="1" type="body"/>
+            <p:ph type="body" idx="1"/>
           </p:nvPr>
         </p:nvSpPr>
         <p:spPr>
@@ -6317,11 +6390,11 @@
           </a:ln>
         </p:spPr>
         <p:txBody>
-          <a:bodyPr anchorCtr="0" anchor="t" bIns="91425" lIns="91425" spcFirstLastPara="1" rIns="91425" wrap="square" tIns="91425">
+          <a:bodyPr spcFirstLastPara="1" wrap="square" lIns="91425" tIns="91425" rIns="91425" bIns="91425" anchor="t" anchorCtr="0">
             <a:noAutofit/>
           </a:bodyPr>
           <a:lstStyle>
-            <a:lvl1pPr indent="-342900" lvl="0" marL="457200">
+            <a:lvl1pPr marL="457200" lvl="0" indent="-342900">
               <a:lnSpc>
                 <a:spcPct val="115000"/>
               </a:lnSpc>
@@ -6347,7 +6420,7 @@
                 <a:sym typeface="Average"/>
               </a:defRPr>
             </a:lvl1pPr>
-            <a:lvl2pPr indent="-317500" lvl="1" marL="914400">
+            <a:lvl2pPr marL="914400" lvl="1" indent="-317500">
               <a:lnSpc>
                 <a:spcPct val="115000"/>
               </a:lnSpc>
@@ -6373,7 +6446,7 @@
                 <a:sym typeface="Average"/>
               </a:defRPr>
             </a:lvl2pPr>
-            <a:lvl3pPr indent="-317500" lvl="2" marL="1371600">
+            <a:lvl3pPr marL="1371600" lvl="2" indent="-317500">
               <a:lnSpc>
                 <a:spcPct val="115000"/>
               </a:lnSpc>
@@ -6399,7 +6472,7 @@
                 <a:sym typeface="Average"/>
               </a:defRPr>
             </a:lvl3pPr>
-            <a:lvl4pPr indent="-317500" lvl="3" marL="1828800">
+            <a:lvl4pPr marL="1828800" lvl="3" indent="-317500">
               <a:lnSpc>
                 <a:spcPct val="115000"/>
               </a:lnSpc>
@@ -6425,7 +6498,7 @@
                 <a:sym typeface="Average"/>
               </a:defRPr>
             </a:lvl4pPr>
-            <a:lvl5pPr indent="-317500" lvl="4" marL="2286000">
+            <a:lvl5pPr marL="2286000" lvl="4" indent="-317500">
               <a:lnSpc>
                 <a:spcPct val="115000"/>
               </a:lnSpc>
@@ -6451,7 +6524,7 @@
                 <a:sym typeface="Average"/>
               </a:defRPr>
             </a:lvl5pPr>
-            <a:lvl6pPr indent="-317500" lvl="5" marL="2743200">
+            <a:lvl6pPr marL="2743200" lvl="5" indent="-317500">
               <a:lnSpc>
                 <a:spcPct val="115000"/>
               </a:lnSpc>
@@ -6477,7 +6550,7 @@
                 <a:sym typeface="Average"/>
               </a:defRPr>
             </a:lvl6pPr>
-            <a:lvl7pPr indent="-317500" lvl="6" marL="3200400">
+            <a:lvl7pPr marL="3200400" lvl="6" indent="-317500">
               <a:lnSpc>
                 <a:spcPct val="115000"/>
               </a:lnSpc>
@@ -6503,7 +6576,7 @@
                 <a:sym typeface="Average"/>
               </a:defRPr>
             </a:lvl7pPr>
-            <a:lvl8pPr indent="-317500" lvl="7" marL="3657600">
+            <a:lvl8pPr marL="3657600" lvl="7" indent="-317500">
               <a:lnSpc>
                 <a:spcPct val="115000"/>
               </a:lnSpc>
@@ -6529,7 +6602,7 @@
                 <a:sym typeface="Average"/>
               </a:defRPr>
             </a:lvl8pPr>
-            <a:lvl9pPr indent="-317500" lvl="8" marL="4114800">
+            <a:lvl9pPr marL="4114800" lvl="8" indent="-317500">
               <a:lnSpc>
                 <a:spcPct val="115000"/>
               </a:lnSpc>
@@ -6556,15 +6629,19 @@
               </a:defRPr>
             </a:lvl9pPr>
           </a:lstStyle>
-          <a:p/>
+          <a:p>
+            <a:endParaRPr/>
+          </a:p>
         </p:txBody>
       </p:sp>
       <p:sp>
         <p:nvSpPr>
           <p:cNvPr id="8" name="Google Shape;8;p1"/>
-          <p:cNvSpPr txBox="1"/>
+          <p:cNvSpPr txBox="1">
+            <a:spLocks noGrp="1"/>
+          </p:cNvSpPr>
           <p:nvPr>
-            <p:ph idx="12" type="sldNum"/>
+            <p:ph type="sldNum" idx="12"/>
           </p:nvPr>
         </p:nvSpPr>
         <p:spPr>
@@ -6581,7 +6658,7 @@
           </a:ln>
         </p:spPr>
         <p:txBody>
-          <a:bodyPr anchorCtr="0" anchor="ctr" bIns="91425" lIns="91425" spcFirstLastPara="1" rIns="91425" wrap="square" tIns="91425">
+          <a:bodyPr spcFirstLastPara="1" wrap="square" lIns="91425" tIns="91425" rIns="91425" bIns="91425" anchor="ctr" anchorCtr="0">
             <a:noAutofit/>
           </a:bodyPr>
           <a:lstStyle>
@@ -6695,7 +6772,7 @@
             </a:lvl9pPr>
           </a:lstStyle>
           <a:p>
-            <a:pPr indent="0" lvl="0" marL="0" rtl="0" algn="r">
+            <a:pPr marL="0" lvl="0" indent="0" algn="r" rtl="0">
               <a:spcBef>
                 <a:spcPts val="0"/>
               </a:spcBef>
@@ -6714,7 +6791,7 @@
       </p:sp>
     </p:spTree>
   </p:cSld>
-  <p:clrMap accent1="accent1" accent2="accent2" accent3="accent3" accent4="accent4" accent5="accent5" accent6="accent6" bg1="lt1" bg2="dk2" tx1="dk1" tx2="lt2" folHlink="folHlink" hlink="hlink"/>
+  <p:clrMap bg1="lt1" tx1="dk1" bg2="dk2" tx2="lt2" accent1="accent1" accent2="accent2" accent3="accent3" accent4="accent4" accent5="accent5" accent6="accent6" hlink="hlink" folHlink="folHlink"/>
   <p:sldLayoutIdLst>
     <p:sldLayoutId id="2147483648" r:id="rId1"/>
     <p:sldLayoutId id="2147483649" r:id="rId2"/>
@@ -6728,10 +6805,10 @@
     <p:sldLayoutId id="2147483657" r:id="rId10"/>
     <p:sldLayoutId id="2147483658" r:id="rId11"/>
   </p:sldLayoutIdLst>
-  <p:hf dt="0" ftr="0" hdr="0" sldNum="0"/>
+  <p:hf sldNum="0" hdr="0" ftr="0" dt="0"/>
   <p:txStyles>
     <p:titleStyle>
-      <a:defPPr lvl="0" marR="0" rtl="0" algn="l">
+      <a:defPPr marR="0" lvl="0" algn="l" rtl="0">
         <a:lnSpc>
           <a:spcPct val="100000"/>
         </a:lnSpc>
@@ -6742,7 +6819,7 @@
           <a:spcPts val="0"/>
         </a:spcAft>
       </a:defPPr>
-      <a:lvl1pPr lvl="0" marR="0" rtl="0" algn="l">
+      <a:lvl1pPr marR="0" lvl="0" algn="l" rtl="0">
         <a:lnSpc>
           <a:spcPct val="100000"/>
         </a:lnSpc>
@@ -6756,7 +6833,7 @@
           <a:srgbClr val="000000"/>
         </a:buClr>
         <a:buFont typeface="Arial"/>
-        <a:defRPr b="0" i="0" sz="1400" u="none" cap="none" strike="noStrike">
+        <a:defRPr sz="1400" b="0" i="0" u="none" strike="noStrike" cap="none">
           <a:solidFill>
             <a:srgbClr val="000000"/>
           </a:solidFill>
@@ -6766,7 +6843,7 @@
           <a:sym typeface="Arial"/>
         </a:defRPr>
       </a:lvl1pPr>
-      <a:lvl2pPr lvl="1" marR="0" rtl="0" algn="l">
+      <a:lvl2pPr marR="0" lvl="1" algn="l" rtl="0">
         <a:lnSpc>
           <a:spcPct val="100000"/>
         </a:lnSpc>
@@ -6780,7 +6857,7 @@
           <a:srgbClr val="000000"/>
         </a:buClr>
         <a:buFont typeface="Arial"/>
-        <a:defRPr b="0" i="0" sz="1400" u="none" cap="none" strike="noStrike">
+        <a:defRPr sz="1400" b="0" i="0" u="none" strike="noStrike" cap="none">
           <a:solidFill>
             <a:srgbClr val="000000"/>
           </a:solidFill>
@@ -6790,7 +6867,7 @@
           <a:sym typeface="Arial"/>
         </a:defRPr>
       </a:lvl2pPr>
-      <a:lvl3pPr lvl="2" marR="0" rtl="0" algn="l">
+      <a:lvl3pPr marR="0" lvl="2" algn="l" rtl="0">
         <a:lnSpc>
           <a:spcPct val="100000"/>
         </a:lnSpc>
@@ -6804,7 +6881,7 @@
           <a:srgbClr val="000000"/>
         </a:buClr>
         <a:buFont typeface="Arial"/>
-        <a:defRPr b="0" i="0" sz="1400" u="none" cap="none" strike="noStrike">
+        <a:defRPr sz="1400" b="0" i="0" u="none" strike="noStrike" cap="none">
           <a:solidFill>
             <a:srgbClr val="000000"/>
           </a:solidFill>
@@ -6814,7 +6891,7 @@
           <a:sym typeface="Arial"/>
         </a:defRPr>
       </a:lvl3pPr>
-      <a:lvl4pPr lvl="3" marR="0" rtl="0" algn="l">
+      <a:lvl4pPr marR="0" lvl="3" algn="l" rtl="0">
         <a:lnSpc>
           <a:spcPct val="100000"/>
         </a:lnSpc>
@@ -6828,7 +6905,7 @@
           <a:srgbClr val="000000"/>
         </a:buClr>
         <a:buFont typeface="Arial"/>
-        <a:defRPr b="0" i="0" sz="1400" u="none" cap="none" strike="noStrike">
+        <a:defRPr sz="1400" b="0" i="0" u="none" strike="noStrike" cap="none">
           <a:solidFill>
             <a:srgbClr val="000000"/>
           </a:solidFill>
@@ -6838,7 +6915,7 @@
           <a:sym typeface="Arial"/>
         </a:defRPr>
       </a:lvl4pPr>
-      <a:lvl5pPr lvl="4" marR="0" rtl="0" algn="l">
+      <a:lvl5pPr marR="0" lvl="4" algn="l" rtl="0">
         <a:lnSpc>
           <a:spcPct val="100000"/>
         </a:lnSpc>
@@ -6852,7 +6929,7 @@
           <a:srgbClr val="000000"/>
         </a:buClr>
         <a:buFont typeface="Arial"/>
-        <a:defRPr b="0" i="0" sz="1400" u="none" cap="none" strike="noStrike">
+        <a:defRPr sz="1400" b="0" i="0" u="none" strike="noStrike" cap="none">
           <a:solidFill>
             <a:srgbClr val="000000"/>
           </a:solidFill>
@@ -6862,7 +6939,7 @@
           <a:sym typeface="Arial"/>
         </a:defRPr>
       </a:lvl5pPr>
-      <a:lvl6pPr lvl="5" marR="0" rtl="0" algn="l">
+      <a:lvl6pPr marR="0" lvl="5" algn="l" rtl="0">
         <a:lnSpc>
           <a:spcPct val="100000"/>
         </a:lnSpc>
@@ -6876,7 +6953,7 @@
           <a:srgbClr val="000000"/>
         </a:buClr>
         <a:buFont typeface="Arial"/>
-        <a:defRPr b="0" i="0" sz="1400" u="none" cap="none" strike="noStrike">
+        <a:defRPr sz="1400" b="0" i="0" u="none" strike="noStrike" cap="none">
           <a:solidFill>
             <a:srgbClr val="000000"/>
           </a:solidFill>
@@ -6886,7 +6963,7 @@
           <a:sym typeface="Arial"/>
         </a:defRPr>
       </a:lvl6pPr>
-      <a:lvl7pPr lvl="6" marR="0" rtl="0" algn="l">
+      <a:lvl7pPr marR="0" lvl="6" algn="l" rtl="0">
         <a:lnSpc>
           <a:spcPct val="100000"/>
         </a:lnSpc>
@@ -6900,7 +6977,7 @@
           <a:srgbClr val="000000"/>
         </a:buClr>
         <a:buFont typeface="Arial"/>
-        <a:defRPr b="0" i="0" sz="1400" u="none" cap="none" strike="noStrike">
+        <a:defRPr sz="1400" b="0" i="0" u="none" strike="noStrike" cap="none">
           <a:solidFill>
             <a:srgbClr val="000000"/>
           </a:solidFill>
@@ -6910,7 +6987,7 @@
           <a:sym typeface="Arial"/>
         </a:defRPr>
       </a:lvl7pPr>
-      <a:lvl8pPr lvl="7" marR="0" rtl="0" algn="l">
+      <a:lvl8pPr marR="0" lvl="7" algn="l" rtl="0">
         <a:lnSpc>
           <a:spcPct val="100000"/>
         </a:lnSpc>
@@ -6924,7 +7001,7 @@
           <a:srgbClr val="000000"/>
         </a:buClr>
         <a:buFont typeface="Arial"/>
-        <a:defRPr b="0" i="0" sz="1400" u="none" cap="none" strike="noStrike">
+        <a:defRPr sz="1400" b="0" i="0" u="none" strike="noStrike" cap="none">
           <a:solidFill>
             <a:srgbClr val="000000"/>
           </a:solidFill>
@@ -6934,7 +7011,7 @@
           <a:sym typeface="Arial"/>
         </a:defRPr>
       </a:lvl8pPr>
-      <a:lvl9pPr lvl="8" marR="0" rtl="0" algn="l">
+      <a:lvl9pPr marR="0" lvl="8" algn="l" rtl="0">
         <a:lnSpc>
           <a:spcPct val="100000"/>
         </a:lnSpc>
@@ -6948,7 +7025,7 @@
           <a:srgbClr val="000000"/>
         </a:buClr>
         <a:buFont typeface="Arial"/>
-        <a:defRPr b="0" i="0" sz="1400" u="none" cap="none" strike="noStrike">
+        <a:defRPr sz="1400" b="0" i="0" u="none" strike="noStrike" cap="none">
           <a:solidFill>
             <a:srgbClr val="000000"/>
           </a:solidFill>
@@ -6960,7 +7037,7 @@
       </a:lvl9pPr>
     </p:titleStyle>
     <p:bodyStyle>
-      <a:defPPr lvl="0" marR="0" rtl="0" algn="l">
+      <a:defPPr marR="0" lvl="0" algn="l" rtl="0">
         <a:lnSpc>
           <a:spcPct val="100000"/>
         </a:lnSpc>
@@ -6971,7 +7048,7 @@
           <a:spcPts val="0"/>
         </a:spcAft>
       </a:defPPr>
-      <a:lvl1pPr lvl="0" marR="0" rtl="0" algn="l">
+      <a:lvl1pPr marR="0" lvl="0" algn="l" rtl="0">
         <a:lnSpc>
           <a:spcPct val="100000"/>
         </a:lnSpc>
@@ -6985,7 +7062,7 @@
           <a:srgbClr val="000000"/>
         </a:buClr>
         <a:buFont typeface="Arial"/>
-        <a:defRPr b="0" i="0" sz="1400" u="none" cap="none" strike="noStrike">
+        <a:defRPr sz="1400" b="0" i="0" u="none" strike="noStrike" cap="none">
           <a:solidFill>
             <a:srgbClr val="000000"/>
           </a:solidFill>
@@ -6995,7 +7072,7 @@
           <a:sym typeface="Arial"/>
         </a:defRPr>
       </a:lvl1pPr>
-      <a:lvl2pPr lvl="1" marR="0" rtl="0" algn="l">
+      <a:lvl2pPr marR="0" lvl="1" algn="l" rtl="0">
         <a:lnSpc>
           <a:spcPct val="100000"/>
         </a:lnSpc>
@@ -7009,7 +7086,7 @@
           <a:srgbClr val="000000"/>
         </a:buClr>
         <a:buFont typeface="Arial"/>
-        <a:defRPr b="0" i="0" sz="1400" u="none" cap="none" strike="noStrike">
+        <a:defRPr sz="1400" b="0" i="0" u="none" strike="noStrike" cap="none">
           <a:solidFill>
             <a:srgbClr val="000000"/>
           </a:solidFill>
@@ -7019,7 +7096,7 @@
           <a:sym typeface="Arial"/>
         </a:defRPr>
       </a:lvl2pPr>
-      <a:lvl3pPr lvl="2" marR="0" rtl="0" algn="l">
+      <a:lvl3pPr marR="0" lvl="2" algn="l" rtl="0">
         <a:lnSpc>
           <a:spcPct val="100000"/>
         </a:lnSpc>
@@ -7033,7 +7110,7 @@
           <a:srgbClr val="000000"/>
         </a:buClr>
         <a:buFont typeface="Arial"/>
-        <a:defRPr b="0" i="0" sz="1400" u="none" cap="none" strike="noStrike">
+        <a:defRPr sz="1400" b="0" i="0" u="none" strike="noStrike" cap="none">
           <a:solidFill>
             <a:srgbClr val="000000"/>
           </a:solidFill>
@@ -7043,7 +7120,7 @@
           <a:sym typeface="Arial"/>
         </a:defRPr>
       </a:lvl3pPr>
-      <a:lvl4pPr lvl="3" marR="0" rtl="0" algn="l">
+      <a:lvl4pPr marR="0" lvl="3" algn="l" rtl="0">
         <a:lnSpc>
           <a:spcPct val="100000"/>
         </a:lnSpc>
@@ -7057,7 +7134,7 @@
           <a:srgbClr val="000000"/>
         </a:buClr>
         <a:buFont typeface="Arial"/>
-        <a:defRPr b="0" i="0" sz="1400" u="none" cap="none" strike="noStrike">
+        <a:defRPr sz="1400" b="0" i="0" u="none" strike="noStrike" cap="none">
           <a:solidFill>
             <a:srgbClr val="000000"/>
           </a:solidFill>
@@ -7067,7 +7144,7 @@
           <a:sym typeface="Arial"/>
         </a:defRPr>
       </a:lvl4pPr>
-      <a:lvl5pPr lvl="4" marR="0" rtl="0" algn="l">
+      <a:lvl5pPr marR="0" lvl="4" algn="l" rtl="0">
         <a:lnSpc>
           <a:spcPct val="100000"/>
         </a:lnSpc>
@@ -7081,7 +7158,7 @@
           <a:srgbClr val="000000"/>
         </a:buClr>
         <a:buFont typeface="Arial"/>
-        <a:defRPr b="0" i="0" sz="1400" u="none" cap="none" strike="noStrike">
+        <a:defRPr sz="1400" b="0" i="0" u="none" strike="noStrike" cap="none">
           <a:solidFill>
             <a:srgbClr val="000000"/>
           </a:solidFill>
@@ -7091,7 +7168,7 @@
           <a:sym typeface="Arial"/>
         </a:defRPr>
       </a:lvl5pPr>
-      <a:lvl6pPr lvl="5" marR="0" rtl="0" algn="l">
+      <a:lvl6pPr marR="0" lvl="5" algn="l" rtl="0">
         <a:lnSpc>
           <a:spcPct val="100000"/>
         </a:lnSpc>
@@ -7105,7 +7182,7 @@
           <a:srgbClr val="000000"/>
         </a:buClr>
         <a:buFont typeface="Arial"/>
-        <a:defRPr b="0" i="0" sz="1400" u="none" cap="none" strike="noStrike">
+        <a:defRPr sz="1400" b="0" i="0" u="none" strike="noStrike" cap="none">
           <a:solidFill>
             <a:srgbClr val="000000"/>
           </a:solidFill>
@@ -7115,7 +7192,7 @@
           <a:sym typeface="Arial"/>
         </a:defRPr>
       </a:lvl6pPr>
-      <a:lvl7pPr lvl="6" marR="0" rtl="0" algn="l">
+      <a:lvl7pPr marR="0" lvl="6" algn="l" rtl="0">
         <a:lnSpc>
           <a:spcPct val="100000"/>
         </a:lnSpc>
@@ -7129,7 +7206,7 @@
           <a:srgbClr val="000000"/>
         </a:buClr>
         <a:buFont typeface="Arial"/>
-        <a:defRPr b="0" i="0" sz="1400" u="none" cap="none" strike="noStrike">
+        <a:defRPr sz="1400" b="0" i="0" u="none" strike="noStrike" cap="none">
           <a:solidFill>
             <a:srgbClr val="000000"/>
           </a:solidFill>
@@ -7139,7 +7216,7 @@
           <a:sym typeface="Arial"/>
         </a:defRPr>
       </a:lvl7pPr>
-      <a:lvl8pPr lvl="7" marR="0" rtl="0" algn="l">
+      <a:lvl8pPr marR="0" lvl="7" algn="l" rtl="0">
         <a:lnSpc>
           <a:spcPct val="100000"/>
         </a:lnSpc>
@@ -7153,7 +7230,7 @@
           <a:srgbClr val="000000"/>
         </a:buClr>
         <a:buFont typeface="Arial"/>
-        <a:defRPr b="0" i="0" sz="1400" u="none" cap="none" strike="noStrike">
+        <a:defRPr sz="1400" b="0" i="0" u="none" strike="noStrike" cap="none">
           <a:solidFill>
             <a:srgbClr val="000000"/>
           </a:solidFill>
@@ -7163,7 +7240,7 @@
           <a:sym typeface="Arial"/>
         </a:defRPr>
       </a:lvl8pPr>
-      <a:lvl9pPr lvl="8" marR="0" rtl="0" algn="l">
+      <a:lvl9pPr marR="0" lvl="8" algn="l" rtl="0">
         <a:lnSpc>
           <a:spcPct val="100000"/>
         </a:lnSpc>
@@ -7177,7 +7254,7 @@
           <a:srgbClr val="000000"/>
         </a:buClr>
         <a:buFont typeface="Arial"/>
-        <a:defRPr b="0" i="0" sz="1400" u="none" cap="none" strike="noStrike">
+        <a:defRPr sz="1400" b="0" i="0" u="none" strike="noStrike" cap="none">
           <a:solidFill>
             <a:srgbClr val="000000"/>
           </a:solidFill>
@@ -7189,7 +7266,7 @@
       </a:lvl9pPr>
     </p:bodyStyle>
     <p:otherStyle>
-      <a:defPPr lvl="0" marR="0" rtl="0" algn="l">
+      <a:defPPr marR="0" lvl="0" algn="l" rtl="0">
         <a:lnSpc>
           <a:spcPct val="100000"/>
         </a:lnSpc>
@@ -7200,7 +7277,7 @@
           <a:spcPts val="0"/>
         </a:spcAft>
       </a:defPPr>
-      <a:lvl1pPr lvl="0" marR="0" rtl="0" algn="l">
+      <a:lvl1pPr marR="0" lvl="0" algn="l" rtl="0">
         <a:lnSpc>
           <a:spcPct val="100000"/>
         </a:lnSpc>
@@ -7214,7 +7291,7 @@
           <a:srgbClr val="000000"/>
         </a:buClr>
         <a:buFont typeface="Arial"/>
-        <a:defRPr b="0" i="0" sz="1400" u="none" cap="none" strike="noStrike">
+        <a:defRPr sz="1400" b="0" i="0" u="none" strike="noStrike" cap="none">
           <a:solidFill>
             <a:srgbClr val="000000"/>
           </a:solidFill>
@@ -7224,7 +7301,7 @@
           <a:sym typeface="Arial"/>
         </a:defRPr>
       </a:lvl1pPr>
-      <a:lvl2pPr lvl="1" marR="0" rtl="0" algn="l">
+      <a:lvl2pPr marR="0" lvl="1" algn="l" rtl="0">
         <a:lnSpc>
           <a:spcPct val="100000"/>
         </a:lnSpc>
@@ -7238,7 +7315,7 @@
           <a:srgbClr val="000000"/>
         </a:buClr>
         <a:buFont typeface="Arial"/>
-        <a:defRPr b="0" i="0" sz="1400" u="none" cap="none" strike="noStrike">
+        <a:defRPr sz="1400" b="0" i="0" u="none" strike="noStrike" cap="none">
           <a:solidFill>
             <a:srgbClr val="000000"/>
           </a:solidFill>
@@ -7248,7 +7325,7 @@
           <a:sym typeface="Arial"/>
         </a:defRPr>
       </a:lvl2pPr>
-      <a:lvl3pPr lvl="2" marR="0" rtl="0" algn="l">
+      <a:lvl3pPr marR="0" lvl="2" algn="l" rtl="0">
         <a:lnSpc>
           <a:spcPct val="100000"/>
         </a:lnSpc>
@@ -7262,7 +7339,7 @@
           <a:srgbClr val="000000"/>
         </a:buClr>
         <a:buFont typeface="Arial"/>
-        <a:defRPr b="0" i="0" sz="1400" u="none" cap="none" strike="noStrike">
+        <a:defRPr sz="1400" b="0" i="0" u="none" strike="noStrike" cap="none">
           <a:solidFill>
             <a:srgbClr val="000000"/>
           </a:solidFill>
@@ -7272,7 +7349,7 @@
           <a:sym typeface="Arial"/>
         </a:defRPr>
       </a:lvl3pPr>
-      <a:lvl4pPr lvl="3" marR="0" rtl="0" algn="l">
+      <a:lvl4pPr marR="0" lvl="3" algn="l" rtl="0">
         <a:lnSpc>
           <a:spcPct val="100000"/>
         </a:lnSpc>
@@ -7286,7 +7363,7 @@
           <a:srgbClr val="000000"/>
         </a:buClr>
         <a:buFont typeface="Arial"/>
-        <a:defRPr b="0" i="0" sz="1400" u="none" cap="none" strike="noStrike">
+        <a:defRPr sz="1400" b="0" i="0" u="none" strike="noStrike" cap="none">
           <a:solidFill>
             <a:srgbClr val="000000"/>
           </a:solidFill>
@@ -7296,7 +7373,7 @@
           <a:sym typeface="Arial"/>
         </a:defRPr>
       </a:lvl4pPr>
-      <a:lvl5pPr lvl="4" marR="0" rtl="0" algn="l">
+      <a:lvl5pPr marR="0" lvl="4" algn="l" rtl="0">
         <a:lnSpc>
           <a:spcPct val="100000"/>
         </a:lnSpc>
@@ -7310,7 +7387,7 @@
           <a:srgbClr val="000000"/>
         </a:buClr>
         <a:buFont typeface="Arial"/>
-        <a:defRPr b="0" i="0" sz="1400" u="none" cap="none" strike="noStrike">
+        <a:defRPr sz="1400" b="0" i="0" u="none" strike="noStrike" cap="none">
           <a:solidFill>
             <a:srgbClr val="000000"/>
           </a:solidFill>
@@ -7320,7 +7397,7 @@
           <a:sym typeface="Arial"/>
         </a:defRPr>
       </a:lvl5pPr>
-      <a:lvl6pPr lvl="5" marR="0" rtl="0" algn="l">
+      <a:lvl6pPr marR="0" lvl="5" algn="l" rtl="0">
         <a:lnSpc>
           <a:spcPct val="100000"/>
         </a:lnSpc>
@@ -7334,7 +7411,7 @@
           <a:srgbClr val="000000"/>
         </a:buClr>
         <a:buFont typeface="Arial"/>
-        <a:defRPr b="0" i="0" sz="1400" u="none" cap="none" strike="noStrike">
+        <a:defRPr sz="1400" b="0" i="0" u="none" strike="noStrike" cap="none">
           <a:solidFill>
             <a:srgbClr val="000000"/>
           </a:solidFill>
@@ -7344,7 +7421,7 @@
           <a:sym typeface="Arial"/>
         </a:defRPr>
       </a:lvl6pPr>
-      <a:lvl7pPr lvl="6" marR="0" rtl="0" algn="l">
+      <a:lvl7pPr marR="0" lvl="6" algn="l" rtl="0">
         <a:lnSpc>
           <a:spcPct val="100000"/>
         </a:lnSpc>
@@ -7358,7 +7435,7 @@
           <a:srgbClr val="000000"/>
         </a:buClr>
         <a:buFont typeface="Arial"/>
-        <a:defRPr b="0" i="0" sz="1400" u="none" cap="none" strike="noStrike">
+        <a:defRPr sz="1400" b="0" i="0" u="none" strike="noStrike" cap="none">
           <a:solidFill>
             <a:srgbClr val="000000"/>
           </a:solidFill>
@@ -7368,7 +7445,7 @@
           <a:sym typeface="Arial"/>
         </a:defRPr>
       </a:lvl7pPr>
-      <a:lvl8pPr lvl="7" marR="0" rtl="0" algn="l">
+      <a:lvl8pPr marR="0" lvl="7" algn="l" rtl="0">
         <a:lnSpc>
           <a:spcPct val="100000"/>
         </a:lnSpc>
@@ -7382,7 +7459,7 @@
           <a:srgbClr val="000000"/>
         </a:buClr>
         <a:buFont typeface="Arial"/>
-        <a:defRPr b="0" i="0" sz="1400" u="none" cap="none" strike="noStrike">
+        <a:defRPr sz="1400" b="0" i="0" u="none" strike="noStrike" cap="none">
           <a:solidFill>
             <a:srgbClr val="000000"/>
           </a:solidFill>
@@ -7392,7 +7469,7 @@
           <a:sym typeface="Arial"/>
         </a:defRPr>
       </a:lvl8pPr>
-      <a:lvl9pPr lvl="8" marR="0" rtl="0" algn="l">
+      <a:lvl9pPr marR="0" lvl="8" algn="l" rtl="0">
         <a:lnSpc>
           <a:spcPct val="100000"/>
         </a:lnSpc>
@@ -7406,7 +7483,7 @@
           <a:srgbClr val="000000"/>
         </a:buClr>
         <a:buFont typeface="Arial"/>
-        <a:defRPr b="0" i="0" sz="1400" u="none" cap="none" strike="noStrike">
+        <a:defRPr sz="1400" b="0" i="0" u="none" strike="noStrike" cap="none">
           <a:solidFill>
             <a:srgbClr val="000000"/>
           </a:solidFill>
@@ -7422,11 +7499,11 @@
 </file>
 
 <file path=ppt/slides/slide1.xml><?xml version="1.0" encoding="utf-8"?>
-<p:sld xmlns:a="http://schemas.openxmlformats.org/drawingml/2006/main" xmlns:r="http://schemas.openxmlformats.org/officeDocument/2006/relationships" xmlns:mc="http://schemas.openxmlformats.org/markup-compatibility/2006" xmlns:mv="urn:schemas-microsoft-com:mac:vml" xmlns:p="http://schemas.openxmlformats.org/presentationml/2006/main" xmlns:c="http://schemas.openxmlformats.org/drawingml/2006/chart" xmlns:dgm="http://schemas.openxmlformats.org/drawingml/2006/diagram" xmlns:o="urn:schemas-microsoft-com:office:office" xmlns:v="urn:schemas-microsoft-com:vml" xmlns:pvml="urn:schemas-microsoft-com:office:powerpoint" xmlns:com="http://schemas.openxmlformats.org/drawingml/2006/compatibility" xmlns:p14="http://schemas.microsoft.com/office/powerpoint/2010/main" xmlns:p15="http://schemas.microsoft.com/office/powerpoint/2012/main">
+<p:sld xmlns:a="http://schemas.openxmlformats.org/drawingml/2006/main" xmlns:r="http://schemas.openxmlformats.org/officeDocument/2006/relationships" xmlns:p="http://schemas.openxmlformats.org/presentationml/2006/main">
   <p:cSld>
     <p:spTree>
       <p:nvGrpSpPr>
-        <p:cNvPr id="58" name="Shape 58"/>
+        <p:cNvPr id="1" name="Shape 58"/>
         <p:cNvGrpSpPr/>
         <p:nvPr/>
       </p:nvGrpSpPr>
@@ -7441,7 +7518,9 @@
       <p:sp>
         <p:nvSpPr>
           <p:cNvPr id="59" name="Google Shape;59;p13"/>
-          <p:cNvSpPr txBox="1"/>
+          <p:cNvSpPr txBox="1">
+            <a:spLocks noGrp="1"/>
+          </p:cNvSpPr>
           <p:nvPr>
             <p:ph type="ctrTitle"/>
           </p:nvPr>
@@ -7456,12 +7535,12 @@
           </a:prstGeom>
         </p:spPr>
         <p:txBody>
-          <a:bodyPr anchorCtr="0" anchor="b" bIns="91425" lIns="91425" spcFirstLastPara="1" rIns="91425" wrap="square" tIns="91425">
+          <a:bodyPr spcFirstLastPara="1" wrap="square" lIns="91425" tIns="91425" rIns="91425" bIns="91425" anchor="b" anchorCtr="0">
             <a:noAutofit/>
           </a:bodyPr>
           <a:lstStyle/>
           <a:p>
-            <a:pPr indent="0" lvl="0" marL="0" rtl="0" algn="ctr">
+            <a:pPr marL="0" lvl="0" indent="0" algn="ctr" rtl="0">
               <a:spcBef>
                 <a:spcPts val="0"/>
               </a:spcBef>
@@ -7481,9 +7560,11 @@
       <p:sp>
         <p:nvSpPr>
           <p:cNvPr id="60" name="Google Shape;60;p13"/>
-          <p:cNvSpPr txBox="1"/>
+          <p:cNvSpPr txBox="1">
+            <a:spLocks noGrp="1"/>
+          </p:cNvSpPr>
           <p:nvPr>
-            <p:ph idx="1" type="subTitle"/>
+            <p:ph type="subTitle" idx="1"/>
           </p:nvPr>
         </p:nvSpPr>
         <p:spPr>
@@ -7496,12 +7577,12 @@
           </a:prstGeom>
         </p:spPr>
         <p:txBody>
-          <a:bodyPr anchorCtr="0" anchor="t" bIns="91425" lIns="91425" spcFirstLastPara="1" rIns="91425" wrap="square" tIns="91425">
+          <a:bodyPr spcFirstLastPara="1" wrap="square" lIns="91425" tIns="91425" rIns="91425" bIns="91425" anchor="t" anchorCtr="0">
             <a:noAutofit/>
           </a:bodyPr>
           <a:lstStyle/>
           <a:p>
-            <a:pPr indent="0" lvl="0" marL="0" rtl="0" algn="ctr">
+            <a:pPr marL="0" lvl="0" indent="0" algn="ctr" rtl="0">
               <a:spcBef>
                 <a:spcPts val="0"/>
               </a:spcBef>
@@ -7517,7 +7598,7 @@
             <a:endParaRPr/>
           </a:p>
           <a:p>
-            <a:pPr indent="0" lvl="0" marL="0" rtl="0" algn="ctr">
+            <a:pPr marL="0" lvl="0" indent="0" algn="ctr" rtl="0">
               <a:spcBef>
                 <a:spcPts val="0"/>
               </a:spcBef>
@@ -7543,11 +7624,11 @@
 </file>
 
 <file path=ppt/slides/slide10.xml><?xml version="1.0" encoding="utf-8"?>
-<p:sld xmlns:a="http://schemas.openxmlformats.org/drawingml/2006/main" xmlns:r="http://schemas.openxmlformats.org/officeDocument/2006/relationships" xmlns:mc="http://schemas.openxmlformats.org/markup-compatibility/2006" xmlns:mv="urn:schemas-microsoft-com:mac:vml" xmlns:p="http://schemas.openxmlformats.org/presentationml/2006/main" xmlns:c="http://schemas.openxmlformats.org/drawingml/2006/chart" xmlns:dgm="http://schemas.openxmlformats.org/drawingml/2006/diagram" xmlns:o="urn:schemas-microsoft-com:office:office" xmlns:v="urn:schemas-microsoft-com:vml" xmlns:pvml="urn:schemas-microsoft-com:office:powerpoint" xmlns:com="http://schemas.openxmlformats.org/drawingml/2006/compatibility" xmlns:p14="http://schemas.microsoft.com/office/powerpoint/2010/main" xmlns:p15="http://schemas.microsoft.com/office/powerpoint/2012/main">
+<p:sld xmlns:a="http://schemas.openxmlformats.org/drawingml/2006/main" xmlns:r="http://schemas.openxmlformats.org/officeDocument/2006/relationships" xmlns:p="http://schemas.openxmlformats.org/presentationml/2006/main">
   <p:cSld>
     <p:spTree>
       <p:nvGrpSpPr>
-        <p:cNvPr id="119" name="Shape 119"/>
+        <p:cNvPr id="1" name="Shape 119"/>
         <p:cNvGrpSpPr/>
         <p:nvPr/>
       </p:nvGrpSpPr>
@@ -7607,12 +7688,12 @@
           </a:ln>
         </p:spPr>
         <p:txBody>
-          <a:bodyPr anchorCtr="0" anchor="t" bIns="91425" lIns="91425" spcFirstLastPara="1" rIns="91425" wrap="square" tIns="91425">
+          <a:bodyPr spcFirstLastPara="1" wrap="square" lIns="91425" tIns="91425" rIns="91425" bIns="91425" anchor="t" anchorCtr="0">
             <a:noAutofit/>
           </a:bodyPr>
           <a:lstStyle/>
           <a:p>
-            <a:pPr indent="-317500" lvl="0" marL="457200" rtl="0" algn="l">
+            <a:pPr marL="457200" lvl="0" indent="-317500" algn="l" rtl="0">
               <a:spcBef>
                 <a:spcPts val="0"/>
               </a:spcBef>
@@ -7649,7 +7730,7 @@
             </a:endParaRPr>
           </a:p>
           <a:p>
-            <a:pPr indent="0" lvl="0" marL="0" rtl="0" algn="l">
+            <a:pPr marL="0" lvl="0" indent="0" algn="l" rtl="0">
               <a:spcBef>
                 <a:spcPts val="0"/>
               </a:spcBef>
@@ -7658,9 +7739,6 @@
               </a:spcAft>
               <a:buNone/>
             </a:pPr>
-            <a:r>
-              <a:t/>
-            </a:r>
             <a:endParaRPr>
               <a:solidFill>
                 <a:srgbClr val="FFFFFF"/>
@@ -7682,11 +7760,11 @@
 </file>
 
 <file path=ppt/slides/slide11.xml><?xml version="1.0" encoding="utf-8"?>
-<p:sld xmlns:a="http://schemas.openxmlformats.org/drawingml/2006/main" xmlns:r="http://schemas.openxmlformats.org/officeDocument/2006/relationships" xmlns:mc="http://schemas.openxmlformats.org/markup-compatibility/2006" xmlns:mv="urn:schemas-microsoft-com:mac:vml" xmlns:p="http://schemas.openxmlformats.org/presentationml/2006/main" xmlns:c="http://schemas.openxmlformats.org/drawingml/2006/chart" xmlns:dgm="http://schemas.openxmlformats.org/drawingml/2006/diagram" xmlns:o="urn:schemas-microsoft-com:office:office" xmlns:v="urn:schemas-microsoft-com:vml" xmlns:pvml="urn:schemas-microsoft-com:office:powerpoint" xmlns:com="http://schemas.openxmlformats.org/drawingml/2006/compatibility" xmlns:p14="http://schemas.microsoft.com/office/powerpoint/2010/main" xmlns:p15="http://schemas.microsoft.com/office/powerpoint/2012/main">
+<p:sld xmlns:a="http://schemas.openxmlformats.org/drawingml/2006/main" xmlns:r="http://schemas.openxmlformats.org/officeDocument/2006/relationships" xmlns:p="http://schemas.openxmlformats.org/presentationml/2006/main">
   <p:cSld>
     <p:spTree>
       <p:nvGrpSpPr>
-        <p:cNvPr id="125" name="Shape 125"/>
+        <p:cNvPr id="1" name="Shape 125"/>
         <p:cNvGrpSpPr/>
         <p:nvPr/>
       </p:nvGrpSpPr>
@@ -7734,7 +7812,7 @@
         </p:nvSpPr>
         <p:spPr>
           <a:xfrm>
-            <a:off x="5170100" y="1049975"/>
+            <a:off x="5146246" y="1789446"/>
             <a:ext cx="2950500" cy="1834200"/>
           </a:xfrm>
           <a:prstGeom prst="rect">
@@ -7746,12 +7824,12 @@
           </a:ln>
         </p:spPr>
         <p:txBody>
-          <a:bodyPr anchorCtr="0" anchor="t" bIns="91425" lIns="91425" spcFirstLastPara="1" rIns="91425" wrap="square" tIns="91425">
+          <a:bodyPr spcFirstLastPara="1" wrap="square" lIns="91425" tIns="91425" rIns="91425" bIns="91425" anchor="t" anchorCtr="0">
             <a:noAutofit/>
           </a:bodyPr>
           <a:lstStyle/>
           <a:p>
-            <a:pPr indent="-317500" lvl="0" marL="457200" rtl="0" algn="l">
+            <a:pPr marL="457200" lvl="0" indent="-317500" algn="l" rtl="0">
               <a:spcBef>
                 <a:spcPts val="0"/>
               </a:spcBef>
@@ -7766,7 +7844,7 @@
               <a:buChar char="-"/>
             </a:pPr>
             <a:r>
-              <a:rPr lang="en">
+              <a:rPr lang="en" dirty="0">
                 <a:solidFill>
                   <a:srgbClr val="FFFFFF"/>
                 </a:solidFill>
@@ -7777,7 +7855,7 @@
               </a:rPr>
               <a:t>Slightly more female deaths than male (consistent in both cites)</a:t>
             </a:r>
-            <a:endParaRPr>
+            <a:endParaRPr dirty="0">
               <a:solidFill>
                 <a:srgbClr val="FFFFFF"/>
               </a:solidFill>
@@ -7788,7 +7866,7 @@
             </a:endParaRPr>
           </a:p>
           <a:p>
-            <a:pPr indent="-317500" lvl="0" marL="457200" rtl="0" algn="l">
+            <a:pPr marL="457200" lvl="0" indent="-317500" algn="l" rtl="0">
               <a:spcBef>
                 <a:spcPts val="0"/>
               </a:spcBef>
@@ -7803,7 +7881,7 @@
               <a:buChar char="-"/>
             </a:pPr>
             <a:r>
-              <a:rPr lang="en">
+              <a:rPr lang="en" dirty="0">
                 <a:solidFill>
                   <a:srgbClr val="FFFFFF"/>
                 </a:solidFill>
@@ -7814,7 +7892,7 @@
               </a:rPr>
               <a:t>Interesting finding due to the equal numbers of female and male data collected</a:t>
             </a:r>
-            <a:endParaRPr>
+            <a:endParaRPr dirty="0">
               <a:solidFill>
                 <a:srgbClr val="FFFFFF"/>
               </a:solidFill>
@@ -7835,11 +7913,11 @@
 </file>
 
 <file path=ppt/slides/slide12.xml><?xml version="1.0" encoding="utf-8"?>
-<p:sld xmlns:a="http://schemas.openxmlformats.org/drawingml/2006/main" xmlns:r="http://schemas.openxmlformats.org/officeDocument/2006/relationships" xmlns:mc="http://schemas.openxmlformats.org/markup-compatibility/2006" xmlns:mv="urn:schemas-microsoft-com:mac:vml" xmlns:p="http://schemas.openxmlformats.org/presentationml/2006/main" xmlns:c="http://schemas.openxmlformats.org/drawingml/2006/chart" xmlns:dgm="http://schemas.openxmlformats.org/drawingml/2006/diagram" xmlns:o="urn:schemas-microsoft-com:office:office" xmlns:v="urn:schemas-microsoft-com:vml" xmlns:pvml="urn:schemas-microsoft-com:office:powerpoint" xmlns:com="http://schemas.openxmlformats.org/drawingml/2006/compatibility" xmlns:p14="http://schemas.microsoft.com/office/powerpoint/2010/main" xmlns:p15="http://schemas.microsoft.com/office/powerpoint/2012/main">
+<p:sld xmlns:a="http://schemas.openxmlformats.org/drawingml/2006/main" xmlns:r="http://schemas.openxmlformats.org/officeDocument/2006/relationships" xmlns:p="http://schemas.openxmlformats.org/presentationml/2006/main">
   <p:cSld>
     <p:spTree>
       <p:nvGrpSpPr>
-        <p:cNvPr id="131" name="Shape 131"/>
+        <p:cNvPr id="1" name="Shape 131"/>
         <p:cNvGrpSpPr/>
         <p:nvPr/>
       </p:nvGrpSpPr>
@@ -7899,12 +7977,12 @@
           </a:ln>
         </p:spPr>
         <p:txBody>
-          <a:bodyPr anchorCtr="0" anchor="t" bIns="91425" lIns="91425" spcFirstLastPara="1" rIns="91425" wrap="square" tIns="91425">
+          <a:bodyPr spcFirstLastPara="1" wrap="square" lIns="91425" tIns="91425" rIns="91425" bIns="91425" anchor="t" anchorCtr="0">
             <a:noAutofit/>
           </a:bodyPr>
           <a:lstStyle/>
           <a:p>
-            <a:pPr indent="-317500" lvl="0" marL="457200" rtl="0" algn="l">
+            <a:pPr marL="457200" lvl="0" indent="-317500" algn="l" rtl="0">
               <a:spcBef>
                 <a:spcPts val="0"/>
               </a:spcBef>
@@ -7941,7 +8019,7 @@
             </a:endParaRPr>
           </a:p>
           <a:p>
-            <a:pPr indent="-317500" lvl="0" marL="457200" rtl="0" algn="l">
+            <a:pPr marL="457200" lvl="0" indent="-317500" algn="l" rtl="0">
               <a:spcBef>
                 <a:spcPts val="0"/>
               </a:spcBef>
@@ -7988,11 +8066,11 @@
 </file>
 
 <file path=ppt/slides/slide13.xml><?xml version="1.0" encoding="utf-8"?>
-<p:sld xmlns:a="http://schemas.openxmlformats.org/drawingml/2006/main" xmlns:r="http://schemas.openxmlformats.org/officeDocument/2006/relationships" xmlns:mc="http://schemas.openxmlformats.org/markup-compatibility/2006" xmlns:mv="urn:schemas-microsoft-com:mac:vml" xmlns:p="http://schemas.openxmlformats.org/presentationml/2006/main" xmlns:c="http://schemas.openxmlformats.org/drawingml/2006/chart" xmlns:dgm="http://schemas.openxmlformats.org/drawingml/2006/diagram" xmlns:o="urn:schemas-microsoft-com:office:office" xmlns:v="urn:schemas-microsoft-com:vml" xmlns:pvml="urn:schemas-microsoft-com:office:powerpoint" xmlns:com="http://schemas.openxmlformats.org/drawingml/2006/compatibility" xmlns:p14="http://schemas.microsoft.com/office/powerpoint/2010/main" xmlns:p15="http://schemas.microsoft.com/office/powerpoint/2012/main">
+<p:sld xmlns:a="http://schemas.openxmlformats.org/drawingml/2006/main" xmlns:r="http://schemas.openxmlformats.org/officeDocument/2006/relationships" xmlns:p="http://schemas.openxmlformats.org/presentationml/2006/main">
   <p:cSld>
     <p:spTree>
       <p:nvGrpSpPr>
-        <p:cNvPr id="137" name="Shape 137"/>
+        <p:cNvPr id="1" name="Shape 137"/>
         <p:cNvGrpSpPr/>
         <p:nvPr/>
       </p:nvGrpSpPr>
@@ -8069,164 +8147,11 @@
 </file>
 
 <file path=ppt/slides/slide14.xml><?xml version="1.0" encoding="utf-8"?>
-<p:sld xmlns:a="http://schemas.openxmlformats.org/drawingml/2006/main" xmlns:r="http://schemas.openxmlformats.org/officeDocument/2006/relationships" xmlns:mc="http://schemas.openxmlformats.org/markup-compatibility/2006" xmlns:mv="urn:schemas-microsoft-com:mac:vml" xmlns:p="http://schemas.openxmlformats.org/presentationml/2006/main" xmlns:c="http://schemas.openxmlformats.org/drawingml/2006/chart" xmlns:dgm="http://schemas.openxmlformats.org/drawingml/2006/diagram" xmlns:o="urn:schemas-microsoft-com:office:office" xmlns:v="urn:schemas-microsoft-com:vml" xmlns:pvml="urn:schemas-microsoft-com:office:powerpoint" xmlns:com="http://schemas.openxmlformats.org/drawingml/2006/compatibility" xmlns:p14="http://schemas.microsoft.com/office/powerpoint/2010/main" xmlns:p15="http://schemas.microsoft.com/office/powerpoint/2012/main">
+<p:sld xmlns:a="http://schemas.openxmlformats.org/drawingml/2006/main" xmlns:r="http://schemas.openxmlformats.org/officeDocument/2006/relationships" xmlns:p="http://schemas.openxmlformats.org/presentationml/2006/main">
   <p:cSld>
     <p:spTree>
       <p:nvGrpSpPr>
-        <p:cNvPr id="143" name="Shape 143"/>
-        <p:cNvGrpSpPr/>
-        <p:nvPr/>
-      </p:nvGrpSpPr>
-      <p:grpSpPr>
-        <a:xfrm>
-          <a:off x="0" y="0"/>
-          <a:ext cx="0" cy="0"/>
-          <a:chOff x="0" y="0"/>
-          <a:chExt cx="0" cy="0"/>
-        </a:xfrm>
-      </p:grpSpPr>
-      <p:pic>
-        <p:nvPicPr>
-          <p:cNvPr id="144" name="Google Shape;144;p26"/>
-          <p:cNvPicPr preferRelativeResize="0"/>
-          <p:nvPr/>
-        </p:nvPicPr>
-        <p:blipFill>
-          <a:blip r:embed="rId3">
-            <a:alphaModFix/>
-          </a:blip>
-          <a:stretch>
-            <a:fillRect/>
-          </a:stretch>
-        </p:blipFill>
-        <p:spPr>
-          <a:xfrm>
-            <a:off x="290838" y="477088"/>
-            <a:ext cx="4248847" cy="4189316"/>
-          </a:xfrm>
-          <a:prstGeom prst="rect">
-            <a:avLst/>
-          </a:prstGeom>
-          <a:noFill/>
-          <a:ln>
-            <a:noFill/>
-          </a:ln>
-        </p:spPr>
-      </p:pic>
-      <p:sp>
-        <p:nvSpPr>
-          <p:cNvPr id="145" name="Google Shape;145;p26"/>
-          <p:cNvSpPr txBox="1"/>
-          <p:nvPr/>
-        </p:nvSpPr>
-        <p:spPr>
-          <a:xfrm>
-            <a:off x="5264825" y="2040300"/>
-            <a:ext cx="2906100" cy="1062900"/>
-          </a:xfrm>
-          <a:prstGeom prst="rect">
-            <a:avLst/>
-          </a:prstGeom>
-          <a:noFill/>
-          <a:ln>
-            <a:noFill/>
-          </a:ln>
-        </p:spPr>
-        <p:txBody>
-          <a:bodyPr anchorCtr="0" anchor="t" bIns="91425" lIns="91425" spcFirstLastPara="1" rIns="91425" wrap="square" tIns="91425">
-            <a:noAutofit/>
-          </a:bodyPr>
-          <a:lstStyle/>
-          <a:p>
-            <a:pPr indent="-317500" lvl="0" marL="457200" rtl="0" algn="l">
-              <a:spcBef>
-                <a:spcPts val="0"/>
-              </a:spcBef>
-              <a:spcAft>
-                <a:spcPts val="0"/>
-              </a:spcAft>
-              <a:buClr>
-                <a:srgbClr val="FFFFFF"/>
-              </a:buClr>
-              <a:buSzPts val="1400"/>
-              <a:buFont typeface="Average"/>
-              <a:buChar char="-"/>
-            </a:pPr>
-            <a:r>
-              <a:rPr lang="en">
-                <a:solidFill>
-                  <a:srgbClr val="FFFFFF"/>
-                </a:solidFill>
-                <a:latin typeface="Average"/>
-                <a:ea typeface="Average"/>
-                <a:cs typeface="Average"/>
-                <a:sym typeface="Average"/>
-              </a:rPr>
-              <a:t>deaths among older females goes down</a:t>
-            </a:r>
-            <a:endParaRPr>
-              <a:solidFill>
-                <a:srgbClr val="FFFFFF"/>
-              </a:solidFill>
-              <a:latin typeface="Average"/>
-              <a:ea typeface="Average"/>
-              <a:cs typeface="Average"/>
-              <a:sym typeface="Average"/>
-            </a:endParaRPr>
-          </a:p>
-          <a:p>
-            <a:pPr indent="-317500" lvl="0" marL="457200" rtl="0" algn="l">
-              <a:spcBef>
-                <a:spcPts val="0"/>
-              </a:spcBef>
-              <a:spcAft>
-                <a:spcPts val="0"/>
-              </a:spcAft>
-              <a:buClr>
-                <a:srgbClr val="FFFFFF"/>
-              </a:buClr>
-              <a:buSzPts val="1400"/>
-              <a:buFont typeface="Average"/>
-              <a:buChar char="-"/>
-            </a:pPr>
-            <a:r>
-              <a:rPr lang="en">
-                <a:solidFill>
-                  <a:srgbClr val="FFFFFF"/>
-                </a:solidFill>
-                <a:latin typeface="Average"/>
-                <a:ea typeface="Average"/>
-                <a:cs typeface="Average"/>
-                <a:sym typeface="Average"/>
-              </a:rPr>
-              <a:t>deaths among younger females goes up</a:t>
-            </a:r>
-            <a:endParaRPr>
-              <a:solidFill>
-                <a:srgbClr val="FFFFFF"/>
-              </a:solidFill>
-              <a:latin typeface="Average"/>
-              <a:ea typeface="Average"/>
-              <a:cs typeface="Average"/>
-              <a:sym typeface="Average"/>
-            </a:endParaRPr>
-          </a:p>
-        </p:txBody>
-      </p:sp>
-    </p:spTree>
-  </p:cSld>
-  <p:clrMapOvr>
-    <a:masterClrMapping/>
-  </p:clrMapOvr>
-</p:sld>
-</file>
-
-<file path=ppt/slides/slide15.xml><?xml version="1.0" encoding="utf-8"?>
-<p:sld xmlns:a="http://schemas.openxmlformats.org/drawingml/2006/main" xmlns:r="http://schemas.openxmlformats.org/officeDocument/2006/relationships" xmlns:mc="http://schemas.openxmlformats.org/markup-compatibility/2006" xmlns:mv="urn:schemas-microsoft-com:mac:vml" xmlns:p="http://schemas.openxmlformats.org/presentationml/2006/main" xmlns:c="http://schemas.openxmlformats.org/drawingml/2006/chart" xmlns:dgm="http://schemas.openxmlformats.org/drawingml/2006/diagram" xmlns:o="urn:schemas-microsoft-com:office:office" xmlns:v="urn:schemas-microsoft-com:vml" xmlns:pvml="urn:schemas-microsoft-com:office:powerpoint" xmlns:com="http://schemas.openxmlformats.org/drawingml/2006/compatibility" xmlns:p14="http://schemas.microsoft.com/office/powerpoint/2010/main" xmlns:p15="http://schemas.microsoft.com/office/powerpoint/2012/main">
-  <p:cSld>
-    <p:spTree>
-      <p:nvGrpSpPr>
-        <p:cNvPr id="149" name="Shape 149"/>
+        <p:cNvPr id="1" name="Shape 149"/>
         <p:cNvGrpSpPr/>
         <p:nvPr/>
       </p:nvGrpSpPr>
@@ -8241,7 +8166,9 @@
       <p:sp>
         <p:nvSpPr>
           <p:cNvPr id="150" name="Google Shape;150;p27"/>
-          <p:cNvSpPr txBox="1"/>
+          <p:cNvSpPr txBox="1">
+            <a:spLocks noGrp="1"/>
+          </p:cNvSpPr>
           <p:nvPr>
             <p:ph type="title"/>
           </p:nvPr>
@@ -8256,12 +8183,12 @@
           </a:prstGeom>
         </p:spPr>
         <p:txBody>
-          <a:bodyPr anchorCtr="0" anchor="t" bIns="91425" lIns="91425" spcFirstLastPara="1" rIns="91425" wrap="square" tIns="91425">
+          <a:bodyPr spcFirstLastPara="1" wrap="square" lIns="91425" tIns="91425" rIns="91425" bIns="91425" anchor="t" anchorCtr="0">
             <a:noAutofit/>
           </a:bodyPr>
           <a:lstStyle/>
           <a:p>
-            <a:pPr indent="0" lvl="0" marL="0" rtl="0" algn="ctr">
+            <a:pPr marL="0" lvl="0" indent="0" algn="ctr" rtl="0">
               <a:spcBef>
                 <a:spcPts val="0"/>
               </a:spcBef>
@@ -8281,9 +8208,11 @@
       <p:sp>
         <p:nvSpPr>
           <p:cNvPr id="151" name="Google Shape;151;p27"/>
-          <p:cNvSpPr txBox="1"/>
+          <p:cNvSpPr txBox="1">
+            <a:spLocks noGrp="1"/>
+          </p:cNvSpPr>
           <p:nvPr>
-            <p:ph idx="1" type="body"/>
+            <p:ph type="body" idx="1"/>
           </p:nvPr>
         </p:nvSpPr>
         <p:spPr>
@@ -8296,12 +8225,12 @@
           </a:prstGeom>
         </p:spPr>
         <p:txBody>
-          <a:bodyPr anchorCtr="0" anchor="t" bIns="91425" lIns="91425" spcFirstLastPara="1" rIns="91425" wrap="square" tIns="91425">
+          <a:bodyPr spcFirstLastPara="1" wrap="square" lIns="91425" tIns="91425" rIns="91425" bIns="91425" anchor="t" anchorCtr="0">
             <a:noAutofit/>
           </a:bodyPr>
           <a:lstStyle/>
           <a:p>
-            <a:pPr indent="-342900" lvl="0" marL="457200" rtl="0" algn="l">
+            <a:pPr marL="457200" lvl="0" indent="-342900" algn="l" rtl="0">
               <a:lnSpc>
                 <a:spcPct val="200000"/>
               </a:lnSpc>
@@ -8332,7 +8261,7 @@
             </a:endParaRPr>
           </a:p>
           <a:p>
-            <a:pPr indent="-342900" lvl="0" marL="457200" rtl="0" algn="l">
+            <a:pPr marL="457200" lvl="0" indent="-342900" algn="l" rtl="0">
               <a:lnSpc>
                 <a:spcPct val="200000"/>
               </a:lnSpc>
@@ -8354,23 +8283,7 @@
                   <a:srgbClr val="FFFFFF"/>
                 </a:solidFill>
               </a:rPr>
-              <a:t>Data from the 1950’s - 1980’s is still </a:t>
-            </a:r>
-            <a:r>
-              <a:rPr lang="en">
-                <a:solidFill>
-                  <a:srgbClr val="FFFFFF"/>
-                </a:solidFill>
-              </a:rPr>
-              <a:t>accessible</a:t>
-            </a:r>
-            <a:r>
-              <a:rPr lang="en">
-                <a:solidFill>
-                  <a:srgbClr val="FFFFFF"/>
-                </a:solidFill>
-              </a:rPr>
-              <a:t> (with some difficulties)</a:t>
+              <a:t>Data from the 1950’s - 1980’s is still accessible (with some difficulties)</a:t>
             </a:r>
             <a:endParaRPr>
               <a:solidFill>
@@ -8379,7 +8292,7 @@
             </a:endParaRPr>
           </a:p>
           <a:p>
-            <a:pPr indent="-342900" lvl="0" marL="457200" rtl="0" algn="l">
+            <a:pPr marL="457200" lvl="0" indent="-342900" algn="l" rtl="0">
               <a:lnSpc>
                 <a:spcPct val="200000"/>
               </a:lnSpc>
@@ -8410,7 +8323,7 @@
             </a:endParaRPr>
           </a:p>
           <a:p>
-            <a:pPr indent="-342900" lvl="0" marL="457200" rtl="0" algn="l">
+            <a:pPr marL="457200" lvl="0" indent="-342900" algn="l" rtl="0">
               <a:lnSpc>
                 <a:spcPct val="200000"/>
               </a:lnSpc>
@@ -8458,7 +8371,7 @@
         </p:blipFill>
         <p:spPr>
           <a:xfrm>
-            <a:off x="991550" y="3258800"/>
+            <a:off x="991550" y="3362167"/>
             <a:ext cx="6330651" cy="1687525"/>
           </a:xfrm>
           <a:prstGeom prst="rect">
@@ -8479,11 +8392,11 @@
 </file>
 
 <file path=ppt/slides/slide2.xml><?xml version="1.0" encoding="utf-8"?>
-<p:sld xmlns:a="http://schemas.openxmlformats.org/drawingml/2006/main" xmlns:r="http://schemas.openxmlformats.org/officeDocument/2006/relationships" xmlns:mc="http://schemas.openxmlformats.org/markup-compatibility/2006" xmlns:mv="urn:schemas-microsoft-com:mac:vml" xmlns:p="http://schemas.openxmlformats.org/presentationml/2006/main" xmlns:c="http://schemas.openxmlformats.org/drawingml/2006/chart" xmlns:dgm="http://schemas.openxmlformats.org/drawingml/2006/diagram" xmlns:o="urn:schemas-microsoft-com:office:office" xmlns:v="urn:schemas-microsoft-com:vml" xmlns:pvml="urn:schemas-microsoft-com:office:powerpoint" xmlns:com="http://schemas.openxmlformats.org/drawingml/2006/compatibility" xmlns:p14="http://schemas.microsoft.com/office/powerpoint/2010/main" xmlns:p15="http://schemas.microsoft.com/office/powerpoint/2012/main">
+<p:sld xmlns:a="http://schemas.openxmlformats.org/drawingml/2006/main" xmlns:r="http://schemas.openxmlformats.org/officeDocument/2006/relationships" xmlns:p="http://schemas.openxmlformats.org/presentationml/2006/main">
   <p:cSld>
     <p:spTree>
       <p:nvGrpSpPr>
-        <p:cNvPr id="64" name="Shape 64"/>
+        <p:cNvPr id="1" name="Shape 64"/>
         <p:cNvGrpSpPr/>
         <p:nvPr/>
       </p:nvGrpSpPr>
@@ -8498,9 +8411,11 @@
       <p:sp>
         <p:nvSpPr>
           <p:cNvPr id="65" name="Google Shape;65;p14"/>
-          <p:cNvSpPr txBox="1"/>
+          <p:cNvSpPr txBox="1">
+            <a:spLocks noGrp="1"/>
+          </p:cNvSpPr>
           <p:nvPr>
-            <p:ph idx="1" type="subTitle"/>
+            <p:ph type="subTitle" idx="1"/>
           </p:nvPr>
         </p:nvSpPr>
         <p:spPr>
@@ -8513,12 +8428,12 @@
           </a:prstGeom>
         </p:spPr>
         <p:txBody>
-          <a:bodyPr anchorCtr="0" anchor="t" bIns="91425" lIns="91425" spcFirstLastPara="1" rIns="91425" wrap="square" tIns="91425">
+          <a:bodyPr spcFirstLastPara="1" wrap="square" lIns="91425" tIns="91425" rIns="91425" bIns="91425" anchor="t" anchorCtr="0">
             <a:noAutofit/>
           </a:bodyPr>
           <a:lstStyle/>
           <a:p>
-            <a:pPr indent="0" lvl="0" marL="0" rtl="0" algn="ctr">
+            <a:pPr marL="0" lvl="0" indent="0" algn="ctr" rtl="0">
               <a:spcBef>
                 <a:spcPts val="0"/>
               </a:spcBef>
@@ -8571,12 +8486,12 @@
           </a:ln>
         </p:spPr>
         <p:txBody>
-          <a:bodyPr anchorCtr="0" anchor="t" bIns="91425" lIns="91425" spcFirstLastPara="1" rIns="91425" wrap="square" tIns="91425">
+          <a:bodyPr spcFirstLastPara="1" wrap="square" lIns="91425" tIns="91425" rIns="91425" bIns="91425" anchor="t" anchorCtr="0">
             <a:noAutofit/>
           </a:bodyPr>
           <a:lstStyle/>
           <a:p>
-            <a:pPr indent="-317500" lvl="0" marL="457200" rtl="0" algn="l">
+            <a:pPr marL="457200" lvl="0" indent="-317500" algn="l" rtl="0">
               <a:spcBef>
                 <a:spcPts val="0"/>
               </a:spcBef>
@@ -8613,7 +8528,7 @@
             </a:endParaRPr>
           </a:p>
           <a:p>
-            <a:pPr indent="-317500" lvl="0" marL="457200" rtl="0" algn="l">
+            <a:pPr marL="457200" lvl="0" indent="-317500" algn="l" rtl="0">
               <a:spcBef>
                 <a:spcPts val="0"/>
               </a:spcBef>
@@ -8650,7 +8565,7 @@
             </a:endParaRPr>
           </a:p>
           <a:p>
-            <a:pPr indent="-317500" lvl="1" marL="914400" rtl="0" algn="l">
+            <a:pPr marL="914400" lvl="1" indent="-317500" algn="l" rtl="0">
               <a:spcBef>
                 <a:spcPts val="0"/>
               </a:spcBef>
@@ -8687,7 +8602,7 @@
             </a:endParaRPr>
           </a:p>
           <a:p>
-            <a:pPr indent="-317500" lvl="0" marL="457200" rtl="0" algn="l">
+            <a:pPr marL="457200" lvl="0" indent="-317500" algn="l" rtl="0">
               <a:spcBef>
                 <a:spcPts val="0"/>
               </a:spcBef>
@@ -8724,7 +8639,7 @@
             </a:endParaRPr>
           </a:p>
           <a:p>
-            <a:pPr indent="-317500" lvl="1" marL="914400" rtl="0" algn="l">
+            <a:pPr marL="914400" lvl="1" indent="-317500" algn="l" rtl="0">
               <a:spcBef>
                 <a:spcPts val="0"/>
               </a:spcBef>
@@ -8761,7 +8676,7 @@
             </a:endParaRPr>
           </a:p>
           <a:p>
-            <a:pPr indent="0" lvl="0" marL="457200" rtl="0" algn="l">
+            <a:pPr marL="457200" lvl="0" indent="0" algn="l" rtl="0">
               <a:spcBef>
                 <a:spcPts val="0"/>
               </a:spcBef>
@@ -8770,9 +8685,6 @@
               </a:spcAft>
               <a:buNone/>
             </a:pPr>
-            <a:r>
-              <a:t/>
-            </a:r>
             <a:endParaRPr>
               <a:solidFill>
                 <a:srgbClr val="FFFFFF"/>
@@ -8784,7 +8696,7 @@
             </a:endParaRPr>
           </a:p>
           <a:p>
-            <a:pPr indent="0" lvl="0" marL="0" rtl="0" algn="l">
+            <a:pPr marL="0" lvl="0" indent="0" algn="l" rtl="0">
               <a:spcBef>
                 <a:spcPts val="0"/>
               </a:spcBef>
@@ -8793,9 +8705,6 @@
               </a:spcAft>
               <a:buNone/>
             </a:pPr>
-            <a:r>
-              <a:t/>
-            </a:r>
             <a:endParaRPr>
               <a:solidFill>
                 <a:srgbClr val="FFFFFF"/>
@@ -8828,12 +8737,12 @@
           </a:ln>
         </p:spPr>
         <p:txBody>
-          <a:bodyPr anchorCtr="0" anchor="t" bIns="91425" lIns="91425" spcFirstLastPara="1" rIns="91425" wrap="square" tIns="91425">
+          <a:bodyPr spcFirstLastPara="1" wrap="square" lIns="91425" tIns="91425" rIns="91425" bIns="91425" anchor="t" anchorCtr="0">
             <a:noAutofit/>
           </a:bodyPr>
           <a:lstStyle/>
           <a:p>
-            <a:pPr indent="-317500" lvl="0" marL="457200" rtl="0" algn="l">
+            <a:pPr marL="457200" lvl="0" indent="-317500" algn="l" rtl="0">
               <a:spcBef>
                 <a:spcPts val="0"/>
               </a:spcBef>
@@ -8870,7 +8779,7 @@
             </a:endParaRPr>
           </a:p>
           <a:p>
-            <a:pPr indent="-317500" lvl="1" marL="914400" rtl="0" algn="l">
+            <a:pPr marL="914400" lvl="1" indent="-317500" algn="l" rtl="0">
               <a:spcBef>
                 <a:spcPts val="0"/>
               </a:spcBef>
@@ -8907,7 +8816,7 @@
             </a:endParaRPr>
           </a:p>
           <a:p>
-            <a:pPr indent="-317500" lvl="1" marL="914400" rtl="0" algn="l">
+            <a:pPr marL="914400" lvl="1" indent="-317500" algn="l" rtl="0">
               <a:spcBef>
                 <a:spcPts val="0"/>
               </a:spcBef>
@@ -8990,12 +8899,12 @@
           </a:ln>
         </p:spPr>
         <p:txBody>
-          <a:bodyPr anchorCtr="0" anchor="t" bIns="91425" lIns="91425" spcFirstLastPara="1" rIns="91425" wrap="square" tIns="91425">
+          <a:bodyPr spcFirstLastPara="1" wrap="square" lIns="91425" tIns="91425" rIns="91425" bIns="91425" anchor="t" anchorCtr="0">
             <a:noAutofit/>
           </a:bodyPr>
           <a:lstStyle/>
           <a:p>
-            <a:pPr indent="0" lvl="0" marL="0" rtl="0" algn="l">
+            <a:pPr marL="0" lvl="0" indent="0" algn="l" rtl="0">
               <a:spcBef>
                 <a:spcPts val="0"/>
               </a:spcBef>
@@ -9061,12 +8970,12 @@
           </a:ln>
         </p:spPr>
         <p:txBody>
-          <a:bodyPr anchorCtr="0" anchor="t" bIns="91425" lIns="91425" spcFirstLastPara="1" rIns="91425" wrap="square" tIns="91425">
+          <a:bodyPr spcFirstLastPara="1" wrap="square" lIns="91425" tIns="91425" rIns="91425" bIns="91425" anchor="t" anchorCtr="0">
             <a:noAutofit/>
           </a:bodyPr>
           <a:lstStyle/>
           <a:p>
-            <a:pPr indent="0" lvl="0" marL="0" rtl="0" algn="l">
+            <a:pPr marL="0" lvl="0" indent="0" algn="l" rtl="0">
               <a:spcBef>
                 <a:spcPts val="0"/>
               </a:spcBef>
@@ -9121,11 +9030,11 @@
 </file>
 
 <file path=ppt/slides/slide3.xml><?xml version="1.0" encoding="utf-8"?>
-<p:sld xmlns:a="http://schemas.openxmlformats.org/drawingml/2006/main" xmlns:r="http://schemas.openxmlformats.org/officeDocument/2006/relationships" xmlns:mc="http://schemas.openxmlformats.org/markup-compatibility/2006" xmlns:mv="urn:schemas-microsoft-com:mac:vml" xmlns:p="http://schemas.openxmlformats.org/presentationml/2006/main" xmlns:c="http://schemas.openxmlformats.org/drawingml/2006/chart" xmlns:dgm="http://schemas.openxmlformats.org/drawingml/2006/diagram" xmlns:o="urn:schemas-microsoft-com:office:office" xmlns:v="urn:schemas-microsoft-com:vml" xmlns:pvml="urn:schemas-microsoft-com:office:powerpoint" xmlns:com="http://schemas.openxmlformats.org/drawingml/2006/compatibility" xmlns:p14="http://schemas.microsoft.com/office/powerpoint/2010/main" xmlns:p15="http://schemas.microsoft.com/office/powerpoint/2012/main">
+<p:sld xmlns:a="http://schemas.openxmlformats.org/drawingml/2006/main" xmlns:r="http://schemas.openxmlformats.org/officeDocument/2006/relationships" xmlns:p="http://schemas.openxmlformats.org/presentationml/2006/main">
   <p:cSld>
     <p:spTree>
       <p:nvGrpSpPr>
-        <p:cNvPr id="74" name="Shape 74"/>
+        <p:cNvPr id="1" name="Shape 74"/>
         <p:cNvGrpSpPr/>
         <p:nvPr/>
       </p:nvGrpSpPr>
@@ -9140,7 +9049,9 @@
       <p:sp>
         <p:nvSpPr>
           <p:cNvPr id="75" name="Google Shape;75;p15"/>
-          <p:cNvSpPr txBox="1"/>
+          <p:cNvSpPr txBox="1">
+            <a:spLocks noGrp="1"/>
+          </p:cNvSpPr>
           <p:nvPr>
             <p:ph type="ctrTitle"/>
           </p:nvPr>
@@ -9155,12 +9066,12 @@
           </a:prstGeom>
         </p:spPr>
         <p:txBody>
-          <a:bodyPr anchorCtr="0" anchor="b" bIns="91425" lIns="91425" spcFirstLastPara="1" rIns="91425" wrap="square" tIns="91425">
+          <a:bodyPr spcFirstLastPara="1" wrap="square" lIns="91425" tIns="91425" rIns="91425" bIns="91425" anchor="b" anchorCtr="0">
             <a:noAutofit/>
           </a:bodyPr>
           <a:lstStyle/>
           <a:p>
-            <a:pPr indent="0" lvl="0" marL="0" rtl="0" algn="ctr">
+            <a:pPr marL="0" lvl="0" indent="0" algn="ctr" rtl="0">
               <a:spcBef>
                 <a:spcPts val="0"/>
               </a:spcBef>
@@ -9197,12 +9108,12 @@
           </a:ln>
         </p:spPr>
         <p:txBody>
-          <a:bodyPr anchorCtr="0" anchor="t" bIns="91425" lIns="91425" spcFirstLastPara="1" rIns="91425" wrap="square" tIns="91425">
+          <a:bodyPr spcFirstLastPara="1" wrap="square" lIns="91425" tIns="91425" rIns="91425" bIns="91425" anchor="t" anchorCtr="0">
             <a:noAutofit/>
           </a:bodyPr>
           <a:lstStyle/>
           <a:p>
-            <a:pPr indent="-317500" lvl="0" marL="457200" rtl="0" algn="l">
+            <a:pPr marL="457200" lvl="0" indent="-317500" algn="l" rtl="0">
               <a:spcBef>
                 <a:spcPts val="0"/>
               </a:spcBef>
@@ -9239,7 +9150,7 @@
             </a:endParaRPr>
           </a:p>
           <a:p>
-            <a:pPr indent="0" lvl="0" marL="457200" rtl="0" algn="l">
+            <a:pPr marL="457200" lvl="0" indent="0" algn="l" rtl="0">
               <a:spcBef>
                 <a:spcPts val="0"/>
               </a:spcBef>
@@ -9248,9 +9159,6 @@
               </a:spcAft>
               <a:buNone/>
             </a:pPr>
-            <a:r>
-              <a:t/>
-            </a:r>
             <a:endParaRPr>
               <a:solidFill>
                 <a:srgbClr val="FFFFFF"/>
@@ -9262,7 +9170,7 @@
             </a:endParaRPr>
           </a:p>
           <a:p>
-            <a:pPr indent="-317500" lvl="0" marL="457200" rtl="0" algn="l">
+            <a:pPr marL="457200" lvl="0" indent="-317500" algn="l" rtl="0">
               <a:spcBef>
                 <a:spcPts val="0"/>
               </a:spcBef>
@@ -9299,7 +9207,7 @@
             </a:endParaRPr>
           </a:p>
           <a:p>
-            <a:pPr indent="0" lvl="0" marL="457200" rtl="0" algn="l">
+            <a:pPr marL="457200" lvl="0" indent="0" algn="l" rtl="0">
               <a:spcBef>
                 <a:spcPts val="0"/>
               </a:spcBef>
@@ -9308,9 +9216,6 @@
               </a:spcAft>
               <a:buNone/>
             </a:pPr>
-            <a:r>
-              <a:t/>
-            </a:r>
             <a:endParaRPr>
               <a:solidFill>
                 <a:srgbClr val="FFFFFF"/>
@@ -9322,7 +9227,7 @@
             </a:endParaRPr>
           </a:p>
           <a:p>
-            <a:pPr indent="-317500" lvl="0" marL="457200" rtl="0" algn="l">
+            <a:pPr marL="457200" lvl="0" indent="-317500" algn="l" rtl="0">
               <a:spcBef>
                 <a:spcPts val="0"/>
               </a:spcBef>
@@ -9369,11 +9274,11 @@
 </file>
 
 <file path=ppt/slides/slide4.xml><?xml version="1.0" encoding="utf-8"?>
-<p:sld xmlns:a="http://schemas.openxmlformats.org/drawingml/2006/main" xmlns:r="http://schemas.openxmlformats.org/officeDocument/2006/relationships" xmlns:mc="http://schemas.openxmlformats.org/markup-compatibility/2006" xmlns:mv="urn:schemas-microsoft-com:mac:vml" xmlns:p="http://schemas.openxmlformats.org/presentationml/2006/main" xmlns:c="http://schemas.openxmlformats.org/drawingml/2006/chart" xmlns:dgm="http://schemas.openxmlformats.org/drawingml/2006/diagram" xmlns:o="urn:schemas-microsoft-com:office:office" xmlns:v="urn:schemas-microsoft-com:vml" xmlns:pvml="urn:schemas-microsoft-com:office:powerpoint" xmlns:com="http://schemas.openxmlformats.org/drawingml/2006/compatibility" xmlns:p14="http://schemas.microsoft.com/office/powerpoint/2010/main" xmlns:p15="http://schemas.microsoft.com/office/powerpoint/2012/main">
+<p:sld xmlns:a="http://schemas.openxmlformats.org/drawingml/2006/main" xmlns:r="http://schemas.openxmlformats.org/officeDocument/2006/relationships" xmlns:p="http://schemas.openxmlformats.org/presentationml/2006/main">
   <p:cSld>
     <p:spTree>
       <p:nvGrpSpPr>
-        <p:cNvPr id="80" name="Shape 80"/>
+        <p:cNvPr id="1" name="Shape 80"/>
         <p:cNvGrpSpPr/>
         <p:nvPr/>
       </p:nvGrpSpPr>
@@ -9388,7 +9293,9 @@
       <p:sp>
         <p:nvSpPr>
           <p:cNvPr id="81" name="Google Shape;81;p16"/>
-          <p:cNvSpPr txBox="1"/>
+          <p:cNvSpPr txBox="1">
+            <a:spLocks noGrp="1"/>
+          </p:cNvSpPr>
           <p:nvPr>
             <p:ph type="title"/>
           </p:nvPr>
@@ -9403,12 +9310,12 @@
           </a:prstGeom>
         </p:spPr>
         <p:txBody>
-          <a:bodyPr anchorCtr="0" anchor="t" bIns="91425" lIns="91425" spcFirstLastPara="1" rIns="91425" wrap="square" tIns="91425">
+          <a:bodyPr spcFirstLastPara="1" wrap="square" lIns="91425" tIns="91425" rIns="91425" bIns="91425" anchor="t" anchorCtr="0">
             <a:noAutofit/>
           </a:bodyPr>
           <a:lstStyle/>
           <a:p>
-            <a:pPr indent="0" lvl="0" marL="0" rtl="0" algn="l">
+            <a:pPr marL="0" lvl="0" indent="0" algn="l" rtl="0">
               <a:spcBef>
                 <a:spcPts val="0"/>
               </a:spcBef>
@@ -9428,9 +9335,11 @@
       <p:sp>
         <p:nvSpPr>
           <p:cNvPr id="82" name="Google Shape;82;p16"/>
-          <p:cNvSpPr txBox="1"/>
+          <p:cNvSpPr txBox="1">
+            <a:spLocks noGrp="1"/>
+          </p:cNvSpPr>
           <p:nvPr>
-            <p:ph idx="1" type="body"/>
+            <p:ph type="body" idx="1"/>
           </p:nvPr>
         </p:nvSpPr>
         <p:spPr>
@@ -9443,12 +9352,12 @@
           </a:prstGeom>
         </p:spPr>
         <p:txBody>
-          <a:bodyPr anchorCtr="0" anchor="t" bIns="91425" lIns="91425" spcFirstLastPara="1" rIns="91425" wrap="square" tIns="91425">
+          <a:bodyPr spcFirstLastPara="1" wrap="square" lIns="91425" tIns="91425" rIns="91425" bIns="91425" anchor="t" anchorCtr="0">
             <a:noAutofit/>
           </a:bodyPr>
           <a:lstStyle/>
           <a:p>
-            <a:pPr indent="0" lvl="0" marL="0" rtl="0" algn="l">
+            <a:pPr marL="0" lvl="0" indent="0" algn="l" rtl="0">
               <a:spcBef>
                 <a:spcPts val="0"/>
               </a:spcBef>
@@ -9502,11 +9411,11 @@
 </file>
 
 <file path=ppt/slides/slide5.xml><?xml version="1.0" encoding="utf-8"?>
-<p:sld xmlns:a="http://schemas.openxmlformats.org/drawingml/2006/main" xmlns:r="http://schemas.openxmlformats.org/officeDocument/2006/relationships" xmlns:mc="http://schemas.openxmlformats.org/markup-compatibility/2006" xmlns:mv="urn:schemas-microsoft-com:mac:vml" xmlns:p="http://schemas.openxmlformats.org/presentationml/2006/main" xmlns:c="http://schemas.openxmlformats.org/drawingml/2006/chart" xmlns:dgm="http://schemas.openxmlformats.org/drawingml/2006/diagram" xmlns:o="urn:schemas-microsoft-com:office:office" xmlns:v="urn:schemas-microsoft-com:vml" xmlns:pvml="urn:schemas-microsoft-com:office:powerpoint" xmlns:com="http://schemas.openxmlformats.org/drawingml/2006/compatibility" xmlns:p14="http://schemas.microsoft.com/office/powerpoint/2010/main" xmlns:p15="http://schemas.microsoft.com/office/powerpoint/2012/main">
+<p:sld xmlns:a="http://schemas.openxmlformats.org/drawingml/2006/main" xmlns:r="http://schemas.openxmlformats.org/officeDocument/2006/relationships" xmlns:p="http://schemas.openxmlformats.org/presentationml/2006/main">
   <p:cSld>
     <p:spTree>
       <p:nvGrpSpPr>
-        <p:cNvPr id="87" name="Shape 87"/>
+        <p:cNvPr id="1" name="Shape 87"/>
         <p:cNvGrpSpPr/>
         <p:nvPr/>
       </p:nvGrpSpPr>
@@ -9521,7 +9430,9 @@
       <p:sp>
         <p:nvSpPr>
           <p:cNvPr id="88" name="Google Shape;88;p17"/>
-          <p:cNvSpPr txBox="1"/>
+          <p:cNvSpPr txBox="1">
+            <a:spLocks noGrp="1"/>
+          </p:cNvSpPr>
           <p:nvPr>
             <p:ph type="title"/>
           </p:nvPr>
@@ -9536,12 +9447,12 @@
           </a:prstGeom>
         </p:spPr>
         <p:txBody>
-          <a:bodyPr anchorCtr="0" anchor="t" bIns="91425" lIns="91425" spcFirstLastPara="1" rIns="91425" wrap="square" tIns="91425">
+          <a:bodyPr spcFirstLastPara="1" wrap="square" lIns="91425" tIns="91425" rIns="91425" bIns="91425" anchor="t" anchorCtr="0">
             <a:noAutofit/>
           </a:bodyPr>
           <a:lstStyle/>
           <a:p>
-            <a:pPr indent="0" lvl="0" marL="0" rtl="0" algn="ctr">
+            <a:pPr marL="0" lvl="0" indent="0" algn="ctr" rtl="0">
               <a:spcBef>
                 <a:spcPts val="0"/>
               </a:spcBef>
@@ -9634,12 +9545,12 @@
           </a:ln>
         </p:spPr>
         <p:txBody>
-          <a:bodyPr anchorCtr="0" anchor="t" bIns="91425" lIns="91425" spcFirstLastPara="1" rIns="91425" wrap="square" tIns="91425">
+          <a:bodyPr spcFirstLastPara="1" wrap="square" lIns="91425" tIns="91425" rIns="91425" bIns="91425" anchor="t" anchorCtr="0">
             <a:noAutofit/>
           </a:bodyPr>
           <a:lstStyle/>
           <a:p>
-            <a:pPr indent="0" lvl="0" marL="0" rtl="0" algn="l">
+            <a:pPr marL="0" lvl="0" indent="0" algn="l" rtl="0">
               <a:spcBef>
                 <a:spcPts val="0"/>
               </a:spcBef>
@@ -9681,11 +9592,11 @@
 </file>
 
 <file path=ppt/slides/slide6.xml><?xml version="1.0" encoding="utf-8"?>
-<p:sld xmlns:a="http://schemas.openxmlformats.org/drawingml/2006/main" xmlns:r="http://schemas.openxmlformats.org/officeDocument/2006/relationships" xmlns:mc="http://schemas.openxmlformats.org/markup-compatibility/2006" xmlns:mv="urn:schemas-microsoft-com:mac:vml" xmlns:p="http://schemas.openxmlformats.org/presentationml/2006/main" xmlns:c="http://schemas.openxmlformats.org/drawingml/2006/chart" xmlns:dgm="http://schemas.openxmlformats.org/drawingml/2006/diagram" xmlns:o="urn:schemas-microsoft-com:office:office" xmlns:v="urn:schemas-microsoft-com:vml" xmlns:pvml="urn:schemas-microsoft-com:office:powerpoint" xmlns:com="http://schemas.openxmlformats.org/drawingml/2006/compatibility" xmlns:p14="http://schemas.microsoft.com/office/powerpoint/2010/main" xmlns:p15="http://schemas.microsoft.com/office/powerpoint/2012/main">
+<p:sld xmlns:a="http://schemas.openxmlformats.org/drawingml/2006/main" xmlns:r="http://schemas.openxmlformats.org/officeDocument/2006/relationships" xmlns:p="http://schemas.openxmlformats.org/presentationml/2006/main">
   <p:cSld>
     <p:spTree>
       <p:nvGrpSpPr>
-        <p:cNvPr id="95" name="Shape 95"/>
+        <p:cNvPr id="1" name="Shape 95"/>
         <p:cNvGrpSpPr/>
         <p:nvPr/>
       </p:nvGrpSpPr>
@@ -9745,12 +9656,12 @@
           </a:ln>
         </p:spPr>
         <p:txBody>
-          <a:bodyPr anchorCtr="0" anchor="t" bIns="91425" lIns="91425" spcFirstLastPara="1" rIns="91425" wrap="square" tIns="91425">
+          <a:bodyPr spcFirstLastPara="1" wrap="square" lIns="91425" tIns="91425" rIns="91425" bIns="91425" anchor="t" anchorCtr="0">
             <a:noAutofit/>
           </a:bodyPr>
           <a:lstStyle/>
           <a:p>
-            <a:pPr indent="-317500" lvl="0" marL="457200" rtl="0" algn="l">
+            <a:pPr marL="457200" lvl="0" indent="-317500" algn="l" rtl="0">
               <a:spcBef>
                 <a:spcPts val="0"/>
               </a:spcBef>
@@ -9787,7 +9698,7 @@
             </a:endParaRPr>
           </a:p>
           <a:p>
-            <a:pPr indent="0" lvl="0" marL="0" rtl="0" algn="l">
+            <a:pPr marL="0" lvl="0" indent="0" algn="l" rtl="0">
               <a:spcBef>
                 <a:spcPts val="0"/>
               </a:spcBef>
@@ -9796,9 +9707,6 @@
               </a:spcAft>
               <a:buNone/>
             </a:pPr>
-            <a:r>
-              <a:t/>
-            </a:r>
             <a:endParaRPr>
               <a:solidFill>
                 <a:srgbClr val="FFFFFF"/>
@@ -9810,7 +9718,7 @@
             </a:endParaRPr>
           </a:p>
           <a:p>
-            <a:pPr indent="-317500" lvl="0" marL="457200" rtl="0" algn="l">
+            <a:pPr marL="457200" lvl="0" indent="-317500" algn="l" rtl="0">
               <a:spcBef>
                 <a:spcPts val="0"/>
               </a:spcBef>
@@ -9847,7 +9755,7 @@
             </a:endParaRPr>
           </a:p>
           <a:p>
-            <a:pPr indent="0" lvl="0" marL="457200" rtl="0" algn="l">
+            <a:pPr marL="457200" lvl="0" indent="0" algn="l" rtl="0">
               <a:spcBef>
                 <a:spcPts val="0"/>
               </a:spcBef>
@@ -9879,7 +9787,7 @@
             </a:endParaRPr>
           </a:p>
           <a:p>
-            <a:pPr indent="0" lvl="0" marL="457200" rtl="0" algn="l">
+            <a:pPr marL="457200" lvl="0" indent="0" algn="l" rtl="0">
               <a:spcBef>
                 <a:spcPts val="0"/>
               </a:spcBef>
@@ -9888,9 +9796,6 @@
               </a:spcAft>
               <a:buNone/>
             </a:pPr>
-            <a:r>
-              <a:t/>
-            </a:r>
             <a:endParaRPr>
               <a:solidFill>
                 <a:srgbClr val="FFFFFF"/>
@@ -9902,7 +9807,7 @@
             </a:endParaRPr>
           </a:p>
           <a:p>
-            <a:pPr indent="-317500" lvl="0" marL="457200" rtl="0" algn="l">
+            <a:pPr marL="457200" lvl="0" indent="-317500" algn="l" rtl="0">
               <a:spcBef>
                 <a:spcPts val="0"/>
               </a:spcBef>
@@ -9939,7 +9844,7 @@
             </a:endParaRPr>
           </a:p>
           <a:p>
-            <a:pPr indent="0" lvl="0" marL="457200" rtl="0" algn="l">
+            <a:pPr marL="457200" lvl="0" indent="0" algn="l" rtl="0">
               <a:spcBef>
                 <a:spcPts val="0"/>
               </a:spcBef>
@@ -9981,11 +9886,11 @@
 </file>
 
 <file path=ppt/slides/slide7.xml><?xml version="1.0" encoding="utf-8"?>
-<p:sld xmlns:a="http://schemas.openxmlformats.org/drawingml/2006/main" xmlns:r="http://schemas.openxmlformats.org/officeDocument/2006/relationships" xmlns:mc="http://schemas.openxmlformats.org/markup-compatibility/2006" xmlns:mv="urn:schemas-microsoft-com:mac:vml" xmlns:p="http://schemas.openxmlformats.org/presentationml/2006/main" xmlns:c="http://schemas.openxmlformats.org/drawingml/2006/chart" xmlns:dgm="http://schemas.openxmlformats.org/drawingml/2006/diagram" xmlns:o="urn:schemas-microsoft-com:office:office" xmlns:v="urn:schemas-microsoft-com:vml" xmlns:pvml="urn:schemas-microsoft-com:office:powerpoint" xmlns:com="http://schemas.openxmlformats.org/drawingml/2006/compatibility" xmlns:p14="http://schemas.microsoft.com/office/powerpoint/2010/main" xmlns:p15="http://schemas.microsoft.com/office/powerpoint/2012/main">
+<p:sld xmlns:a="http://schemas.openxmlformats.org/drawingml/2006/main" xmlns:r="http://schemas.openxmlformats.org/officeDocument/2006/relationships" xmlns:p="http://schemas.openxmlformats.org/presentationml/2006/main">
   <p:cSld>
     <p:spTree>
       <p:nvGrpSpPr>
-        <p:cNvPr id="101" name="Shape 101"/>
+        <p:cNvPr id="1" name="Shape 101"/>
         <p:cNvGrpSpPr/>
         <p:nvPr/>
       </p:nvGrpSpPr>
@@ -10045,12 +9950,12 @@
           </a:ln>
         </p:spPr>
         <p:txBody>
-          <a:bodyPr anchorCtr="0" anchor="t" bIns="91425" lIns="91425" spcFirstLastPara="1" rIns="91425" wrap="square" tIns="91425">
+          <a:bodyPr spcFirstLastPara="1" wrap="square" lIns="91425" tIns="91425" rIns="91425" bIns="91425" anchor="t" anchorCtr="0">
             <a:noAutofit/>
           </a:bodyPr>
           <a:lstStyle/>
           <a:p>
-            <a:pPr indent="-317500" lvl="0" marL="457200" rtl="0" algn="l">
+            <a:pPr marL="457200" lvl="0" indent="-317500" algn="l" rtl="0">
               <a:spcBef>
                 <a:spcPts val="0"/>
               </a:spcBef>
@@ -10074,31 +9979,7 @@
                 <a:cs typeface="Average"/>
                 <a:sym typeface="Average"/>
               </a:rPr>
-              <a:t>Most deaths </a:t>
-            </a:r>
-            <a:r>
-              <a:rPr lang="en">
-                <a:solidFill>
-                  <a:srgbClr val="FFFFFF"/>
-                </a:solidFill>
-                <a:latin typeface="Average"/>
-                <a:ea typeface="Average"/>
-                <a:cs typeface="Average"/>
-                <a:sym typeface="Average"/>
-              </a:rPr>
-              <a:t>occurred</a:t>
-            </a:r>
-            <a:r>
-              <a:rPr lang="en">
-                <a:solidFill>
-                  <a:srgbClr val="FFFFFF"/>
-                </a:solidFill>
-                <a:latin typeface="Average"/>
-                <a:ea typeface="Average"/>
-                <a:cs typeface="Average"/>
-                <a:sym typeface="Average"/>
-              </a:rPr>
-              <a:t> among survivors who had a low dose</a:t>
+              <a:t>Most deaths occurred among survivors who had a low dose</a:t>
             </a:r>
             <a:endParaRPr>
               <a:solidFill>
@@ -10111,7 +9992,7 @@
             </a:endParaRPr>
           </a:p>
           <a:p>
-            <a:pPr indent="0" lvl="0" marL="0" rtl="0" algn="l">
+            <a:pPr marL="0" lvl="0" indent="0" algn="l" rtl="0">
               <a:spcBef>
                 <a:spcPts val="0"/>
               </a:spcBef>
@@ -10120,9 +10001,6 @@
               </a:spcAft>
               <a:buNone/>
             </a:pPr>
-            <a:r>
-              <a:t/>
-            </a:r>
             <a:endParaRPr>
               <a:solidFill>
                 <a:srgbClr val="FFFFFF"/>
@@ -10134,7 +10012,7 @@
             </a:endParaRPr>
           </a:p>
           <a:p>
-            <a:pPr indent="-317500" lvl="0" marL="457200" rtl="0" algn="l">
+            <a:pPr marL="457200" lvl="0" indent="-317500" algn="l" rtl="0">
               <a:spcBef>
                 <a:spcPts val="0"/>
               </a:spcBef>
@@ -10181,11 +10059,11 @@
 </file>
 
 <file path=ppt/slides/slide8.xml><?xml version="1.0" encoding="utf-8"?>
-<p:sld xmlns:a="http://schemas.openxmlformats.org/drawingml/2006/main" xmlns:r="http://schemas.openxmlformats.org/officeDocument/2006/relationships" xmlns:mc="http://schemas.openxmlformats.org/markup-compatibility/2006" xmlns:mv="urn:schemas-microsoft-com:mac:vml" xmlns:p="http://schemas.openxmlformats.org/presentationml/2006/main" xmlns:c="http://schemas.openxmlformats.org/drawingml/2006/chart" xmlns:dgm="http://schemas.openxmlformats.org/drawingml/2006/diagram" xmlns:o="urn:schemas-microsoft-com:office:office" xmlns:v="urn:schemas-microsoft-com:vml" xmlns:pvml="urn:schemas-microsoft-com:office:powerpoint" xmlns:com="http://schemas.openxmlformats.org/drawingml/2006/compatibility" xmlns:p14="http://schemas.microsoft.com/office/powerpoint/2010/main" xmlns:p15="http://schemas.microsoft.com/office/powerpoint/2012/main">
+<p:sld xmlns:a="http://schemas.openxmlformats.org/drawingml/2006/main" xmlns:r="http://schemas.openxmlformats.org/officeDocument/2006/relationships" xmlns:p="http://schemas.openxmlformats.org/presentationml/2006/main">
   <p:cSld>
     <p:spTree>
       <p:nvGrpSpPr>
-        <p:cNvPr id="107" name="Shape 107"/>
+        <p:cNvPr id="1" name="Shape 107"/>
         <p:cNvGrpSpPr/>
         <p:nvPr/>
       </p:nvGrpSpPr>
@@ -10245,12 +10123,12 @@
           </a:ln>
         </p:spPr>
         <p:txBody>
-          <a:bodyPr anchorCtr="0" anchor="t" bIns="91425" lIns="91425" spcFirstLastPara="1" rIns="91425" wrap="square" tIns="91425">
+          <a:bodyPr spcFirstLastPara="1" wrap="square" lIns="91425" tIns="91425" rIns="91425" bIns="91425" anchor="t" anchorCtr="0">
             <a:noAutofit/>
           </a:bodyPr>
           <a:lstStyle/>
           <a:p>
-            <a:pPr indent="-317500" lvl="0" marL="457200" rtl="0" algn="l">
+            <a:pPr marL="457200" lvl="0" indent="-317500" algn="l" rtl="0">
               <a:spcBef>
                 <a:spcPts val="0"/>
               </a:spcBef>
@@ -10265,7 +10143,7 @@
               <a:buChar char="-"/>
             </a:pPr>
             <a:r>
-              <a:rPr lang="en">
+              <a:rPr lang="en" dirty="0">
                 <a:solidFill>
                   <a:srgbClr val="FFFFFF"/>
                 </a:solidFill>
@@ -10276,7 +10154,7 @@
               </a:rPr>
               <a:t>Most deaths were among those with stomach cancer</a:t>
             </a:r>
-            <a:endParaRPr>
+            <a:endParaRPr dirty="0">
               <a:solidFill>
                 <a:srgbClr val="FFFFFF"/>
               </a:solidFill>
@@ -10287,7 +10165,7 @@
             </a:endParaRPr>
           </a:p>
           <a:p>
-            <a:pPr indent="0" lvl="0" marL="457200" rtl="0" algn="l">
+            <a:pPr marL="457200" lvl="0" indent="0" algn="l" rtl="0">
               <a:spcBef>
                 <a:spcPts val="0"/>
               </a:spcBef>
@@ -10296,10 +10174,7 @@
               </a:spcAft>
               <a:buNone/>
             </a:pPr>
-            <a:r>
-              <a:t/>
-            </a:r>
-            <a:endParaRPr>
+            <a:endParaRPr dirty="0">
               <a:solidFill>
                 <a:srgbClr val="FFFFFF"/>
               </a:solidFill>
@@ -10310,7 +10185,7 @@
             </a:endParaRPr>
           </a:p>
           <a:p>
-            <a:pPr indent="-317500" lvl="0" marL="457200" rtl="0" algn="l">
+            <a:pPr marL="457200" lvl="0" indent="-317500" algn="l" rtl="0">
               <a:spcBef>
                 <a:spcPts val="0"/>
               </a:spcBef>
@@ -10325,7 +10200,7 @@
               <a:buChar char="-"/>
             </a:pPr>
             <a:r>
-              <a:rPr lang="en">
+              <a:rPr lang="en" dirty="0">
                 <a:solidFill>
                   <a:srgbClr val="FFFFFF"/>
                 </a:solidFill>
@@ -10336,7 +10211,7 @@
               </a:rPr>
               <a:t>Japanese people more susceptible to gastritis (inflammation of protective lining of stomach)</a:t>
             </a:r>
-            <a:endParaRPr>
+            <a:endParaRPr dirty="0">
               <a:solidFill>
                 <a:srgbClr val="FFFFFF"/>
               </a:solidFill>
@@ -10347,7 +10222,7 @@
             </a:endParaRPr>
           </a:p>
           <a:p>
-            <a:pPr indent="0" lvl="0" marL="457200" rtl="0" algn="l">
+            <a:pPr marL="457200" lvl="0" indent="0" algn="l" rtl="0">
               <a:spcBef>
                 <a:spcPts val="0"/>
               </a:spcBef>
@@ -10356,10 +10231,7 @@
               </a:spcAft>
               <a:buNone/>
             </a:pPr>
-            <a:r>
-              <a:t/>
-            </a:r>
-            <a:endParaRPr>
+            <a:endParaRPr dirty="0">
               <a:solidFill>
                 <a:srgbClr val="FFFFFF"/>
               </a:solidFill>
@@ -10370,7 +10242,7 @@
             </a:endParaRPr>
           </a:p>
           <a:p>
-            <a:pPr indent="-317500" lvl="0" marL="457200" rtl="0" algn="l">
+            <a:pPr marL="457200" lvl="0" indent="-317500" algn="l" rtl="0">
               <a:spcBef>
                 <a:spcPts val="0"/>
               </a:spcBef>
@@ -10385,7 +10257,7 @@
               <a:buChar char="-"/>
             </a:pPr>
             <a:r>
-              <a:rPr lang="en">
+              <a:rPr lang="en" dirty="0">
                 <a:solidFill>
                   <a:srgbClr val="FFFFFF"/>
                 </a:solidFill>
@@ -10394,9 +10266,9 @@
                 <a:cs typeface="Average"/>
                 <a:sym typeface="Average"/>
               </a:rPr>
-              <a:t>Gastritis causes more stomach cancer deaths</a:t>
+              <a:t>Gastritis causes a person to be more susceptible to stomach cancer</a:t>
             </a:r>
-            <a:endParaRPr>
+            <a:endParaRPr dirty="0">
               <a:solidFill>
                 <a:srgbClr val="FFFFFF"/>
               </a:solidFill>
@@ -10417,11 +10289,11 @@
 </file>
 
 <file path=ppt/slides/slide9.xml><?xml version="1.0" encoding="utf-8"?>
-<p:sld xmlns:a="http://schemas.openxmlformats.org/drawingml/2006/main" xmlns:r="http://schemas.openxmlformats.org/officeDocument/2006/relationships" xmlns:mc="http://schemas.openxmlformats.org/markup-compatibility/2006" xmlns:mv="urn:schemas-microsoft-com:mac:vml" xmlns:p="http://schemas.openxmlformats.org/presentationml/2006/main" xmlns:c="http://schemas.openxmlformats.org/drawingml/2006/chart" xmlns:dgm="http://schemas.openxmlformats.org/drawingml/2006/diagram" xmlns:o="urn:schemas-microsoft-com:office:office" xmlns:v="urn:schemas-microsoft-com:vml" xmlns:pvml="urn:schemas-microsoft-com:office:powerpoint" xmlns:com="http://schemas.openxmlformats.org/drawingml/2006/compatibility" xmlns:p14="http://schemas.microsoft.com/office/powerpoint/2010/main" xmlns:p15="http://schemas.microsoft.com/office/powerpoint/2012/main">
+<p:sld xmlns:a="http://schemas.openxmlformats.org/drawingml/2006/main" xmlns:r="http://schemas.openxmlformats.org/officeDocument/2006/relationships" xmlns:p="http://schemas.openxmlformats.org/presentationml/2006/main">
   <p:cSld>
     <p:spTree>
       <p:nvGrpSpPr>
-        <p:cNvPr id="113" name="Shape 113"/>
+        <p:cNvPr id="1" name="Shape 113"/>
         <p:cNvGrpSpPr/>
         <p:nvPr/>
       </p:nvGrpSpPr>
@@ -10481,12 +10353,12 @@
           </a:ln>
         </p:spPr>
         <p:txBody>
-          <a:bodyPr anchorCtr="0" anchor="t" bIns="91425" lIns="91425" spcFirstLastPara="1" rIns="91425" wrap="square" tIns="91425">
+          <a:bodyPr spcFirstLastPara="1" wrap="square" lIns="91425" tIns="91425" rIns="91425" bIns="91425" anchor="t" anchorCtr="0">
             <a:noAutofit/>
           </a:bodyPr>
           <a:lstStyle/>
           <a:p>
-            <a:pPr indent="-317500" lvl="0" marL="457200" rtl="0" algn="l">
+            <a:pPr marL="457200" lvl="0" indent="-317500" algn="l" rtl="0">
               <a:spcBef>
                 <a:spcPts val="0"/>
               </a:spcBef>
@@ -10533,7 +10405,7 @@
 </file>
 
 <file path=ppt/theme/theme1.xml><?xml version="1.0" encoding="utf-8"?>
-<a:theme xmlns:a="http://schemas.openxmlformats.org/drawingml/2006/main" xmlns:r="http://schemas.openxmlformats.org/officeDocument/2006/relationships" name="Slate">
+<a:theme xmlns:a="http://schemas.openxmlformats.org/drawingml/2006/main" name="Slate">
   <a:themeElements>
     <a:clrScheme name="Slate">
       <a:dk1>
@@ -10808,11 +10680,13 @@
       </a:bgFillStyleLst>
     </a:fmtScheme>
   </a:themeElements>
+  <a:objectDefaults/>
+  <a:extraClrSchemeLst/>
 </a:theme>
 </file>
 
 <file path=ppt/theme/theme2.xml><?xml version="1.0" encoding="utf-8"?>
-<a:theme xmlns:a="http://schemas.openxmlformats.org/drawingml/2006/main" xmlns:r="http://schemas.openxmlformats.org/officeDocument/2006/relationships">
+<a:theme xmlns:a="http://schemas.openxmlformats.org/drawingml/2006/main">
   <a:themeElements>
     <a:clrScheme name="Default">
       <a:dk1>
@@ -11087,5 +10961,7 @@
       </a:bgFillStyleLst>
     </a:fmtScheme>
   </a:themeElements>
+  <a:objectDefaults/>
+  <a:extraClrSchemeLst/>
 </a:theme>
 </file>